--- a/materials/slides/ch06-cssBox.pptx
+++ b/materials/slides/ch06-cssBox.pptx
@@ -5,52 +5,52 @@
     <p:sldMasterId id="2147483648" r:id="rId1"/>
   </p:sldMasterIdLst>
   <p:notesMasterIdLst>
-    <p:notesMasterId r:id="rId43"/>
+    <p:notesMasterId r:id="rId6"/>
   </p:notesMasterIdLst>
   <p:sldIdLst>
-    <p:sldId id="432" r:id="rId2"/>
-    <p:sldId id="283" r:id="rId3"/>
-    <p:sldId id="284" r:id="rId4"/>
-    <p:sldId id="372" r:id="rId5"/>
-    <p:sldId id="369" r:id="rId6"/>
-    <p:sldId id="370" r:id="rId7"/>
-    <p:sldId id="371" r:id="rId8"/>
-    <p:sldId id="375" r:id="rId9"/>
-    <p:sldId id="435" r:id="rId10"/>
-    <p:sldId id="392" r:id="rId11"/>
-    <p:sldId id="441" r:id="rId12"/>
-    <p:sldId id="395" r:id="rId13"/>
-    <p:sldId id="396" r:id="rId14"/>
-    <p:sldId id="436" r:id="rId15"/>
-    <p:sldId id="437" r:id="rId16"/>
-    <p:sldId id="438" r:id="rId17"/>
-    <p:sldId id="400" r:id="rId18"/>
-    <p:sldId id="401" r:id="rId19"/>
-    <p:sldId id="402" r:id="rId20"/>
-    <p:sldId id="403" r:id="rId21"/>
-    <p:sldId id="404" r:id="rId22"/>
-    <p:sldId id="405" r:id="rId23"/>
-    <p:sldId id="406" r:id="rId24"/>
-    <p:sldId id="407" r:id="rId25"/>
-    <p:sldId id="408" r:id="rId26"/>
-    <p:sldId id="410" r:id="rId27"/>
-    <p:sldId id="439" r:id="rId28"/>
-    <p:sldId id="373" r:id="rId29"/>
-    <p:sldId id="363" r:id="rId30"/>
-    <p:sldId id="354" r:id="rId31"/>
-    <p:sldId id="387" r:id="rId32"/>
-    <p:sldId id="434" r:id="rId33"/>
-    <p:sldId id="388" r:id="rId34"/>
-    <p:sldId id="440" r:id="rId35"/>
-    <p:sldId id="416" r:id="rId36"/>
-    <p:sldId id="413" r:id="rId37"/>
-    <p:sldId id="414" r:id="rId38"/>
-    <p:sldId id="417" r:id="rId39"/>
-    <p:sldId id="418" r:id="rId40"/>
-    <p:sldId id="287" r:id="rId41"/>
-    <p:sldId id="433" r:id="rId42"/>
+    <p:sldId id="432" r:id="rId3"/>
+    <p:sldId id="283" r:id="rId4"/>
+    <p:sldId id="284" r:id="rId5"/>
+    <p:sldId id="372" r:id="rId7"/>
+    <p:sldId id="369" r:id="rId8"/>
+    <p:sldId id="370" r:id="rId9"/>
+    <p:sldId id="371" r:id="rId10"/>
+    <p:sldId id="375" r:id="rId11"/>
+    <p:sldId id="435" r:id="rId12"/>
+    <p:sldId id="392" r:id="rId13"/>
+    <p:sldId id="441" r:id="rId14"/>
+    <p:sldId id="395" r:id="rId15"/>
+    <p:sldId id="396" r:id="rId16"/>
+    <p:sldId id="436" r:id="rId17"/>
+    <p:sldId id="437" r:id="rId18"/>
+    <p:sldId id="438" r:id="rId19"/>
+    <p:sldId id="400" r:id="rId20"/>
+    <p:sldId id="401" r:id="rId21"/>
+    <p:sldId id="402" r:id="rId22"/>
+    <p:sldId id="403" r:id="rId23"/>
+    <p:sldId id="404" r:id="rId24"/>
+    <p:sldId id="405" r:id="rId25"/>
+    <p:sldId id="406" r:id="rId26"/>
+    <p:sldId id="407" r:id="rId27"/>
+    <p:sldId id="408" r:id="rId28"/>
+    <p:sldId id="410" r:id="rId29"/>
+    <p:sldId id="439" r:id="rId30"/>
+    <p:sldId id="373" r:id="rId31"/>
+    <p:sldId id="363" r:id="rId32"/>
+    <p:sldId id="354" r:id="rId33"/>
+    <p:sldId id="387" r:id="rId34"/>
+    <p:sldId id="434" r:id="rId35"/>
+    <p:sldId id="388" r:id="rId36"/>
+    <p:sldId id="440" r:id="rId37"/>
+    <p:sldId id="416" r:id="rId38"/>
+    <p:sldId id="413" r:id="rId39"/>
+    <p:sldId id="414" r:id="rId40"/>
+    <p:sldId id="417" r:id="rId41"/>
+    <p:sldId id="418" r:id="rId42"/>
+    <p:sldId id="287" r:id="rId43"/>
+    <p:sldId id="433" r:id="rId44"/>
   </p:sldIdLst>
-  <p:sldSz cx="12190413" cy="6859588"/>
+  <p:sldSz cx="12190095" cy="6859270"/>
   <p:notesSz cx="6858000" cy="9144000"/>
   <p:defaultTextStyle>
     <a:defPPr>
@@ -232,7 +232,6 @@
           <a:p>
             <a:fld id="{0E4E0BC6-38A4-47D2-A16E-1969BFB3BA5E}" type="datetimeFigureOut">
               <a:rPr lang="zh-CN" altLang="en-US" smtClean="0"/>
-              <a:t>2018/2/25</a:t>
             </a:fld>
             <a:endParaRPr lang="zh-CN" altLang="en-US"/>
           </a:p>
@@ -299,6 +298,7 @@
               <a:rPr lang="zh-CN" altLang="en-US"/>
               <a:t>单击此处编辑母版文本样式</a:t>
             </a:r>
+            <a:endParaRPr lang="zh-CN" altLang="en-US"/>
           </a:p>
           <a:p>
             <a:pPr lvl="1"/>
@@ -306,6 +306,7 @@
               <a:rPr lang="zh-CN" altLang="en-US"/>
               <a:t>第二级</a:t>
             </a:r>
+            <a:endParaRPr lang="zh-CN" altLang="en-US"/>
           </a:p>
           <a:p>
             <a:pPr lvl="2"/>
@@ -313,6 +314,7 @@
               <a:rPr lang="zh-CN" altLang="en-US"/>
               <a:t>第三级</a:t>
             </a:r>
+            <a:endParaRPr lang="zh-CN" altLang="en-US"/>
           </a:p>
           <a:p>
             <a:pPr lvl="3"/>
@@ -320,6 +322,7 @@
               <a:rPr lang="zh-CN" altLang="en-US"/>
               <a:t>第四级</a:t>
             </a:r>
+            <a:endParaRPr lang="zh-CN" altLang="en-US"/>
           </a:p>
           <a:p>
             <a:pPr lvl="4"/>
@@ -327,6 +330,7 @@
               <a:rPr lang="zh-CN" altLang="en-US"/>
               <a:t>第五级</a:t>
             </a:r>
+            <a:endParaRPr lang="zh-CN" altLang="en-US"/>
           </a:p>
         </p:txBody>
       </p:sp>
@@ -390,18 +394,12 @@
           <a:p>
             <a:fld id="{DE111FDB-DAD7-4D52-9BAA-09527333435C}" type="slidenum">
               <a:rPr lang="zh-CN" altLang="en-US" smtClean="0"/>
-              <a:t>‹#›</a:t>
             </a:fld>
             <a:endParaRPr lang="zh-CN" altLang="en-US"/>
           </a:p>
         </p:txBody>
       </p:sp>
     </p:spTree>
-    <p:extLst>
-      <p:ext uri="{BB962C8B-B14F-4D97-AF65-F5344CB8AC3E}">
-        <p14:creationId xmlns:p14="http://schemas.microsoft.com/office/powerpoint/2010/main" val="3238262895"/>
-      </p:ext>
-    </p:extLst>
   </p:cSld>
   <p:clrMap bg1="lt1" tx1="dk1" bg2="lt2" tx2="dk2" accent1="accent1" accent2="accent2" accent3="accent3" accent4="accent4" accent5="accent5" accent6="accent6" hlink="hlink" folHlink="folHlink"/>
   <p:notesStyle>
@@ -569,7 +567,6 @@
           <a:p>
             <a:fld id="{DE111FDB-DAD7-4D52-9BAA-09527333435C}" type="slidenum">
               <a:rPr lang="zh-CN" altLang="en-US" smtClean="0"/>
-              <a:t>3</a:t>
             </a:fld>
             <a:endParaRPr lang="zh-CN" altLang="en-US"/>
           </a:p>
@@ -653,7 +650,6 @@
           <a:p>
             <a:fld id="{DE111FDB-DAD7-4D52-9BAA-09527333435C}" type="slidenum">
               <a:rPr lang="zh-CN" altLang="en-US" smtClean="0"/>
-              <a:t>34</a:t>
             </a:fld>
             <a:endParaRPr lang="zh-CN" altLang="en-US"/>
           </a:p>
@@ -739,7 +735,6 @@
           <a:p>
             <a:fld id="{DE111FDB-DAD7-4D52-9BAA-09527333435C}" type="slidenum">
               <a:rPr lang="zh-CN" altLang="en-US" smtClean="0"/>
-              <a:t>36</a:t>
             </a:fld>
             <a:endParaRPr lang="zh-CN" altLang="en-US"/>
           </a:p>
@@ -825,7 +820,6 @@
           <a:p>
             <a:fld id="{DE111FDB-DAD7-4D52-9BAA-09527333435C}" type="slidenum">
               <a:rPr lang="zh-CN" altLang="en-US" smtClean="0"/>
-              <a:t>37</a:t>
             </a:fld>
             <a:endParaRPr lang="zh-CN" altLang="en-US"/>
           </a:p>
@@ -909,7 +903,6 @@
           <a:p>
             <a:fld id="{DE111FDB-DAD7-4D52-9BAA-09527333435C}" type="slidenum">
               <a:rPr lang="zh-CN" altLang="en-US" smtClean="0"/>
-              <a:t>9</a:t>
             </a:fld>
             <a:endParaRPr lang="zh-CN" altLang="en-US"/>
           </a:p>
@@ -976,6 +969,7 @@
               <a:rPr lang="zh-CN" altLang="en-US" dirty="0"/>
               <a:t>盒子模型平面结构图</a:t>
             </a:r>
+            <a:endParaRPr lang="zh-CN" altLang="en-US" dirty="0"/>
           </a:p>
         </p:txBody>
       </p:sp>
@@ -996,7 +990,6 @@
           <a:p>
             <a:fld id="{DE111FDB-DAD7-4D52-9BAA-09527333435C}" type="slidenum">
               <a:rPr lang="zh-CN" altLang="en-US" smtClean="0"/>
-              <a:t>10</a:t>
             </a:fld>
             <a:endParaRPr lang="zh-CN" altLang="en-US"/>
           </a:p>
@@ -1084,7 +1077,6 @@
           <a:p>
             <a:fld id="{DE111FDB-DAD7-4D52-9BAA-09527333435C}" type="slidenum">
               <a:rPr lang="zh-CN" altLang="en-US" smtClean="0"/>
-              <a:t>17</a:t>
             </a:fld>
             <a:endParaRPr lang="zh-CN" altLang="en-US"/>
           </a:p>
@@ -1206,8 +1198,6 @@
               </a:rPr>
               <a:t>左边界＋宽度＋右边界</a:t>
             </a:r>
-          </a:p>
-          <a:p>
             <a:endParaRPr lang="zh-CN" altLang="en-US" b="1" dirty="0">
               <a:solidFill>
                 <a:srgbClr val="FF0000"/>
@@ -1217,6 +1207,15 @@
             </a:endParaRPr>
           </a:p>
           <a:p>
+            <a:endParaRPr lang="zh-CN" altLang="en-US" b="1" dirty="0">
+              <a:solidFill>
+                <a:srgbClr val="FF0000"/>
+              </a:solidFill>
+              <a:latin typeface="宋体" panose="02010600030101010101" pitchFamily="2" charset="-122"/>
+              <a:ea typeface="宋体" panose="02010600030101010101" pitchFamily="2" charset="-122"/>
+            </a:endParaRPr>
+          </a:p>
+          <a:p>
             <a:r>
               <a:rPr lang="zh-CN" altLang="en-US" b="1" dirty="0">
                 <a:solidFill>
@@ -1237,6 +1236,13 @@
               </a:rPr>
               <a:t>DOCTYPE</a:t>
             </a:r>
+            <a:endParaRPr lang="en-US" altLang="zh-CN" b="1" dirty="0">
+              <a:solidFill>
+                <a:srgbClr val="FF0000"/>
+              </a:solidFill>
+              <a:latin typeface="宋体" panose="02010600030101010101" pitchFamily="2" charset="-122"/>
+              <a:ea typeface="宋体" panose="02010600030101010101" pitchFamily="2" charset="-122"/>
+            </a:endParaRPr>
           </a:p>
           <a:p>
             <a:endParaRPr lang="zh-CN" altLang="en-US" dirty="0"/>
@@ -1260,7 +1266,6 @@
           <a:p>
             <a:fld id="{DE111FDB-DAD7-4D52-9BAA-09527333435C}" type="slidenum">
               <a:rPr lang="zh-CN" altLang="en-US" smtClean="0"/>
-              <a:t>26</a:t>
             </a:fld>
             <a:endParaRPr lang="zh-CN" altLang="en-US"/>
           </a:p>
@@ -1344,7 +1349,6 @@
           <a:p>
             <a:fld id="{DE111FDB-DAD7-4D52-9BAA-09527333435C}" type="slidenum">
               <a:rPr lang="zh-CN" altLang="en-US" smtClean="0"/>
-              <a:t>27</a:t>
             </a:fld>
             <a:endParaRPr lang="zh-CN" altLang="en-US"/>
           </a:p>
@@ -1598,7 +1602,6 @@
             <a:pPr eaLnBrk="1" hangingPunct="1"/>
             <a:fld id="{3C67EF62-5436-4755-94B2-E8516B4BA0CA}" type="slidenum">
               <a:rPr lang="zh-CN" altLang="en-US" smtClean="0"/>
-              <a:t>29</a:t>
             </a:fld>
             <a:endParaRPr lang="en-US" altLang="zh-CN"/>
           </a:p>
@@ -1852,7 +1855,6 @@
             <a:pPr eaLnBrk="1" hangingPunct="1"/>
             <a:fld id="{834DA5B4-FBB3-4CC2-9B44-597FF29269BF}" type="slidenum">
               <a:rPr lang="zh-CN" altLang="en-US" smtClean="0"/>
-              <a:t>31</a:t>
             </a:fld>
             <a:endParaRPr lang="en-US" altLang="zh-CN"/>
           </a:p>
@@ -2106,7 +2108,6 @@
             <a:pPr eaLnBrk="1" hangingPunct="1"/>
             <a:fld id="{834DA5B4-FBB3-4CC2-9B44-597FF29269BF}" type="slidenum">
               <a:rPr lang="zh-CN" altLang="en-US" smtClean="0"/>
-              <a:t>32</a:t>
             </a:fld>
             <a:endParaRPr lang="en-US" altLang="zh-CN"/>
           </a:p>
@@ -2165,6 +2166,7 @@
               <a:rPr lang="zh-CN" altLang="en-US"/>
               <a:t>单击此处编辑母版标题样式</a:t>
             </a:r>
+            <a:endParaRPr lang="zh-CN" altLang="en-US"/>
           </a:p>
         </p:txBody>
       </p:sp>
@@ -2229,6 +2231,7 @@
               <a:rPr lang="zh-CN" altLang="en-US"/>
               <a:t>单击此处编辑母版副标题样式</a:t>
             </a:r>
+            <a:endParaRPr lang="zh-CN" altLang="en-US"/>
           </a:p>
         </p:txBody>
       </p:sp>
@@ -2249,7 +2252,6 @@
           <a:p>
             <a:fld id="{C87C0710-1941-4207-AFC4-70422DBD405E}" type="datetimeFigureOut">
               <a:rPr lang="zh-CN" altLang="en-US" smtClean="0"/>
-              <a:t>2018/2/25</a:t>
             </a:fld>
             <a:endParaRPr lang="zh-CN" altLang="en-US"/>
           </a:p>
@@ -2291,7 +2293,6 @@
           <a:p>
             <a:fld id="{5BD3F7A2-AB4B-46DB-92F9-EC6C90760ED0}" type="slidenum">
               <a:rPr lang="zh-CN" altLang="en-US" smtClean="0"/>
-              <a:t>‹#›</a:t>
             </a:fld>
             <a:endParaRPr lang="zh-CN" altLang="en-US"/>
           </a:p>
@@ -2302,13 +2303,13 @@
   <p:clrMapOvr>
     <a:masterClrMapping/>
   </p:clrMapOvr>
-  <mc:AlternateContent xmlns:mc="http://schemas.openxmlformats.org/markup-compatibility/2006" xmlns:p14="http://schemas.microsoft.com/office/powerpoint/2010/main">
-    <mc:Choice Requires="p14">
+  <mc:AlternateContent xmlns:mc="http://schemas.openxmlformats.org/markup-compatibility/2006">
+    <mc:Choice xmlns:p14="http://schemas.microsoft.com/office/powerpoint/2010/main" Requires="p14">
       <p:transition spd="slow" p14:dur="1600">
         <p:blinds dir="vert"/>
       </p:transition>
     </mc:Choice>
-    <mc:Fallback xmlns="">
+    <mc:Fallback>
       <p:transition spd="slow">
         <p:blinds dir="vert"/>
       </p:transition>
@@ -2353,6 +2354,7 @@
               <a:rPr lang="zh-CN" altLang="en-US" dirty="0"/>
               <a:t>单击此处编辑母版标题样式</a:t>
             </a:r>
+            <a:endParaRPr lang="zh-CN" altLang="en-US" dirty="0"/>
           </a:p>
         </p:txBody>
       </p:sp>
@@ -2376,6 +2378,7 @@
               <a:rPr lang="zh-CN" altLang="en-US"/>
               <a:t>单击此处编辑母版文本样式</a:t>
             </a:r>
+            <a:endParaRPr lang="zh-CN" altLang="en-US"/>
           </a:p>
           <a:p>
             <a:pPr lvl="1"/>
@@ -2383,6 +2386,7 @@
               <a:rPr lang="zh-CN" altLang="en-US"/>
               <a:t>第二级</a:t>
             </a:r>
+            <a:endParaRPr lang="zh-CN" altLang="en-US"/>
           </a:p>
           <a:p>
             <a:pPr lvl="2"/>
@@ -2390,6 +2394,7 @@
               <a:rPr lang="zh-CN" altLang="en-US"/>
               <a:t>第三级</a:t>
             </a:r>
+            <a:endParaRPr lang="zh-CN" altLang="en-US"/>
           </a:p>
           <a:p>
             <a:pPr lvl="3"/>
@@ -2397,6 +2402,7 @@
               <a:rPr lang="zh-CN" altLang="en-US"/>
               <a:t>第四级</a:t>
             </a:r>
+            <a:endParaRPr lang="zh-CN" altLang="en-US"/>
           </a:p>
           <a:p>
             <a:pPr lvl="4"/>
@@ -2404,6 +2410,7 @@
               <a:rPr lang="zh-CN" altLang="en-US"/>
               <a:t>第五级</a:t>
             </a:r>
+            <a:endParaRPr lang="zh-CN" altLang="en-US"/>
           </a:p>
         </p:txBody>
       </p:sp>
@@ -2424,7 +2431,6 @@
           <a:p>
             <a:fld id="{C87C0710-1941-4207-AFC4-70422DBD405E}" type="datetimeFigureOut">
               <a:rPr lang="zh-CN" altLang="en-US" smtClean="0"/>
-              <a:t>2018/2/25</a:t>
             </a:fld>
             <a:endParaRPr lang="zh-CN" altLang="en-US"/>
           </a:p>
@@ -2466,7 +2472,6 @@
           <a:p>
             <a:fld id="{5BD3F7A2-AB4B-46DB-92F9-EC6C90760ED0}" type="slidenum">
               <a:rPr lang="zh-CN" altLang="en-US" smtClean="0"/>
-              <a:t>‹#›</a:t>
             </a:fld>
             <a:endParaRPr lang="zh-CN" altLang="en-US"/>
           </a:p>
@@ -2477,13 +2482,13 @@
   <p:clrMapOvr>
     <a:masterClrMapping/>
   </p:clrMapOvr>
-  <mc:AlternateContent xmlns:mc="http://schemas.openxmlformats.org/markup-compatibility/2006" xmlns:p14="http://schemas.microsoft.com/office/powerpoint/2010/main">
-    <mc:Choice Requires="p14">
+  <mc:AlternateContent xmlns:mc="http://schemas.openxmlformats.org/markup-compatibility/2006">
+    <mc:Choice xmlns:p14="http://schemas.microsoft.com/office/powerpoint/2010/main" Requires="p14">
       <p:transition spd="slow" p14:dur="1600">
         <p:blinds dir="vert"/>
       </p:transition>
     </mc:Choice>
-    <mc:Fallback xmlns="">
+    <mc:Fallback>
       <p:transition spd="slow">
         <p:blinds dir="vert"/>
       </p:transition>
@@ -2533,6 +2538,7 @@
               <a:rPr lang="zh-CN" altLang="en-US"/>
               <a:t>单击此处编辑母版标题样式</a:t>
             </a:r>
+            <a:endParaRPr lang="zh-CN" altLang="en-US"/>
           </a:p>
         </p:txBody>
       </p:sp>
@@ -2561,6 +2567,7 @@
               <a:rPr lang="zh-CN" altLang="en-US"/>
               <a:t>单击此处编辑母版文本样式</a:t>
             </a:r>
+            <a:endParaRPr lang="zh-CN" altLang="en-US"/>
           </a:p>
           <a:p>
             <a:pPr lvl="1"/>
@@ -2568,6 +2575,7 @@
               <a:rPr lang="zh-CN" altLang="en-US"/>
               <a:t>第二级</a:t>
             </a:r>
+            <a:endParaRPr lang="zh-CN" altLang="en-US"/>
           </a:p>
           <a:p>
             <a:pPr lvl="2"/>
@@ -2575,6 +2583,7 @@
               <a:rPr lang="zh-CN" altLang="en-US"/>
               <a:t>第三级</a:t>
             </a:r>
+            <a:endParaRPr lang="zh-CN" altLang="en-US"/>
           </a:p>
           <a:p>
             <a:pPr lvl="3"/>
@@ -2582,6 +2591,7 @@
               <a:rPr lang="zh-CN" altLang="en-US"/>
               <a:t>第四级</a:t>
             </a:r>
+            <a:endParaRPr lang="zh-CN" altLang="en-US"/>
           </a:p>
           <a:p>
             <a:pPr lvl="4"/>
@@ -2589,6 +2599,7 @@
               <a:rPr lang="zh-CN" altLang="en-US"/>
               <a:t>第五级</a:t>
             </a:r>
+            <a:endParaRPr lang="zh-CN" altLang="en-US"/>
           </a:p>
         </p:txBody>
       </p:sp>
@@ -2609,7 +2620,6 @@
           <a:p>
             <a:fld id="{C87C0710-1941-4207-AFC4-70422DBD405E}" type="datetimeFigureOut">
               <a:rPr lang="zh-CN" altLang="en-US" smtClean="0"/>
-              <a:t>2018/2/25</a:t>
             </a:fld>
             <a:endParaRPr lang="zh-CN" altLang="en-US"/>
           </a:p>
@@ -2651,7 +2661,6 @@
           <a:p>
             <a:fld id="{5BD3F7A2-AB4B-46DB-92F9-EC6C90760ED0}" type="slidenum">
               <a:rPr lang="zh-CN" altLang="en-US" smtClean="0"/>
-              <a:t>‹#›</a:t>
             </a:fld>
             <a:endParaRPr lang="zh-CN" altLang="en-US"/>
           </a:p>
@@ -2662,13 +2671,13 @@
   <p:clrMapOvr>
     <a:masterClrMapping/>
   </p:clrMapOvr>
-  <mc:AlternateContent xmlns:mc="http://schemas.openxmlformats.org/markup-compatibility/2006" xmlns:p14="http://schemas.microsoft.com/office/powerpoint/2010/main">
-    <mc:Choice Requires="p14">
+  <mc:AlternateContent xmlns:mc="http://schemas.openxmlformats.org/markup-compatibility/2006">
+    <mc:Choice xmlns:p14="http://schemas.microsoft.com/office/powerpoint/2010/main" Requires="p14">
       <p:transition spd="slow" p14:dur="1600">
         <p:blinds dir="vert"/>
       </p:transition>
     </mc:Choice>
-    <mc:Fallback xmlns="">
+    <mc:Fallback>
       <p:transition spd="slow">
         <p:blinds dir="vert"/>
       </p:transition>
@@ -2795,6 +2804,7 @@
               <a:rPr lang="zh-CN" altLang="en-US" dirty="0"/>
               <a:t>单击此处编辑母版文本样式</a:t>
             </a:r>
+            <a:endParaRPr lang="zh-CN" altLang="en-US" dirty="0"/>
           </a:p>
           <a:p>
             <a:pPr lvl="1"/>
@@ -2802,6 +2812,7 @@
               <a:rPr lang="zh-CN" altLang="en-US" dirty="0"/>
               <a:t>第二级</a:t>
             </a:r>
+            <a:endParaRPr lang="zh-CN" altLang="en-US" dirty="0"/>
           </a:p>
           <a:p>
             <a:pPr lvl="2"/>
@@ -2809,6 +2820,7 @@
               <a:rPr lang="zh-CN" altLang="en-US" dirty="0"/>
               <a:t>第三级</a:t>
             </a:r>
+            <a:endParaRPr lang="zh-CN" altLang="en-US" dirty="0"/>
           </a:p>
         </p:txBody>
       </p:sp>
@@ -2869,13 +2881,13 @@
   <p:clrMapOvr>
     <a:masterClrMapping/>
   </p:clrMapOvr>
-  <mc:AlternateContent xmlns:mc="http://schemas.openxmlformats.org/markup-compatibility/2006" xmlns:p14="http://schemas.microsoft.com/office/powerpoint/2010/main">
-    <mc:Choice Requires="p14">
+  <mc:AlternateContent xmlns:mc="http://schemas.openxmlformats.org/markup-compatibility/2006">
+    <mc:Choice xmlns:p14="http://schemas.microsoft.com/office/powerpoint/2010/main" Requires="p14">
       <p:transition spd="slow" p14:dur="1600">
         <p:blinds dir="vert"/>
       </p:transition>
     </mc:Choice>
-    <mc:Fallback xmlns="">
+    <mc:Fallback>
       <p:transition spd="slow">
         <p:blinds dir="vert"/>
       </p:transition>
@@ -3145,6 +3157,7 @@
               <a:rPr lang="zh-CN" altLang="en-US" dirty="0"/>
               <a:t>单击此处编辑母版标题样式</a:t>
             </a:r>
+            <a:endParaRPr lang="zh-CN" altLang="en-US" dirty="0"/>
           </a:p>
         </p:txBody>
       </p:sp>
@@ -3153,13 +3166,13 @@
   <p:clrMapOvr>
     <a:masterClrMapping/>
   </p:clrMapOvr>
-  <mc:AlternateContent xmlns:mc="http://schemas.openxmlformats.org/markup-compatibility/2006" xmlns:p14="http://schemas.microsoft.com/office/powerpoint/2010/main">
-    <mc:Choice Requires="p14">
+  <mc:AlternateContent xmlns:mc="http://schemas.openxmlformats.org/markup-compatibility/2006">
+    <mc:Choice xmlns:p14="http://schemas.microsoft.com/office/powerpoint/2010/main" Requires="p14">
       <p:transition spd="slow" p14:dur="1600">
         <p:blinds dir="vert"/>
       </p:transition>
     </mc:Choice>
-    <mc:Fallback xmlns="">
+    <mc:Fallback>
       <p:transition spd="slow">
         <p:blinds dir="vert"/>
       </p:transition>
@@ -3213,6 +3226,7 @@
               <a:rPr lang="zh-CN" altLang="en-US"/>
               <a:t>单击此处编辑母版标题样式</a:t>
             </a:r>
+            <a:endParaRPr lang="zh-CN" altLang="en-US"/>
           </a:p>
         </p:txBody>
       </p:sp>
@@ -3332,6 +3346,7 @@
               <a:rPr lang="zh-CN" altLang="en-US"/>
               <a:t>单击此处编辑母版文本样式</a:t>
             </a:r>
+            <a:endParaRPr lang="zh-CN" altLang="en-US"/>
           </a:p>
         </p:txBody>
       </p:sp>
@@ -3352,7 +3367,6 @@
           <a:p>
             <a:fld id="{C87C0710-1941-4207-AFC4-70422DBD405E}" type="datetimeFigureOut">
               <a:rPr lang="zh-CN" altLang="en-US" smtClean="0"/>
-              <a:t>2018/2/25</a:t>
             </a:fld>
             <a:endParaRPr lang="zh-CN" altLang="en-US"/>
           </a:p>
@@ -3394,7 +3408,6 @@
           <a:p>
             <a:fld id="{5BD3F7A2-AB4B-46DB-92F9-EC6C90760ED0}" type="slidenum">
               <a:rPr lang="zh-CN" altLang="en-US" smtClean="0"/>
-              <a:t>‹#›</a:t>
             </a:fld>
             <a:endParaRPr lang="zh-CN" altLang="en-US"/>
           </a:p>
@@ -3405,13 +3418,13 @@
   <p:clrMapOvr>
     <a:masterClrMapping/>
   </p:clrMapOvr>
-  <mc:AlternateContent xmlns:mc="http://schemas.openxmlformats.org/markup-compatibility/2006" xmlns:p14="http://schemas.microsoft.com/office/powerpoint/2010/main">
-    <mc:Choice Requires="p14">
+  <mc:AlternateContent xmlns:mc="http://schemas.openxmlformats.org/markup-compatibility/2006">
+    <mc:Choice xmlns:p14="http://schemas.microsoft.com/office/powerpoint/2010/main" Requires="p14">
       <p:transition spd="slow" p14:dur="1600">
         <p:blinds dir="vert"/>
       </p:transition>
     </mc:Choice>
-    <mc:Fallback xmlns="">
+    <mc:Fallback>
       <p:transition spd="slow">
         <p:blinds dir="vert"/>
       </p:transition>
@@ -3456,6 +3469,7 @@
               <a:rPr lang="zh-CN" altLang="en-US"/>
               <a:t>单击此处编辑母版标题样式</a:t>
             </a:r>
+            <a:endParaRPr lang="zh-CN" altLang="en-US"/>
           </a:p>
         </p:txBody>
       </p:sp>
@@ -3484,6 +3498,7 @@
               <a:rPr lang="zh-CN" altLang="en-US" dirty="0"/>
               <a:t>单击此处编辑母版文本样式</a:t>
             </a:r>
+            <a:endParaRPr lang="zh-CN" altLang="en-US" dirty="0"/>
           </a:p>
           <a:p>
             <a:pPr lvl="1"/>
@@ -3491,6 +3506,7 @@
               <a:rPr lang="zh-CN" altLang="en-US" dirty="0"/>
               <a:t>第二级</a:t>
             </a:r>
+            <a:endParaRPr lang="zh-CN" altLang="en-US" dirty="0"/>
           </a:p>
           <a:p>
             <a:pPr lvl="2"/>
@@ -3498,6 +3514,7 @@
               <a:rPr lang="zh-CN" altLang="en-US" dirty="0"/>
               <a:t>第三级</a:t>
             </a:r>
+            <a:endParaRPr lang="zh-CN" altLang="en-US" dirty="0"/>
           </a:p>
           <a:p>
             <a:pPr lvl="3"/>
@@ -3505,6 +3522,7 @@
               <a:rPr lang="zh-CN" altLang="en-US" dirty="0"/>
               <a:t>第四级</a:t>
             </a:r>
+            <a:endParaRPr lang="zh-CN" altLang="en-US" dirty="0"/>
           </a:p>
           <a:p>
             <a:pPr lvl="4"/>
@@ -3512,6 +3530,7 @@
               <a:rPr lang="zh-CN" altLang="en-US" dirty="0"/>
               <a:t>第五级</a:t>
             </a:r>
+            <a:endParaRPr lang="zh-CN" altLang="en-US" dirty="0"/>
           </a:p>
         </p:txBody>
       </p:sp>
@@ -3540,6 +3559,7 @@
               <a:rPr lang="zh-CN" altLang="en-US"/>
               <a:t>单击此处编辑母版文本样式</a:t>
             </a:r>
+            <a:endParaRPr lang="zh-CN" altLang="en-US"/>
           </a:p>
           <a:p>
             <a:pPr lvl="1"/>
@@ -3547,6 +3567,7 @@
               <a:rPr lang="zh-CN" altLang="en-US"/>
               <a:t>第二级</a:t>
             </a:r>
+            <a:endParaRPr lang="zh-CN" altLang="en-US"/>
           </a:p>
           <a:p>
             <a:pPr lvl="2"/>
@@ -3554,6 +3575,7 @@
               <a:rPr lang="zh-CN" altLang="en-US"/>
               <a:t>第三级</a:t>
             </a:r>
+            <a:endParaRPr lang="zh-CN" altLang="en-US"/>
           </a:p>
           <a:p>
             <a:pPr lvl="3"/>
@@ -3561,6 +3583,7 @@
               <a:rPr lang="zh-CN" altLang="en-US"/>
               <a:t>第四级</a:t>
             </a:r>
+            <a:endParaRPr lang="zh-CN" altLang="en-US"/>
           </a:p>
           <a:p>
             <a:pPr lvl="4"/>
@@ -3568,6 +3591,7 @@
               <a:rPr lang="zh-CN" altLang="en-US"/>
               <a:t>第五级</a:t>
             </a:r>
+            <a:endParaRPr lang="zh-CN" altLang="en-US"/>
           </a:p>
         </p:txBody>
       </p:sp>
@@ -3588,7 +3612,6 @@
           <a:p>
             <a:fld id="{C87C0710-1941-4207-AFC4-70422DBD405E}" type="datetimeFigureOut">
               <a:rPr lang="zh-CN" altLang="en-US" smtClean="0"/>
-              <a:t>2018/2/25</a:t>
             </a:fld>
             <a:endParaRPr lang="zh-CN" altLang="en-US"/>
           </a:p>
@@ -3630,7 +3653,6 @@
           <a:p>
             <a:fld id="{5BD3F7A2-AB4B-46DB-92F9-EC6C90760ED0}" type="slidenum">
               <a:rPr lang="zh-CN" altLang="en-US" smtClean="0"/>
-              <a:t>‹#›</a:t>
             </a:fld>
             <a:endParaRPr lang="zh-CN" altLang="en-US"/>
           </a:p>
@@ -3641,13 +3663,13 @@
   <p:clrMapOvr>
     <a:masterClrMapping/>
   </p:clrMapOvr>
-  <mc:AlternateContent xmlns:mc="http://schemas.openxmlformats.org/markup-compatibility/2006" xmlns:p14="http://schemas.microsoft.com/office/powerpoint/2010/main">
-    <mc:Choice Requires="p14">
+  <mc:AlternateContent xmlns:mc="http://schemas.openxmlformats.org/markup-compatibility/2006">
+    <mc:Choice xmlns:p14="http://schemas.microsoft.com/office/powerpoint/2010/main" Requires="p14">
       <p:transition spd="slow" p14:dur="1600">
         <p:blinds dir="vert"/>
       </p:transition>
     </mc:Choice>
-    <mc:Fallback xmlns="">
+    <mc:Fallback>
       <p:transition spd="slow">
         <p:blinds dir="vert"/>
       </p:transition>
@@ -3697,6 +3719,7 @@
               <a:rPr lang="zh-CN" altLang="en-US" dirty="0"/>
               <a:t>单击此处编辑母版标题样式</a:t>
             </a:r>
+            <a:endParaRPr lang="zh-CN" altLang="en-US" dirty="0"/>
           </a:p>
         </p:txBody>
       </p:sp>
@@ -3762,6 +3785,7 @@
               <a:rPr lang="zh-CN" altLang="en-US"/>
               <a:t>单击此处编辑母版文本样式</a:t>
             </a:r>
+            <a:endParaRPr lang="zh-CN" altLang="en-US"/>
           </a:p>
         </p:txBody>
       </p:sp>
@@ -3790,6 +3814,7 @@
               <a:rPr lang="zh-CN" altLang="en-US"/>
               <a:t>单击此处编辑母版文本样式</a:t>
             </a:r>
+            <a:endParaRPr lang="zh-CN" altLang="en-US"/>
           </a:p>
           <a:p>
             <a:pPr lvl="1"/>
@@ -3797,6 +3822,7 @@
               <a:rPr lang="zh-CN" altLang="en-US"/>
               <a:t>第二级</a:t>
             </a:r>
+            <a:endParaRPr lang="zh-CN" altLang="en-US"/>
           </a:p>
           <a:p>
             <a:pPr lvl="2"/>
@@ -3804,6 +3830,7 @@
               <a:rPr lang="zh-CN" altLang="en-US"/>
               <a:t>第三级</a:t>
             </a:r>
+            <a:endParaRPr lang="zh-CN" altLang="en-US"/>
           </a:p>
           <a:p>
             <a:pPr lvl="3"/>
@@ -3811,6 +3838,7 @@
               <a:rPr lang="zh-CN" altLang="en-US"/>
               <a:t>第四级</a:t>
             </a:r>
+            <a:endParaRPr lang="zh-CN" altLang="en-US"/>
           </a:p>
           <a:p>
             <a:pPr lvl="4"/>
@@ -3818,6 +3846,7 @@
               <a:rPr lang="zh-CN" altLang="en-US"/>
               <a:t>第五级</a:t>
             </a:r>
+            <a:endParaRPr lang="zh-CN" altLang="en-US"/>
           </a:p>
         </p:txBody>
       </p:sp>
@@ -3883,6 +3912,7 @@
               <a:rPr lang="zh-CN" altLang="en-US"/>
               <a:t>单击此处编辑母版文本样式</a:t>
             </a:r>
+            <a:endParaRPr lang="zh-CN" altLang="en-US"/>
           </a:p>
         </p:txBody>
       </p:sp>
@@ -3911,6 +3941,7 @@
               <a:rPr lang="zh-CN" altLang="en-US"/>
               <a:t>单击此处编辑母版文本样式</a:t>
             </a:r>
+            <a:endParaRPr lang="zh-CN" altLang="en-US"/>
           </a:p>
           <a:p>
             <a:pPr lvl="1"/>
@@ -3918,6 +3949,7 @@
               <a:rPr lang="zh-CN" altLang="en-US"/>
               <a:t>第二级</a:t>
             </a:r>
+            <a:endParaRPr lang="zh-CN" altLang="en-US"/>
           </a:p>
           <a:p>
             <a:pPr lvl="2"/>
@@ -3925,6 +3957,7 @@
               <a:rPr lang="zh-CN" altLang="en-US"/>
               <a:t>第三级</a:t>
             </a:r>
+            <a:endParaRPr lang="zh-CN" altLang="en-US"/>
           </a:p>
           <a:p>
             <a:pPr lvl="3"/>
@@ -3932,6 +3965,7 @@
               <a:rPr lang="zh-CN" altLang="en-US"/>
               <a:t>第四级</a:t>
             </a:r>
+            <a:endParaRPr lang="zh-CN" altLang="en-US"/>
           </a:p>
           <a:p>
             <a:pPr lvl="4"/>
@@ -3939,6 +3973,7 @@
               <a:rPr lang="zh-CN" altLang="en-US"/>
               <a:t>第五级</a:t>
             </a:r>
+            <a:endParaRPr lang="zh-CN" altLang="en-US"/>
           </a:p>
         </p:txBody>
       </p:sp>
@@ -3959,7 +3994,6 @@
           <a:p>
             <a:fld id="{C87C0710-1941-4207-AFC4-70422DBD405E}" type="datetimeFigureOut">
               <a:rPr lang="zh-CN" altLang="en-US" smtClean="0"/>
-              <a:t>2018/2/25</a:t>
             </a:fld>
             <a:endParaRPr lang="zh-CN" altLang="en-US"/>
           </a:p>
@@ -4001,7 +4035,6 @@
           <a:p>
             <a:fld id="{5BD3F7A2-AB4B-46DB-92F9-EC6C90760ED0}" type="slidenum">
               <a:rPr lang="zh-CN" altLang="en-US" smtClean="0"/>
-              <a:t>‹#›</a:t>
             </a:fld>
             <a:endParaRPr lang="zh-CN" altLang="en-US"/>
           </a:p>
@@ -4012,13 +4045,13 @@
   <p:clrMapOvr>
     <a:masterClrMapping/>
   </p:clrMapOvr>
-  <mc:AlternateContent xmlns:mc="http://schemas.openxmlformats.org/markup-compatibility/2006" xmlns:p14="http://schemas.microsoft.com/office/powerpoint/2010/main">
-    <mc:Choice Requires="p14">
+  <mc:AlternateContent xmlns:mc="http://schemas.openxmlformats.org/markup-compatibility/2006">
+    <mc:Choice xmlns:p14="http://schemas.microsoft.com/office/powerpoint/2010/main" Requires="p14">
       <p:transition spd="slow" p14:dur="1600">
         <p:blinds dir="vert"/>
       </p:transition>
     </mc:Choice>
-    <mc:Fallback xmlns="">
+    <mc:Fallback>
       <p:transition spd="slow">
         <p:blinds dir="vert"/>
       </p:transition>
@@ -4063,6 +4096,7 @@
               <a:rPr lang="zh-CN" altLang="en-US"/>
               <a:t>单击此处编辑母版标题样式</a:t>
             </a:r>
+            <a:endParaRPr lang="zh-CN" altLang="en-US"/>
           </a:p>
         </p:txBody>
       </p:sp>
@@ -4083,7 +4117,6 @@
           <a:p>
             <a:fld id="{C87C0710-1941-4207-AFC4-70422DBD405E}" type="datetimeFigureOut">
               <a:rPr lang="zh-CN" altLang="en-US" smtClean="0"/>
-              <a:t>2018/2/25</a:t>
             </a:fld>
             <a:endParaRPr lang="zh-CN" altLang="en-US"/>
           </a:p>
@@ -4125,7 +4158,6 @@
           <a:p>
             <a:fld id="{5BD3F7A2-AB4B-46DB-92F9-EC6C90760ED0}" type="slidenum">
               <a:rPr lang="zh-CN" altLang="en-US" smtClean="0"/>
-              <a:t>‹#›</a:t>
             </a:fld>
             <a:endParaRPr lang="zh-CN" altLang="en-US"/>
           </a:p>
@@ -4136,13 +4168,13 @@
   <p:clrMapOvr>
     <a:masterClrMapping/>
   </p:clrMapOvr>
-  <mc:AlternateContent xmlns:mc="http://schemas.openxmlformats.org/markup-compatibility/2006" xmlns:p14="http://schemas.microsoft.com/office/powerpoint/2010/main">
-    <mc:Choice Requires="p14">
+  <mc:AlternateContent xmlns:mc="http://schemas.openxmlformats.org/markup-compatibility/2006">
+    <mc:Choice xmlns:p14="http://schemas.microsoft.com/office/powerpoint/2010/main" Requires="p14">
       <p:transition spd="slow" p14:dur="1600">
         <p:blinds dir="vert"/>
       </p:transition>
     </mc:Choice>
-    <mc:Fallback xmlns="">
+    <mc:Fallback>
       <p:transition spd="slow">
         <p:blinds dir="vert"/>
       </p:transition>
@@ -4185,7 +4217,6 @@
           <a:p>
             <a:fld id="{C87C0710-1941-4207-AFC4-70422DBD405E}" type="datetimeFigureOut">
               <a:rPr lang="zh-CN" altLang="en-US" smtClean="0"/>
-              <a:t>2018/2/25</a:t>
             </a:fld>
             <a:endParaRPr lang="zh-CN" altLang="en-US"/>
           </a:p>
@@ -4227,7 +4258,6 @@
           <a:p>
             <a:fld id="{5BD3F7A2-AB4B-46DB-92F9-EC6C90760ED0}" type="slidenum">
               <a:rPr lang="zh-CN" altLang="en-US" smtClean="0"/>
-              <a:t>‹#›</a:t>
             </a:fld>
             <a:endParaRPr lang="zh-CN" altLang="en-US"/>
           </a:p>
@@ -4481,6 +4511,7 @@
               <a:rPr lang="zh-CN" altLang="en-US" dirty="0"/>
               <a:t>单击此处编辑母版标题样式</a:t>
             </a:r>
+            <a:endParaRPr lang="zh-CN" altLang="en-US" dirty="0"/>
           </a:p>
         </p:txBody>
       </p:sp>
@@ -4559,6 +4590,7 @@
               <a:rPr lang="zh-CN" altLang="en-US" dirty="0"/>
               <a:t>单击此处编辑母版文本样式</a:t>
             </a:r>
+            <a:endParaRPr lang="zh-CN" altLang="en-US" dirty="0"/>
           </a:p>
           <a:p>
             <a:pPr lvl="1"/>
@@ -4566,6 +4598,7 @@
               <a:rPr lang="zh-CN" altLang="en-US" dirty="0"/>
               <a:t>第二级</a:t>
             </a:r>
+            <a:endParaRPr lang="zh-CN" altLang="en-US" dirty="0"/>
           </a:p>
           <a:p>
             <a:pPr lvl="2"/>
@@ -4573,6 +4606,7 @@
               <a:rPr lang="zh-CN" altLang="en-US" dirty="0"/>
               <a:t>第三级</a:t>
             </a:r>
+            <a:endParaRPr lang="zh-CN" altLang="en-US" dirty="0"/>
           </a:p>
           <a:p>
             <a:pPr lvl="3"/>
@@ -4580,6 +4614,7 @@
               <a:rPr lang="zh-CN" altLang="en-US" dirty="0"/>
               <a:t>第四级</a:t>
             </a:r>
+            <a:endParaRPr lang="zh-CN" altLang="en-US" dirty="0"/>
           </a:p>
           <a:p>
             <a:pPr lvl="4"/>
@@ -4587,6 +4622,7 @@
               <a:rPr lang="zh-CN" altLang="en-US" dirty="0"/>
               <a:t>第五级</a:t>
             </a:r>
+            <a:endParaRPr lang="zh-CN" altLang="en-US" dirty="0"/>
           </a:p>
         </p:txBody>
       </p:sp>
@@ -4595,13 +4631,13 @@
   <p:clrMapOvr>
     <a:masterClrMapping/>
   </p:clrMapOvr>
-  <mc:AlternateContent xmlns:mc="http://schemas.openxmlformats.org/markup-compatibility/2006" xmlns:p14="http://schemas.microsoft.com/office/powerpoint/2010/main">
-    <mc:Choice Requires="p14">
+  <mc:AlternateContent xmlns:mc="http://schemas.openxmlformats.org/markup-compatibility/2006">
+    <mc:Choice xmlns:p14="http://schemas.microsoft.com/office/powerpoint/2010/main" Requires="p14">
       <p:transition spd="slow" p14:dur="1600">
         <p:blinds dir="vert"/>
       </p:transition>
     </mc:Choice>
-    <mc:Fallback xmlns="">
+    <mc:Fallback>
       <p:transition spd="slow">
         <p:blinds dir="vert"/>
       </p:transition>
@@ -4655,6 +4691,7 @@
               <a:rPr lang="zh-CN" altLang="en-US"/>
               <a:t>单击此处编辑母版标题样式</a:t>
             </a:r>
+            <a:endParaRPr lang="zh-CN" altLang="en-US"/>
           </a:p>
         </p:txBody>
       </p:sp>
@@ -4711,6 +4748,7 @@
               <a:rPr lang="zh-CN" altLang="en-US"/>
               <a:t>单击此处编辑母版文本样式</a:t>
             </a:r>
+            <a:endParaRPr lang="zh-CN" altLang="en-US"/>
           </a:p>
           <a:p>
             <a:pPr lvl="1"/>
@@ -4718,6 +4756,7 @@
               <a:rPr lang="zh-CN" altLang="en-US"/>
               <a:t>第二级</a:t>
             </a:r>
+            <a:endParaRPr lang="zh-CN" altLang="en-US"/>
           </a:p>
           <a:p>
             <a:pPr lvl="2"/>
@@ -4725,6 +4764,7 @@
               <a:rPr lang="zh-CN" altLang="en-US"/>
               <a:t>第三级</a:t>
             </a:r>
+            <a:endParaRPr lang="zh-CN" altLang="en-US"/>
           </a:p>
           <a:p>
             <a:pPr lvl="3"/>
@@ -4732,6 +4772,7 @@
               <a:rPr lang="zh-CN" altLang="en-US"/>
               <a:t>第四级</a:t>
             </a:r>
+            <a:endParaRPr lang="zh-CN" altLang="en-US"/>
           </a:p>
           <a:p>
             <a:pPr lvl="4"/>
@@ -4739,6 +4780,7 @@
               <a:rPr lang="zh-CN" altLang="en-US"/>
               <a:t>第五级</a:t>
             </a:r>
+            <a:endParaRPr lang="zh-CN" altLang="en-US"/>
           </a:p>
         </p:txBody>
       </p:sp>
@@ -4804,6 +4846,7 @@
               <a:rPr lang="zh-CN" altLang="en-US"/>
               <a:t>单击此处编辑母版文本样式</a:t>
             </a:r>
+            <a:endParaRPr lang="zh-CN" altLang="en-US"/>
           </a:p>
         </p:txBody>
       </p:sp>
@@ -4824,7 +4867,6 @@
           <a:p>
             <a:fld id="{C87C0710-1941-4207-AFC4-70422DBD405E}" type="datetimeFigureOut">
               <a:rPr lang="zh-CN" altLang="en-US" smtClean="0"/>
-              <a:t>2018/2/25</a:t>
             </a:fld>
             <a:endParaRPr lang="zh-CN" altLang="en-US"/>
           </a:p>
@@ -4866,7 +4908,6 @@
           <a:p>
             <a:fld id="{5BD3F7A2-AB4B-46DB-92F9-EC6C90760ED0}" type="slidenum">
               <a:rPr lang="zh-CN" altLang="en-US" smtClean="0"/>
-              <a:t>‹#›</a:t>
             </a:fld>
             <a:endParaRPr lang="zh-CN" altLang="en-US"/>
           </a:p>
@@ -4877,13 +4918,13 @@
   <p:clrMapOvr>
     <a:masterClrMapping/>
   </p:clrMapOvr>
-  <mc:AlternateContent xmlns:mc="http://schemas.openxmlformats.org/markup-compatibility/2006" xmlns:p14="http://schemas.microsoft.com/office/powerpoint/2010/main">
-    <mc:Choice Requires="p14">
+  <mc:AlternateContent xmlns:mc="http://schemas.openxmlformats.org/markup-compatibility/2006">
+    <mc:Choice xmlns:p14="http://schemas.microsoft.com/office/powerpoint/2010/main" Requires="p14">
       <p:transition spd="slow" p14:dur="1600">
         <p:blinds dir="vert"/>
       </p:transition>
     </mc:Choice>
-    <mc:Fallback xmlns="">
+    <mc:Fallback>
       <p:transition spd="slow">
         <p:blinds dir="vert"/>
       </p:transition>
@@ -4937,6 +4978,7 @@
               <a:rPr lang="zh-CN" altLang="en-US"/>
               <a:t>单击此处编辑母版标题样式</a:t>
             </a:r>
+            <a:endParaRPr lang="zh-CN" altLang="en-US"/>
           </a:p>
         </p:txBody>
       </p:sp>
@@ -5063,6 +5105,7 @@
               <a:rPr lang="zh-CN" altLang="en-US"/>
               <a:t>单击此处编辑母版文本样式</a:t>
             </a:r>
+            <a:endParaRPr lang="zh-CN" altLang="en-US"/>
           </a:p>
         </p:txBody>
       </p:sp>
@@ -5083,7 +5126,6 @@
           <a:p>
             <a:fld id="{C87C0710-1941-4207-AFC4-70422DBD405E}" type="datetimeFigureOut">
               <a:rPr lang="zh-CN" altLang="en-US" smtClean="0"/>
-              <a:t>2018/2/25</a:t>
             </a:fld>
             <a:endParaRPr lang="zh-CN" altLang="en-US"/>
           </a:p>
@@ -5125,7 +5167,6 @@
           <a:p>
             <a:fld id="{5BD3F7A2-AB4B-46DB-92F9-EC6C90760ED0}" type="slidenum">
               <a:rPr lang="zh-CN" altLang="en-US" smtClean="0"/>
-              <a:t>‹#›</a:t>
             </a:fld>
             <a:endParaRPr lang="zh-CN" altLang="en-US"/>
           </a:p>
@@ -5136,13 +5177,13 @@
   <p:clrMapOvr>
     <a:masterClrMapping/>
   </p:clrMapOvr>
-  <mc:AlternateContent xmlns:mc="http://schemas.openxmlformats.org/markup-compatibility/2006" xmlns:p14="http://schemas.microsoft.com/office/powerpoint/2010/main">
-    <mc:Choice Requires="p14">
+  <mc:AlternateContent xmlns:mc="http://schemas.openxmlformats.org/markup-compatibility/2006">
+    <mc:Choice xmlns:p14="http://schemas.microsoft.com/office/powerpoint/2010/main" Requires="p14">
       <p:transition spd="slow" p14:dur="1600">
         <p:blinds dir="vert"/>
       </p:transition>
     </mc:Choice>
-    <mc:Fallback xmlns="">
+    <mc:Fallback>
       <p:transition spd="slow">
         <p:blinds dir="vert"/>
       </p:transition>
@@ -5205,6 +5246,7 @@
               <a:rPr lang="zh-CN" altLang="en-US" dirty="0"/>
               <a:t>单击此处编辑母版标题样式</a:t>
             </a:r>
+            <a:endParaRPr lang="zh-CN" altLang="en-US" dirty="0"/>
           </a:p>
         </p:txBody>
       </p:sp>
@@ -5238,6 +5280,7 @@
               <a:rPr lang="zh-CN" altLang="en-US"/>
               <a:t>单击此处编辑母版文本样式</a:t>
             </a:r>
+            <a:endParaRPr lang="zh-CN" altLang="en-US"/>
           </a:p>
           <a:p>
             <a:pPr lvl="1"/>
@@ -5245,6 +5288,7 @@
               <a:rPr lang="zh-CN" altLang="en-US"/>
               <a:t>第二级</a:t>
             </a:r>
+            <a:endParaRPr lang="zh-CN" altLang="en-US"/>
           </a:p>
           <a:p>
             <a:pPr lvl="2"/>
@@ -5252,6 +5296,7 @@
               <a:rPr lang="zh-CN" altLang="en-US"/>
               <a:t>第三级</a:t>
             </a:r>
+            <a:endParaRPr lang="zh-CN" altLang="en-US"/>
           </a:p>
           <a:p>
             <a:pPr lvl="3"/>
@@ -5259,6 +5304,7 @@
               <a:rPr lang="zh-CN" altLang="en-US"/>
               <a:t>第四级</a:t>
             </a:r>
+            <a:endParaRPr lang="zh-CN" altLang="en-US"/>
           </a:p>
           <a:p>
             <a:pPr lvl="4"/>
@@ -5266,6 +5312,7 @@
               <a:rPr lang="zh-CN" altLang="en-US"/>
               <a:t>第五级</a:t>
             </a:r>
+            <a:endParaRPr lang="zh-CN" altLang="en-US"/>
           </a:p>
         </p:txBody>
       </p:sp>
@@ -5304,7 +5351,6 @@
           <a:p>
             <a:fld id="{C87C0710-1941-4207-AFC4-70422DBD405E}" type="datetimeFigureOut">
               <a:rPr lang="zh-CN" altLang="en-US" smtClean="0"/>
-              <a:t>2018/2/25</a:t>
             </a:fld>
             <a:endParaRPr lang="zh-CN" altLang="en-US"/>
           </a:p>
@@ -5382,7 +5428,6 @@
           <a:p>
             <a:fld id="{5BD3F7A2-AB4B-46DB-92F9-EC6C90760ED0}" type="slidenum">
               <a:rPr lang="zh-CN" altLang="en-US" smtClean="0"/>
-              <a:t>‹#›</a:t>
             </a:fld>
             <a:endParaRPr lang="zh-CN" altLang="en-US"/>
           </a:p>
@@ -5405,13 +5450,13 @@
     <p:sldLayoutId id="2147483659" r:id="rId11"/>
     <p:sldLayoutId id="2147483660" r:id="rId12"/>
   </p:sldLayoutIdLst>
-  <mc:AlternateContent xmlns:mc="http://schemas.openxmlformats.org/markup-compatibility/2006" xmlns:p14="http://schemas.microsoft.com/office/powerpoint/2010/main">
-    <mc:Choice Requires="p14">
+  <mc:AlternateContent xmlns:mc="http://schemas.openxmlformats.org/markup-compatibility/2006">
+    <mc:Choice xmlns:p14="http://schemas.microsoft.com/office/powerpoint/2010/main" Requires="p14">
       <p:transition spd="slow" p14:dur="1600">
         <p:blinds dir="vert"/>
       </p:transition>
     </mc:Choice>
-    <mc:Fallback xmlns="">
+    <mc:Fallback>
       <p:transition spd="slow">
         <p:blinds dir="vert"/>
       </p:transition>
@@ -6900,11 +6945,11 @@
   <p:clrMapOvr>
     <a:masterClrMapping/>
   </p:clrMapOvr>
-  <mc:AlternateContent xmlns:mc="http://schemas.openxmlformats.org/markup-compatibility/2006" xmlns:p14="http://schemas.microsoft.com/office/powerpoint/2010/main">
-    <mc:Choice Requires="p14">
+  <mc:AlternateContent xmlns:mc="http://schemas.openxmlformats.org/markup-compatibility/2006">
+    <mc:Choice xmlns:p14="http://schemas.microsoft.com/office/powerpoint/2010/main" Requires="p14">
       <p:transition p14:dur="0"/>
     </mc:Choice>
-    <mc:Fallback xmlns="">
+    <mc:Fallback>
       <p:transition/>
     </mc:Fallback>
   </mc:AlternateContent>
@@ -6944,7 +6989,7 @@
           <p:nvPr/>
         </p:nvPicPr>
         <p:blipFill>
-          <a:blip r:embed="rId3">
+          <a:blip r:embed="rId1">
             <a:extLst>
               <a:ext uri="{28A0092B-C50C-407E-A947-70E740481C1C}">
                 <a14:useLocalDpi xmlns:a14="http://schemas.microsoft.com/office/drawing/2010/main" val="0"/>
@@ -7143,6 +7188,13 @@
               </a:rPr>
               <a:t>内容区域</a:t>
             </a:r>
+            <a:endParaRPr lang="zh-CN" altLang="en-US" sz="2900" dirty="0">
+              <a:solidFill>
+                <a:srgbClr val="FF0000"/>
+              </a:solidFill>
+              <a:latin typeface="微软雅黑" panose="020B0503020204020204" pitchFamily="34" charset="-122"/>
+              <a:ea typeface="微软雅黑" panose="020B0503020204020204" pitchFamily="34" charset="-122"/>
+            </a:endParaRPr>
           </a:p>
         </p:txBody>
       </p:sp>
@@ -7314,6 +7366,13 @@
                 </a:rPr>
                 <a:t>左边框</a:t>
               </a:r>
+              <a:endParaRPr lang="zh-CN" altLang="en-US" sz="2900" dirty="0">
+                <a:solidFill>
+                  <a:schemeClr val="bg1"/>
+                </a:solidFill>
+                <a:latin typeface="微软雅黑" panose="020B0503020204020204" pitchFamily="34" charset="-122"/>
+                <a:ea typeface="微软雅黑" panose="020B0503020204020204" pitchFamily="34" charset="-122"/>
+              </a:endParaRPr>
             </a:p>
           </p:txBody>
         </p:sp>
@@ -7471,6 +7530,13 @@
                 </a:rPr>
                 <a:t>右边框</a:t>
               </a:r>
+              <a:endParaRPr lang="zh-CN" altLang="en-US" sz="2900" dirty="0">
+                <a:solidFill>
+                  <a:schemeClr val="bg1"/>
+                </a:solidFill>
+                <a:latin typeface="微软雅黑" panose="020B0503020204020204" pitchFamily="34" charset="-122"/>
+                <a:ea typeface="微软雅黑" panose="020B0503020204020204" pitchFamily="34" charset="-122"/>
+              </a:endParaRPr>
             </a:p>
           </p:txBody>
         </p:sp>
@@ -7628,6 +7694,13 @@
                 </a:rPr>
                 <a:t>上边框</a:t>
               </a:r>
+              <a:endParaRPr lang="zh-CN" altLang="en-US" sz="2900" dirty="0">
+                <a:solidFill>
+                  <a:schemeClr val="bg1"/>
+                </a:solidFill>
+                <a:latin typeface="微软雅黑" panose="020B0503020204020204" pitchFamily="34" charset="-122"/>
+                <a:ea typeface="微软雅黑" panose="020B0503020204020204" pitchFamily="34" charset="-122"/>
+              </a:endParaRPr>
             </a:p>
           </p:txBody>
         </p:sp>
@@ -7785,6 +7858,13 @@
                 </a:rPr>
                 <a:t>下边框</a:t>
               </a:r>
+              <a:endParaRPr lang="zh-CN" altLang="en-US" sz="2900" dirty="0">
+                <a:solidFill>
+                  <a:schemeClr val="bg1"/>
+                </a:solidFill>
+                <a:latin typeface="微软雅黑" panose="020B0503020204020204" pitchFamily="34" charset="-122"/>
+                <a:ea typeface="微软雅黑" panose="020B0503020204020204" pitchFamily="34" charset="-122"/>
+              </a:endParaRPr>
             </a:p>
           </p:txBody>
         </p:sp>
@@ -7957,6 +8037,13 @@
                 </a:rPr>
                 <a:t>上内边距</a:t>
               </a:r>
+              <a:endParaRPr lang="zh-CN" altLang="en-US" sz="2900" dirty="0">
+                <a:solidFill>
+                  <a:srgbClr val="FF0000"/>
+                </a:solidFill>
+                <a:latin typeface="微软雅黑" panose="020B0503020204020204" pitchFamily="34" charset="-122"/>
+                <a:ea typeface="微软雅黑" panose="020B0503020204020204" pitchFamily="34" charset="-122"/>
+              </a:endParaRPr>
             </a:p>
           </p:txBody>
         </p:sp>
@@ -8114,6 +8201,13 @@
                 </a:rPr>
                 <a:t>下内边距</a:t>
               </a:r>
+              <a:endParaRPr lang="zh-CN" altLang="en-US" sz="2900" dirty="0">
+                <a:solidFill>
+                  <a:srgbClr val="FF0000"/>
+                </a:solidFill>
+                <a:latin typeface="微软雅黑" panose="020B0503020204020204" pitchFamily="34" charset="-122"/>
+                <a:ea typeface="微软雅黑" panose="020B0503020204020204" pitchFamily="34" charset="-122"/>
+              </a:endParaRPr>
             </a:p>
           </p:txBody>
         </p:sp>
@@ -8271,6 +8365,13 @@
                 </a:rPr>
                 <a:t>左内边距</a:t>
               </a:r>
+              <a:endParaRPr lang="zh-CN" altLang="en-US" sz="2900" dirty="0">
+                <a:solidFill>
+                  <a:srgbClr val="FF0000"/>
+                </a:solidFill>
+                <a:latin typeface="微软雅黑" panose="020B0503020204020204" pitchFamily="34" charset="-122"/>
+                <a:ea typeface="微软雅黑" panose="020B0503020204020204" pitchFamily="34" charset="-122"/>
+              </a:endParaRPr>
             </a:p>
           </p:txBody>
         </p:sp>
@@ -8428,6 +8529,13 @@
                 </a:rPr>
                 <a:t>右内边距</a:t>
               </a:r>
+              <a:endParaRPr lang="zh-CN" altLang="en-US" sz="2900" dirty="0">
+                <a:solidFill>
+                  <a:srgbClr val="FF0000"/>
+                </a:solidFill>
+                <a:latin typeface="微软雅黑" panose="020B0503020204020204" pitchFamily="34" charset="-122"/>
+                <a:ea typeface="微软雅黑" panose="020B0503020204020204" pitchFamily="34" charset="-122"/>
+              </a:endParaRPr>
             </a:p>
           </p:txBody>
         </p:sp>
@@ -8600,6 +8708,13 @@
                 </a:rPr>
                 <a:t>左外边距</a:t>
               </a:r>
+              <a:endParaRPr lang="zh-CN" altLang="en-US" sz="2900" dirty="0">
+                <a:solidFill>
+                  <a:schemeClr val="tx1"/>
+                </a:solidFill>
+                <a:latin typeface="微软雅黑" panose="020B0503020204020204" pitchFamily="34" charset="-122"/>
+                <a:ea typeface="微软雅黑" panose="020B0503020204020204" pitchFamily="34" charset="-122"/>
+              </a:endParaRPr>
             </a:p>
           </p:txBody>
         </p:sp>
@@ -8757,6 +8872,13 @@
                 </a:rPr>
                 <a:t>右外边距</a:t>
               </a:r>
+              <a:endParaRPr lang="zh-CN" altLang="en-US" sz="2900" dirty="0">
+                <a:solidFill>
+                  <a:schemeClr val="tx1"/>
+                </a:solidFill>
+                <a:latin typeface="微软雅黑" panose="020B0503020204020204" pitchFamily="34" charset="-122"/>
+                <a:ea typeface="微软雅黑" panose="020B0503020204020204" pitchFamily="34" charset="-122"/>
+              </a:endParaRPr>
             </a:p>
           </p:txBody>
         </p:sp>
@@ -8914,6 +9036,13 @@
                 </a:rPr>
                 <a:t>上外边距</a:t>
               </a:r>
+              <a:endParaRPr lang="zh-CN" altLang="en-US" sz="2900" dirty="0">
+                <a:solidFill>
+                  <a:schemeClr val="tx1"/>
+                </a:solidFill>
+                <a:latin typeface="微软雅黑" panose="020B0503020204020204" pitchFamily="34" charset="-122"/>
+                <a:ea typeface="微软雅黑" panose="020B0503020204020204" pitchFamily="34" charset="-122"/>
+              </a:endParaRPr>
             </a:p>
           </p:txBody>
         </p:sp>
@@ -9071,6 +9200,13 @@
                 </a:rPr>
                 <a:t>下外边距</a:t>
               </a:r>
+              <a:endParaRPr lang="zh-CN" altLang="en-US" sz="2900" dirty="0">
+                <a:solidFill>
+                  <a:schemeClr val="tx1"/>
+                </a:solidFill>
+                <a:latin typeface="微软雅黑" panose="020B0503020204020204" pitchFamily="34" charset="-122"/>
+                <a:ea typeface="微软雅黑" panose="020B0503020204020204" pitchFamily="34" charset="-122"/>
+              </a:endParaRPr>
             </a:p>
           </p:txBody>
         </p:sp>
@@ -9094,6 +9230,7 @@
               <a:rPr lang="zh-CN" altLang="en-US" dirty="0"/>
               <a:t>盒子模型的平面图</a:t>
             </a:r>
+            <a:endParaRPr lang="zh-CN" altLang="en-US" dirty="0"/>
           </a:p>
         </p:txBody>
       </p:sp>
@@ -9133,6 +9270,17 @@
               </a:rPr>
               <a:t>宽度</a:t>
             </a:r>
+            <a:endParaRPr kumimoji="1" lang="zh-CN" altLang="en-US" sz="2400" dirty="0">
+              <a:solidFill>
+                <a:schemeClr val="tx1">
+                  <a:lumMod val="75000"/>
+                  <a:lumOff val="25000"/>
+                </a:schemeClr>
+              </a:solidFill>
+              <a:latin typeface="微软雅黑" panose="020B0503020204020204" pitchFamily="34" charset="-122"/>
+              <a:ea typeface="微软雅黑" panose="020B0503020204020204" pitchFamily="34" charset="-122"/>
+              <a:cs typeface="微软雅黑" panose="020B0503020204020204" pitchFamily="34" charset="-122"/>
+            </a:endParaRPr>
           </a:p>
         </p:txBody>
       </p:sp>
@@ -9172,6 +9320,17 @@
               </a:rPr>
               <a:t>高度</a:t>
             </a:r>
+            <a:endParaRPr kumimoji="1" lang="zh-CN" altLang="en-US" sz="2400" dirty="0">
+              <a:solidFill>
+                <a:schemeClr val="tx1">
+                  <a:lumMod val="75000"/>
+                  <a:lumOff val="25000"/>
+                </a:schemeClr>
+              </a:solidFill>
+              <a:latin typeface="微软雅黑" panose="020B0503020204020204" pitchFamily="34" charset="-122"/>
+              <a:ea typeface="微软雅黑" panose="020B0503020204020204" pitchFamily="34" charset="-122"/>
+              <a:cs typeface="微软雅黑" panose="020B0503020204020204" pitchFamily="34" charset="-122"/>
+            </a:endParaRPr>
           </a:p>
         </p:txBody>
       </p:sp>
@@ -9180,11 +9339,11 @@
   <p:clrMapOvr>
     <a:masterClrMapping/>
   </p:clrMapOvr>
-  <mc:AlternateContent xmlns:mc="http://schemas.openxmlformats.org/markup-compatibility/2006" xmlns:p14="http://schemas.microsoft.com/office/powerpoint/2010/main">
-    <mc:Choice Requires="p14">
+  <mc:AlternateContent xmlns:mc="http://schemas.openxmlformats.org/markup-compatibility/2006">
+    <mc:Choice xmlns:p14="http://schemas.microsoft.com/office/powerpoint/2010/main" Requires="p14">
       <p:transition p14:dur="0"/>
     </mc:Choice>
-    <mc:Fallback xmlns="">
+    <mc:Fallback>
       <p:transition/>
     </mc:Fallback>
   </mc:AlternateContent>
@@ -9430,7 +9589,7 @@
           <p:nvPr/>
         </p:nvPicPr>
         <p:blipFill>
-          <a:blip r:embed="rId2">
+          <a:blip r:embed="rId1">
             <a:extLst>
               <a:ext uri="{28A0092B-C50C-407E-A947-70E740481C1C}">
                 <a14:useLocalDpi xmlns:a14="http://schemas.microsoft.com/office/drawing/2010/main" val="0"/>
@@ -9658,6 +9817,10 @@
                 </a:rPr>
                 <a:t>列表、图片、文字、媒体等。</a:t>
               </a:r>
+              <a:endParaRPr lang="zh-CN" altLang="en-US" sz="2900" dirty="0">
+                <a:latin typeface="微软雅黑" panose="020B0503020204020204" pitchFamily="34" charset="-122"/>
+                <a:ea typeface="微软雅黑" panose="020B0503020204020204" pitchFamily="34" charset="-122"/>
+              </a:endParaRPr>
             </a:p>
           </p:txBody>
         </p:sp>
@@ -9723,6 +9886,7 @@
               <a:rPr lang="zh-CN" altLang="en-US" dirty="0"/>
               <a:t>大小</a:t>
             </a:r>
+            <a:endParaRPr lang="zh-CN" altLang="en-US" dirty="0"/>
           </a:p>
         </p:txBody>
       </p:sp>
@@ -10305,6 +10469,9 @@
               </a:rPr>
               <a:t>height</a:t>
             </a:r>
+            <a:endParaRPr lang="en-US" altLang="zh-CN" sz="2400" dirty="0">
+              <a:latin typeface="Times New Roman" panose="02020603050405020304" pitchFamily="18" charset="0"/>
+            </a:endParaRPr>
           </a:p>
         </p:txBody>
       </p:sp>
@@ -10616,6 +10783,13 @@
               </a:rPr>
               <a:t>内容区域</a:t>
             </a:r>
+            <a:endParaRPr lang="zh-CN" altLang="en-US" sz="2900" dirty="0">
+              <a:solidFill>
+                <a:srgbClr val="FF0000"/>
+              </a:solidFill>
+              <a:latin typeface="微软雅黑" panose="020B0503020204020204" pitchFamily="34" charset="-122"/>
+              <a:ea typeface="微软雅黑" panose="020B0503020204020204" pitchFamily="34" charset="-122"/>
+            </a:endParaRPr>
           </a:p>
         </p:txBody>
       </p:sp>
@@ -10624,11 +10798,11 @@
   <p:clrMapOvr>
     <a:masterClrMapping/>
   </p:clrMapOvr>
-  <mc:AlternateContent xmlns:mc="http://schemas.openxmlformats.org/markup-compatibility/2006" xmlns:p14="http://schemas.microsoft.com/office/powerpoint/2010/main">
-    <mc:Choice Requires="p14">
+  <mc:AlternateContent xmlns:mc="http://schemas.openxmlformats.org/markup-compatibility/2006">
+    <mc:Choice xmlns:p14="http://schemas.microsoft.com/office/powerpoint/2010/main" Requires="p14">
       <p:transition p14:dur="0"/>
     </mc:Choice>
-    <mc:Fallback xmlns="">
+    <mc:Fallback>
       <p:transition/>
     </mc:Fallback>
   </mc:AlternateContent>
@@ -10668,7 +10842,7 @@
           <p:nvPr/>
         </p:nvPicPr>
         <p:blipFill>
-          <a:blip r:embed="rId2">
+          <a:blip r:embed="rId1">
             <a:extLst>
               <a:ext uri="{28A0092B-C50C-407E-A947-70E740481C1C}">
                 <a14:useLocalDpi xmlns:a14="http://schemas.microsoft.com/office/drawing/2010/main" val="0"/>
@@ -10926,6 +11100,10 @@
                 </a:rPr>
                 <a:t>border</a:t>
               </a:r>
+              <a:endParaRPr lang="en-US" altLang="zh-CN" sz="2800" dirty="0">
+                <a:latin typeface="微软雅黑" panose="020B0503020204020204" pitchFamily="34" charset="-122"/>
+                <a:ea typeface="微软雅黑" panose="020B0503020204020204" pitchFamily="34" charset="-122"/>
+              </a:endParaRPr>
             </a:p>
             <a:p>
               <a:pPr eaLnBrk="1" hangingPunct="1">
@@ -10943,6 +11121,13 @@
                 </a:rPr>
                 <a:t>用于限定盒子的外围</a:t>
               </a:r>
+              <a:endParaRPr lang="zh-CN" altLang="en-US" sz="2800" dirty="0">
+                <a:solidFill>
+                  <a:schemeClr val="tx1"/>
+                </a:solidFill>
+                <a:latin typeface="微软雅黑" panose="020B0503020204020204" pitchFamily="34" charset="-122"/>
+                <a:ea typeface="微软雅黑" panose="020B0503020204020204" pitchFamily="34" charset="-122"/>
+              </a:endParaRPr>
             </a:p>
           </p:txBody>
         </p:sp>
@@ -10966,6 +11151,7 @@
               <a:rPr lang="zh-CN" altLang="en-US" dirty="0"/>
               <a:t>边框</a:t>
             </a:r>
+            <a:endParaRPr lang="zh-CN" altLang="en-US" dirty="0"/>
           </a:p>
         </p:txBody>
       </p:sp>
@@ -11690,11 +11876,11 @@
   <p:clrMapOvr>
     <a:masterClrMapping/>
   </p:clrMapOvr>
-  <mc:AlternateContent xmlns:mc="http://schemas.openxmlformats.org/markup-compatibility/2006" xmlns:p14="http://schemas.microsoft.com/office/powerpoint/2010/main">
-    <mc:Choice Requires="p14">
+  <mc:AlternateContent xmlns:mc="http://schemas.openxmlformats.org/markup-compatibility/2006">
+    <mc:Choice xmlns:p14="http://schemas.microsoft.com/office/powerpoint/2010/main" Requires="p14">
       <p:transition p14:dur="0"/>
     </mc:Choice>
-    <mc:Fallback xmlns="">
+    <mc:Fallback>
       <p:transition/>
     </mc:Fallback>
   </mc:AlternateContent>
@@ -12255,7 +12441,7 @@
           <p:nvPr/>
         </p:nvPicPr>
         <p:blipFill>
-          <a:blip r:embed="rId2">
+          <a:blip r:embed="rId1">
             <a:extLst>
               <a:ext uri="{28A0092B-C50C-407E-A947-70E740481C1C}">
                 <a14:useLocalDpi xmlns:a14="http://schemas.microsoft.com/office/drawing/2010/main" val="0"/>
@@ -12292,11 +12478,11 @@
   <p:clrMapOvr>
     <a:masterClrMapping/>
   </p:clrMapOvr>
-  <mc:AlternateContent xmlns:mc="http://schemas.openxmlformats.org/markup-compatibility/2006" xmlns:p14="http://schemas.microsoft.com/office/powerpoint/2010/main">
-    <mc:Choice Requires="p14">
+  <mc:AlternateContent xmlns:mc="http://schemas.openxmlformats.org/markup-compatibility/2006">
+    <mc:Choice xmlns:p14="http://schemas.microsoft.com/office/powerpoint/2010/main" Requires="p14">
       <p:transition p14:dur="0"/>
     </mc:Choice>
-    <mc:Fallback xmlns="">
+    <mc:Fallback>
       <p:transition/>
     </mc:Fallback>
   </mc:AlternateContent>
@@ -12443,7 +12629,7 @@
           <p:nvPr/>
         </p:nvPicPr>
         <p:blipFill>
-          <a:blip r:embed="rId2">
+          <a:blip r:embed="rId1">
             <a:extLst>
               <a:ext uri="{28A0092B-C50C-407E-A947-70E740481C1C}">
                 <a14:useLocalDpi xmlns:a14="http://schemas.microsoft.com/office/drawing/2010/main" val="0"/>
@@ -12548,6 +12734,13 @@
                 </a:rPr>
                 <a:t>border-top-width:1px;</a:t>
               </a:r>
+              <a:endParaRPr lang="en-US" altLang="zh-CN" sz="2400" dirty="0">
+                <a:solidFill>
+                  <a:srgbClr val="000000"/>
+                </a:solidFill>
+                <a:latin typeface="微软雅黑" panose="020B0503020204020204" pitchFamily="34" charset="-122"/>
+                <a:ea typeface="微软雅黑" panose="020B0503020204020204" pitchFamily="34" charset="-122"/>
+              </a:endParaRPr>
             </a:p>
             <a:p>
               <a:pPr>
@@ -12566,6 +12759,13 @@
                 </a:rPr>
                 <a:t>border-right-width:1px;</a:t>
               </a:r>
+              <a:endParaRPr lang="en-US" altLang="zh-CN" sz="2400" dirty="0">
+                <a:solidFill>
+                  <a:srgbClr val="000000"/>
+                </a:solidFill>
+                <a:latin typeface="微软雅黑" panose="020B0503020204020204" pitchFamily="34" charset="-122"/>
+                <a:ea typeface="微软雅黑" panose="020B0503020204020204" pitchFamily="34" charset="-122"/>
+              </a:endParaRPr>
             </a:p>
             <a:p>
               <a:pPr>
@@ -12584,6 +12784,13 @@
                 </a:rPr>
                 <a:t>border-bottom-width:1px;</a:t>
               </a:r>
+              <a:endParaRPr lang="en-US" altLang="zh-CN" sz="2400" dirty="0">
+                <a:solidFill>
+                  <a:srgbClr val="000000"/>
+                </a:solidFill>
+                <a:latin typeface="微软雅黑" panose="020B0503020204020204" pitchFamily="34" charset="-122"/>
+                <a:ea typeface="微软雅黑" panose="020B0503020204020204" pitchFamily="34" charset="-122"/>
+              </a:endParaRPr>
             </a:p>
             <a:p>
               <a:pPr>
@@ -12724,7 +12931,7 @@
           <p:nvPr/>
         </p:nvPicPr>
         <p:blipFill>
-          <a:blip r:embed="rId3">
+          <a:blip r:embed="rId2">
             <a:extLst>
               <a:ext uri="{28A0092B-C50C-407E-A947-70E740481C1C}">
                 <a14:useLocalDpi xmlns:a14="http://schemas.microsoft.com/office/drawing/2010/main" val="0"/>
@@ -12778,7 +12985,7 @@
           <p:nvPr/>
         </p:nvPicPr>
         <p:blipFill>
-          <a:blip r:embed="rId4">
+          <a:blip r:embed="rId3">
             <a:extLst>
               <a:ext uri="{28A0092B-C50C-407E-A947-70E740481C1C}">
                 <a14:useLocalDpi xmlns:a14="http://schemas.microsoft.com/office/drawing/2010/main" val="0"/>
@@ -12832,7 +13039,7 @@
           <p:nvPr/>
         </p:nvPicPr>
         <p:blipFill>
-          <a:blip r:embed="rId5">
+          <a:blip r:embed="rId4">
             <a:extLst>
               <a:ext uri="{28A0092B-C50C-407E-A947-70E740481C1C}">
                 <a14:useLocalDpi xmlns:a14="http://schemas.microsoft.com/office/drawing/2010/main" val="0"/>
@@ -12886,7 +13093,7 @@
           <p:nvPr/>
         </p:nvPicPr>
         <p:blipFill>
-          <a:blip r:embed="rId6">
+          <a:blip r:embed="rId5">
             <a:extLst>
               <a:ext uri="{28A0092B-C50C-407E-A947-70E740481C1C}">
                 <a14:useLocalDpi xmlns:a14="http://schemas.microsoft.com/office/drawing/2010/main" val="0"/>
@@ -13141,11 +13348,11 @@
   <p:clrMapOvr>
     <a:masterClrMapping/>
   </p:clrMapOvr>
-  <mc:AlternateContent xmlns:mc="http://schemas.openxmlformats.org/markup-compatibility/2006" xmlns:p14="http://schemas.microsoft.com/office/powerpoint/2010/main">
-    <mc:Choice Requires="p14">
+  <mc:AlternateContent xmlns:mc="http://schemas.openxmlformats.org/markup-compatibility/2006">
+    <mc:Choice xmlns:p14="http://schemas.microsoft.com/office/powerpoint/2010/main" Requires="p14">
       <p:transition spd="slow" p14:dur="1600"/>
     </mc:Choice>
-    <mc:Fallback xmlns="">
+    <mc:Fallback>
       <p:transition spd="slow"/>
     </mc:Fallback>
   </mc:AlternateContent>
@@ -13759,7 +13966,7 @@
           <p:nvPr/>
         </p:nvPicPr>
         <p:blipFill>
-          <a:blip r:embed="rId2">
+          <a:blip r:embed="rId1">
             <a:extLst>
               <a:ext uri="{28A0092B-C50C-407E-A947-70E740481C1C}">
                 <a14:useLocalDpi xmlns:a14="http://schemas.microsoft.com/office/drawing/2010/main" val="0"/>
@@ -13884,6 +14091,13 @@
                 </a:rPr>
                 <a:t>;</a:t>
               </a:r>
+              <a:endParaRPr lang="en-US" altLang="zh-CN" sz="2400" dirty="0">
+                <a:solidFill>
+                  <a:srgbClr val="000000"/>
+                </a:solidFill>
+                <a:latin typeface="微软雅黑" panose="020B0503020204020204" pitchFamily="34" charset="-122"/>
+                <a:ea typeface="微软雅黑" panose="020B0503020204020204" pitchFamily="34" charset="-122"/>
+              </a:endParaRPr>
             </a:p>
             <a:p>
               <a:pPr>
@@ -13922,6 +14136,13 @@
                 </a:rPr>
                 <a:t>;</a:t>
               </a:r>
+              <a:endParaRPr lang="en-US" altLang="zh-CN" sz="2400" dirty="0">
+                <a:solidFill>
+                  <a:srgbClr val="000000"/>
+                </a:solidFill>
+                <a:latin typeface="微软雅黑" panose="020B0503020204020204" pitchFamily="34" charset="-122"/>
+                <a:ea typeface="微软雅黑" panose="020B0503020204020204" pitchFamily="34" charset="-122"/>
+              </a:endParaRPr>
             </a:p>
             <a:p>
               <a:pPr>
@@ -13960,6 +14181,13 @@
                 </a:rPr>
                 <a:t>;</a:t>
               </a:r>
+              <a:endParaRPr lang="en-US" altLang="zh-CN" sz="2400" dirty="0">
+                <a:solidFill>
+                  <a:srgbClr val="000000"/>
+                </a:solidFill>
+                <a:latin typeface="微软雅黑" panose="020B0503020204020204" pitchFamily="34" charset="-122"/>
+                <a:ea typeface="微软雅黑" panose="020B0503020204020204" pitchFamily="34" charset="-122"/>
+              </a:endParaRPr>
             </a:p>
             <a:p>
               <a:pPr>
@@ -14120,7 +14348,7 @@
           <p:nvPr/>
         </p:nvPicPr>
         <p:blipFill>
-          <a:blip r:embed="rId3">
+          <a:blip r:embed="rId2">
             <a:extLst>
               <a:ext uri="{28A0092B-C50C-407E-A947-70E740481C1C}">
                 <a14:useLocalDpi xmlns:a14="http://schemas.microsoft.com/office/drawing/2010/main" val="0"/>
@@ -14174,7 +14402,7 @@
           <p:nvPr/>
         </p:nvPicPr>
         <p:blipFill>
-          <a:blip r:embed="rId4">
+          <a:blip r:embed="rId3">
             <a:extLst>
               <a:ext uri="{28A0092B-C50C-407E-A947-70E740481C1C}">
                 <a14:useLocalDpi xmlns:a14="http://schemas.microsoft.com/office/drawing/2010/main" val="0"/>
@@ -14228,7 +14456,7 @@
           <p:nvPr/>
         </p:nvPicPr>
         <p:blipFill>
-          <a:blip r:embed="rId5">
+          <a:blip r:embed="rId4">
             <a:extLst>
               <a:ext uri="{28A0092B-C50C-407E-A947-70E740481C1C}">
                 <a14:useLocalDpi xmlns:a14="http://schemas.microsoft.com/office/drawing/2010/main" val="0"/>
@@ -14282,7 +14510,7 @@
           <p:nvPr/>
         </p:nvPicPr>
         <p:blipFill>
-          <a:blip r:embed="rId6">
+          <a:blip r:embed="rId5">
             <a:extLst>
               <a:ext uri="{28A0092B-C50C-407E-A947-70E740481C1C}">
                 <a14:useLocalDpi xmlns:a14="http://schemas.microsoft.com/office/drawing/2010/main" val="0"/>
@@ -14537,11 +14765,11 @@
   <p:clrMapOvr>
     <a:masterClrMapping/>
   </p:clrMapOvr>
-  <mc:AlternateContent xmlns:mc="http://schemas.openxmlformats.org/markup-compatibility/2006" xmlns:p14="http://schemas.microsoft.com/office/powerpoint/2010/main">
-    <mc:Choice Requires="p14">
+  <mc:AlternateContent xmlns:mc="http://schemas.openxmlformats.org/markup-compatibility/2006">
+    <mc:Choice xmlns:p14="http://schemas.microsoft.com/office/powerpoint/2010/main" Requires="p14">
       <p:transition spd="slow" p14:dur="1600"/>
     </mc:Choice>
-    <mc:Fallback xmlns="">
+    <mc:Fallback>
       <p:transition spd="slow"/>
     </mc:Fallback>
   </mc:AlternateContent>
@@ -15155,7 +15383,7 @@
           <p:nvPr/>
         </p:nvPicPr>
         <p:blipFill>
-          <a:blip r:embed="rId2">
+          <a:blip r:embed="rId1">
             <a:extLst>
               <a:ext uri="{28A0092B-C50C-407E-A947-70E740481C1C}">
                 <a14:useLocalDpi xmlns:a14="http://schemas.microsoft.com/office/drawing/2010/main" val="0"/>
@@ -15270,6 +15498,13 @@
                 </a:rPr>
                 <a:t>;</a:t>
               </a:r>
+              <a:endParaRPr lang="en-US" altLang="zh-CN" sz="2400" dirty="0">
+                <a:solidFill>
+                  <a:srgbClr val="000000"/>
+                </a:solidFill>
+                <a:latin typeface="微软雅黑" panose="020B0503020204020204" pitchFamily="34" charset="-122"/>
+                <a:ea typeface="微软雅黑" panose="020B0503020204020204" pitchFamily="34" charset="-122"/>
+              </a:endParaRPr>
             </a:p>
             <a:p>
               <a:pPr>
@@ -15298,6 +15533,13 @@
                 </a:rPr>
                 <a:t>;</a:t>
               </a:r>
+              <a:endParaRPr lang="en-US" altLang="zh-CN" sz="2400" dirty="0">
+                <a:solidFill>
+                  <a:srgbClr val="000000"/>
+                </a:solidFill>
+                <a:latin typeface="微软雅黑" panose="020B0503020204020204" pitchFamily="34" charset="-122"/>
+                <a:ea typeface="微软雅黑" panose="020B0503020204020204" pitchFamily="34" charset="-122"/>
+              </a:endParaRPr>
             </a:p>
             <a:p>
               <a:pPr>
@@ -15326,6 +15568,13 @@
                 </a:rPr>
                 <a:t>;</a:t>
               </a:r>
+              <a:endParaRPr lang="en-US" altLang="zh-CN" sz="2400" dirty="0">
+                <a:solidFill>
+                  <a:srgbClr val="000000"/>
+                </a:solidFill>
+                <a:latin typeface="微软雅黑" panose="020B0503020204020204" pitchFamily="34" charset="-122"/>
+                <a:ea typeface="微软雅黑" panose="020B0503020204020204" pitchFamily="34" charset="-122"/>
+              </a:endParaRPr>
             </a:p>
             <a:p>
               <a:pPr>
@@ -15476,7 +15725,7 @@
           <p:nvPr/>
         </p:nvPicPr>
         <p:blipFill>
-          <a:blip r:embed="rId3">
+          <a:blip r:embed="rId2">
             <a:extLst>
               <a:ext uri="{28A0092B-C50C-407E-A947-70E740481C1C}">
                 <a14:useLocalDpi xmlns:a14="http://schemas.microsoft.com/office/drawing/2010/main" val="0"/>
@@ -15530,7 +15779,7 @@
           <p:nvPr/>
         </p:nvPicPr>
         <p:blipFill>
-          <a:blip r:embed="rId4">
+          <a:blip r:embed="rId3">
             <a:extLst>
               <a:ext uri="{28A0092B-C50C-407E-A947-70E740481C1C}">
                 <a14:useLocalDpi xmlns:a14="http://schemas.microsoft.com/office/drawing/2010/main" val="0"/>
@@ -15584,7 +15833,7 @@
           <p:nvPr/>
         </p:nvPicPr>
         <p:blipFill>
-          <a:blip r:embed="rId5">
+          <a:blip r:embed="rId4">
             <a:extLst>
               <a:ext uri="{28A0092B-C50C-407E-A947-70E740481C1C}">
                 <a14:useLocalDpi xmlns:a14="http://schemas.microsoft.com/office/drawing/2010/main" val="0"/>
@@ -15638,7 +15887,7 @@
           <p:nvPr/>
         </p:nvPicPr>
         <p:blipFill>
-          <a:blip r:embed="rId6">
+          <a:blip r:embed="rId5">
             <a:extLst>
               <a:ext uri="{28A0092B-C50C-407E-A947-70E740481C1C}">
                 <a14:useLocalDpi xmlns:a14="http://schemas.microsoft.com/office/drawing/2010/main" val="0"/>
@@ -15893,11 +16142,11 @@
   <p:clrMapOvr>
     <a:masterClrMapping/>
   </p:clrMapOvr>
-  <mc:AlternateContent xmlns:mc="http://schemas.openxmlformats.org/markup-compatibility/2006" xmlns:p14="http://schemas.microsoft.com/office/powerpoint/2010/main">
-    <mc:Choice Requires="p14">
+  <mc:AlternateContent xmlns:mc="http://schemas.openxmlformats.org/markup-compatibility/2006">
+    <mc:Choice xmlns:p14="http://schemas.microsoft.com/office/powerpoint/2010/main" Requires="p14">
       <p:transition spd="slow" p14:dur="1600"/>
     </mc:Choice>
-    <mc:Fallback xmlns="">
+    <mc:Fallback>
       <p:transition spd="slow"/>
     </mc:Fallback>
   </mc:AlternateContent>
@@ -16404,7 +16653,7 @@
           <p:nvPr/>
         </p:nvPicPr>
         <p:blipFill>
-          <a:blip r:embed="rId3">
+          <a:blip r:embed="rId1">
             <a:extLst>
               <a:ext uri="{28A0092B-C50C-407E-A947-70E740481C1C}">
                 <a14:useLocalDpi xmlns:a14="http://schemas.microsoft.com/office/drawing/2010/main" val="0"/>
@@ -16468,6 +16717,7 @@
               <a:rPr lang="zh-CN" altLang="en-US" dirty="0"/>
               <a:t>边框样式关键字</a:t>
             </a:r>
+            <a:endParaRPr lang="zh-CN" altLang="en-US" dirty="0"/>
           </a:p>
         </p:txBody>
       </p:sp>
@@ -16476,11 +16726,11 @@
   <p:clrMapOvr>
     <a:masterClrMapping/>
   </p:clrMapOvr>
-  <mc:AlternateContent xmlns:mc="http://schemas.openxmlformats.org/markup-compatibility/2006" xmlns:p14="http://schemas.microsoft.com/office/powerpoint/2010/main">
-    <mc:Choice Requires="p14">
+  <mc:AlternateContent xmlns:mc="http://schemas.openxmlformats.org/markup-compatibility/2006">
+    <mc:Choice xmlns:p14="http://schemas.microsoft.com/office/powerpoint/2010/main" Requires="p14">
       <p:transition p14:dur="0"/>
     </mc:Choice>
-    <mc:Fallback xmlns="">
+    <mc:Fallback>
       <p:transition/>
     </mc:Fallback>
   </mc:AlternateContent>
@@ -16791,6 +17041,13 @@
               </a:rPr>
               <a:t>border-top-width</a:t>
             </a:r>
+            <a:endParaRPr lang="en-US" altLang="zh-CN" sz="2400" dirty="0">
+              <a:solidFill>
+                <a:srgbClr val="000000"/>
+              </a:solidFill>
+              <a:latin typeface="微软雅黑" panose="020B0503020204020204" pitchFamily="34" charset="-122"/>
+              <a:ea typeface="微软雅黑" panose="020B0503020204020204" pitchFamily="34" charset="-122"/>
+            </a:endParaRPr>
           </a:p>
           <a:p>
             <a:pPr eaLnBrk="1" hangingPunct="1">
@@ -16808,6 +17065,13 @@
               </a:rPr>
               <a:t>border-right-width</a:t>
             </a:r>
+            <a:endParaRPr lang="en-US" altLang="zh-CN" sz="2400" dirty="0">
+              <a:solidFill>
+                <a:srgbClr val="000000"/>
+              </a:solidFill>
+              <a:latin typeface="微软雅黑" panose="020B0503020204020204" pitchFamily="34" charset="-122"/>
+              <a:ea typeface="微软雅黑" panose="020B0503020204020204" pitchFamily="34" charset="-122"/>
+            </a:endParaRPr>
           </a:p>
           <a:p>
             <a:pPr eaLnBrk="1" hangingPunct="1">
@@ -16825,6 +17089,13 @@
               </a:rPr>
               <a:t>border-bottom-width</a:t>
             </a:r>
+            <a:endParaRPr lang="en-US" altLang="zh-CN" sz="2400" dirty="0">
+              <a:solidFill>
+                <a:srgbClr val="000000"/>
+              </a:solidFill>
+              <a:latin typeface="微软雅黑" panose="020B0503020204020204" pitchFamily="34" charset="-122"/>
+              <a:ea typeface="微软雅黑" panose="020B0503020204020204" pitchFamily="34" charset="-122"/>
+            </a:endParaRPr>
           </a:p>
           <a:p>
             <a:pPr eaLnBrk="1" hangingPunct="1">
@@ -17010,6 +17281,13 @@
                 </a:rPr>
                 <a:t>20px</a:t>
               </a:r>
+              <a:endParaRPr lang="en-US" altLang="zh-CN" sz="2800" dirty="0">
+                <a:solidFill>
+                  <a:srgbClr val="000000"/>
+                </a:solidFill>
+                <a:latin typeface="微软雅黑" panose="020B0503020204020204" pitchFamily="34" charset="-122"/>
+                <a:ea typeface="微软雅黑" panose="020B0503020204020204" pitchFamily="34" charset="-122"/>
+              </a:endParaRPr>
             </a:p>
             <a:p>
               <a:pPr eaLnBrk="1" hangingPunct="1">
@@ -17247,7 +17525,7 @@
             <p:nvPr/>
           </p:nvPicPr>
           <p:blipFill>
-            <a:blip r:embed="rId2">
+            <a:blip r:embed="rId1">
               <a:extLst>
                 <a:ext uri="{28A0092B-C50C-407E-A947-70E740481C1C}">
                   <a14:useLocalDpi xmlns:a14="http://schemas.microsoft.com/office/drawing/2010/main" val="0"/>
@@ -17448,6 +17726,14 @@
                 </a:rPr>
                 <a:t>border-color</a:t>
               </a:r>
+              <a:endParaRPr lang="en-US" altLang="zh-CN" sz="2800" dirty="0">
+                <a:solidFill>
+                  <a:srgbClr val="C00000"/>
+                </a:solidFill>
+                <a:latin typeface="微软雅黑" panose="020B0503020204020204" pitchFamily="34" charset="-122"/>
+                <a:ea typeface="微软雅黑" panose="020B0503020204020204" pitchFamily="34" charset="-122"/>
+                <a:cs typeface="Arial Unicode MS" panose="020B0604020202020204" charset="-122"/>
+              </a:endParaRPr>
             </a:p>
             <a:p>
               <a:pPr eaLnBrk="1" hangingPunct="1">
@@ -17833,6 +18119,13 @@
                 </a:rPr>
                 <a:t>上     右      下     左</a:t>
               </a:r>
+              <a:endParaRPr lang="zh-CN" altLang="en-US" sz="2900" b="1" dirty="0">
+                <a:solidFill>
+                  <a:srgbClr val="FF0000"/>
+                </a:solidFill>
+                <a:latin typeface="微软雅黑" panose="020B0503020204020204" pitchFamily="34" charset="-122"/>
+                <a:ea typeface="微软雅黑" panose="020B0503020204020204" pitchFamily="34" charset="-122"/>
+              </a:endParaRPr>
             </a:p>
           </p:txBody>
         </p:sp>
@@ -18569,6 +18862,13 @@
                 </a:rPr>
                 <a:t>上下   左右</a:t>
               </a:r>
+              <a:endParaRPr lang="zh-CN" altLang="en-US" sz="2900" b="1" dirty="0">
+                <a:solidFill>
+                  <a:srgbClr val="FF0000"/>
+                </a:solidFill>
+                <a:latin typeface="微软雅黑" panose="020B0503020204020204" pitchFamily="34" charset="-122"/>
+                <a:ea typeface="微软雅黑" panose="020B0503020204020204" pitchFamily="34" charset="-122"/>
+              </a:endParaRPr>
             </a:p>
           </p:txBody>
         </p:sp>
@@ -18860,11 +19160,11 @@
   <p:clrMapOvr>
     <a:masterClrMapping/>
   </p:clrMapOvr>
-  <mc:AlternateContent xmlns:mc="http://schemas.openxmlformats.org/markup-compatibility/2006" xmlns:p14="http://schemas.microsoft.com/office/powerpoint/2010/main">
-    <mc:Choice Requires="p14">
+  <mc:AlternateContent xmlns:mc="http://schemas.openxmlformats.org/markup-compatibility/2006">
+    <mc:Choice xmlns:p14="http://schemas.microsoft.com/office/powerpoint/2010/main" Requires="p14">
       <p:transition p14:dur="0"/>
     </mc:Choice>
-    <mc:Fallback xmlns="">
+    <mc:Fallback>
       <p:transition/>
     </mc:Fallback>
   </mc:AlternateContent>
@@ -19314,6 +19614,14 @@
                 </a:rPr>
                 <a:t>border-width:3px;</a:t>
               </a:r>
+              <a:endParaRPr lang="en-US" altLang="zh-CN" sz="2400" dirty="0">
+                <a:solidFill>
+                  <a:srgbClr val="FF0000"/>
+                </a:solidFill>
+                <a:latin typeface="微软雅黑" panose="020B0503020204020204" pitchFamily="34" charset="-122"/>
+                <a:ea typeface="微软雅黑" panose="020B0503020204020204" pitchFamily="34" charset="-122"/>
+                <a:cs typeface="Arial Unicode MS" panose="020B0604020202020204" charset="-122"/>
+              </a:endParaRPr>
             </a:p>
             <a:p>
               <a:pPr>
@@ -19344,6 +19652,14 @@
                 </a:rPr>
                 <a:t>;</a:t>
               </a:r>
+              <a:endParaRPr lang="en-US" altLang="zh-CN" sz="2400" dirty="0">
+                <a:solidFill>
+                  <a:srgbClr val="FF0000"/>
+                </a:solidFill>
+                <a:latin typeface="微软雅黑" panose="020B0503020204020204" pitchFamily="34" charset="-122"/>
+                <a:ea typeface="微软雅黑" panose="020B0503020204020204" pitchFamily="34" charset="-122"/>
+                <a:cs typeface="Arial Unicode MS" panose="020B0604020202020204" charset="-122"/>
+              </a:endParaRPr>
             </a:p>
             <a:p>
               <a:pPr>
@@ -19363,6 +19679,14 @@
                 </a:rPr>
                 <a:t>border-color:#ff9900;</a:t>
               </a:r>
+              <a:endParaRPr lang="en-US" altLang="zh-CN" sz="2400" dirty="0">
+                <a:solidFill>
+                  <a:srgbClr val="FF0000"/>
+                </a:solidFill>
+                <a:latin typeface="微软雅黑" panose="020B0503020204020204" pitchFamily="34" charset="-122"/>
+                <a:ea typeface="微软雅黑" panose="020B0503020204020204" pitchFamily="34" charset="-122"/>
+                <a:cs typeface="Arial Unicode MS" panose="020B0604020202020204" charset="-122"/>
+              </a:endParaRPr>
             </a:p>
           </p:txBody>
         </p:sp>
@@ -19501,7 +19825,7 @@
           <p:nvPr/>
         </p:nvPicPr>
         <p:blipFill>
-          <a:blip r:embed="rId2">
+          <a:blip r:embed="rId1">
             <a:extLst>
               <a:ext uri="{28A0092B-C50C-407E-A947-70E740481C1C}">
                 <a14:useLocalDpi xmlns:a14="http://schemas.microsoft.com/office/drawing/2010/main" val="0"/>
@@ -19538,11 +19862,11 @@
   <p:clrMapOvr>
     <a:masterClrMapping/>
   </p:clrMapOvr>
-  <mc:AlternateContent xmlns:mc="http://schemas.openxmlformats.org/markup-compatibility/2006" xmlns:p14="http://schemas.microsoft.com/office/powerpoint/2010/main">
-    <mc:Choice Requires="p14">
+  <mc:AlternateContent xmlns:mc="http://schemas.openxmlformats.org/markup-compatibility/2006">
+    <mc:Choice xmlns:p14="http://schemas.microsoft.com/office/powerpoint/2010/main" Requires="p14">
       <p:transition p14:dur="0"/>
     </mc:Choice>
-    <mc:Fallback xmlns="">
+    <mc:Fallback>
       <p:transition/>
     </mc:Fallback>
   </mc:AlternateContent>
@@ -20086,6 +20410,13 @@
               </a:rPr>
               <a:t>掌握盒子模型的各项属性</a:t>
             </a:r>
+            <a:endParaRPr lang="zh-CN" altLang="en-US" sz="2800" dirty="0">
+              <a:solidFill>
+                <a:srgbClr val="595E64"/>
+              </a:solidFill>
+              <a:latin typeface="微软雅黑" panose="020B0503020204020204" pitchFamily="34" charset="-122"/>
+              <a:ea typeface="微软雅黑" panose="020B0503020204020204" pitchFamily="34" charset="-122"/>
+            </a:endParaRPr>
           </a:p>
         </p:txBody>
       </p:sp>
@@ -20190,6 +20521,13 @@
               </a:rPr>
               <a:t>的概念</a:t>
             </a:r>
+            <a:endParaRPr lang="zh-CN" altLang="en-US" sz="2800" dirty="0">
+              <a:solidFill>
+                <a:srgbClr val="595E64"/>
+              </a:solidFill>
+              <a:latin typeface="微软雅黑" panose="020B0503020204020204" pitchFamily="34" charset="-122"/>
+              <a:ea typeface="微软雅黑" panose="020B0503020204020204" pitchFamily="34" charset="-122"/>
+            </a:endParaRPr>
           </a:p>
         </p:txBody>
       </p:sp>
@@ -20274,6 +20612,13 @@
               </a:rPr>
               <a:t>掌握盒子模型的应用</a:t>
             </a:r>
+            <a:endParaRPr lang="zh-CN" altLang="en-US" sz="2800" dirty="0">
+              <a:solidFill>
+                <a:srgbClr val="595E64"/>
+              </a:solidFill>
+              <a:latin typeface="微软雅黑" panose="020B0503020204020204" pitchFamily="34" charset="-122"/>
+              <a:ea typeface="微软雅黑" panose="020B0503020204020204" pitchFamily="34" charset="-122"/>
+            </a:endParaRPr>
           </a:p>
         </p:txBody>
       </p:sp>
@@ -20331,11 +20676,11 @@
   <p:clrMapOvr>
     <a:masterClrMapping/>
   </p:clrMapOvr>
-  <mc:AlternateContent xmlns:mc="http://schemas.openxmlformats.org/markup-compatibility/2006" xmlns:p14="http://schemas.microsoft.com/office/powerpoint/2010/main">
-    <mc:Choice Requires="p14">
+  <mc:AlternateContent xmlns:mc="http://schemas.openxmlformats.org/markup-compatibility/2006">
+    <mc:Choice xmlns:p14="http://schemas.microsoft.com/office/powerpoint/2010/main" Requires="p14">
       <p:transition p14:dur="0"/>
     </mc:Choice>
-    <mc:Fallback xmlns="">
+    <mc:Fallback>
       <p:transition/>
     </mc:Fallback>
   </mc:AlternateContent>
@@ -20375,7 +20720,7 @@
           <p:nvPr/>
         </p:nvPicPr>
         <p:blipFill>
-          <a:blip r:embed="rId2">
+          <a:blip r:embed="rId1">
             <a:extLst>
               <a:ext uri="{28A0092B-C50C-407E-A947-70E740481C1C}">
                 <a14:useLocalDpi xmlns:a14="http://schemas.microsoft.com/office/drawing/2010/main" val="0"/>
@@ -20585,6 +20930,13 @@
               </a:rPr>
               <a:t>3px dotted #FF9900; </a:t>
             </a:r>
+            <a:endParaRPr lang="en-US" altLang="zh-CN" sz="2400" dirty="0">
+              <a:solidFill>
+                <a:srgbClr val="000000"/>
+              </a:solidFill>
+              <a:latin typeface="微软雅黑" panose="020B0503020204020204" pitchFamily="34" charset="-122"/>
+              <a:ea typeface="微软雅黑" panose="020B0503020204020204" pitchFamily="34" charset="-122"/>
+            </a:endParaRPr>
           </a:p>
           <a:p>
             <a:pPr eaLnBrk="1" hangingPunct="1">
@@ -20609,6 +20961,13 @@
               </a:rPr>
               <a:t>5px solid #66CC33; </a:t>
             </a:r>
+            <a:endParaRPr lang="en-US" altLang="zh-CN" sz="2400" dirty="0">
+              <a:solidFill>
+                <a:srgbClr val="000000"/>
+              </a:solidFill>
+              <a:latin typeface="微软雅黑" panose="020B0503020204020204" pitchFamily="34" charset="-122"/>
+              <a:ea typeface="微软雅黑" panose="020B0503020204020204" pitchFamily="34" charset="-122"/>
+            </a:endParaRPr>
           </a:p>
           <a:p>
             <a:pPr eaLnBrk="1" hangingPunct="1">
@@ -20633,6 +20992,13 @@
               </a:rPr>
               <a:t>3px double #FF66FF; </a:t>
             </a:r>
+            <a:endParaRPr lang="en-US" altLang="zh-CN" sz="2400" dirty="0">
+              <a:solidFill>
+                <a:srgbClr val="000000"/>
+              </a:solidFill>
+              <a:latin typeface="微软雅黑" panose="020B0503020204020204" pitchFamily="34" charset="-122"/>
+              <a:ea typeface="微软雅黑" panose="020B0503020204020204" pitchFamily="34" charset="-122"/>
+            </a:endParaRPr>
           </a:p>
           <a:p>
             <a:pPr eaLnBrk="1" hangingPunct="1">
@@ -20676,7 +21042,7 @@
           <p:nvPr/>
         </p:nvPicPr>
         <p:blipFill>
-          <a:blip r:embed="rId3">
+          <a:blip r:embed="rId2">
             <a:extLst>
               <a:ext uri="{28A0092B-C50C-407E-A947-70E740481C1C}">
                 <a14:useLocalDpi xmlns:a14="http://schemas.microsoft.com/office/drawing/2010/main" val="0"/>
@@ -20921,6 +21287,7 @@
               <a:rPr lang="zh-CN" altLang="en-US" dirty="0"/>
               <a:t>实例</a:t>
             </a:r>
+            <a:endParaRPr lang="zh-CN" altLang="en-US" dirty="0"/>
           </a:p>
         </p:txBody>
       </p:sp>
@@ -20929,11 +21296,11 @@
   <p:clrMapOvr>
     <a:masterClrMapping/>
   </p:clrMapOvr>
-  <mc:AlternateContent xmlns:mc="http://schemas.openxmlformats.org/markup-compatibility/2006" xmlns:p14="http://schemas.microsoft.com/office/powerpoint/2010/main">
-    <mc:Choice Requires="p14">
+  <mc:AlternateContent xmlns:mc="http://schemas.openxmlformats.org/markup-compatibility/2006">
+    <mc:Choice xmlns:p14="http://schemas.microsoft.com/office/powerpoint/2010/main" Requires="p14">
       <p:transition p14:dur="0"/>
     </mc:Choice>
-    <mc:Fallback xmlns="">
+    <mc:Fallback>
       <p:transition/>
     </mc:Fallback>
   </mc:AlternateContent>
@@ -21182,7 +21549,7 @@
           <p:nvPr/>
         </p:nvPicPr>
         <p:blipFill>
-          <a:blip r:embed="rId2">
+          <a:blip r:embed="rId1">
             <a:extLst>
               <a:ext uri="{28A0092B-C50C-407E-A947-70E740481C1C}">
                 <a14:useLocalDpi xmlns:a14="http://schemas.microsoft.com/office/drawing/2010/main" val="0"/>
@@ -21440,6 +21807,10 @@
                 </a:rPr>
                 <a:t>padding</a:t>
               </a:r>
+              <a:endParaRPr lang="en-US" altLang="zh-CN" sz="2800" dirty="0">
+                <a:latin typeface="微软雅黑" panose="020B0503020204020204" pitchFamily="34" charset="-122"/>
+                <a:ea typeface="微软雅黑" panose="020B0503020204020204" pitchFamily="34" charset="-122"/>
+              </a:endParaRPr>
             </a:p>
             <a:p>
               <a:pPr eaLnBrk="1" hangingPunct="1">
@@ -21457,6 +21828,13 @@
                 </a:rPr>
                 <a:t>用于控制内容部分与边框的间距</a:t>
               </a:r>
+              <a:endParaRPr lang="zh-CN" altLang="en-US" sz="2800" dirty="0">
+                <a:solidFill>
+                  <a:schemeClr val="tx1"/>
+                </a:solidFill>
+                <a:latin typeface="微软雅黑" panose="020B0503020204020204" pitchFamily="34" charset="-122"/>
+                <a:ea typeface="微软雅黑" panose="020B0503020204020204" pitchFamily="34" charset="-122"/>
+              </a:endParaRPr>
             </a:p>
           </p:txBody>
         </p:sp>
@@ -21731,6 +22109,13 @@
               </a:rPr>
               <a:t>左间距</a:t>
             </a:r>
+            <a:endParaRPr lang="zh-CN" altLang="en-US" sz="2400" dirty="0">
+              <a:solidFill>
+                <a:schemeClr val="tx2"/>
+              </a:solidFill>
+              <a:latin typeface="微软雅黑" panose="020B0503020204020204" pitchFamily="34" charset="-122"/>
+              <a:ea typeface="微软雅黑" panose="020B0503020204020204" pitchFamily="34" charset="-122"/>
+            </a:endParaRPr>
           </a:p>
         </p:txBody>
       </p:sp>
@@ -21753,6 +22138,7 @@
               <a:rPr lang="zh-CN" altLang="en-US" dirty="0"/>
               <a:t>内边距</a:t>
             </a:r>
+            <a:endParaRPr lang="zh-CN" altLang="en-US" dirty="0"/>
           </a:p>
         </p:txBody>
       </p:sp>
@@ -21761,11 +22147,11 @@
   <p:clrMapOvr>
     <a:masterClrMapping/>
   </p:clrMapOvr>
-  <mc:AlternateContent xmlns:mc="http://schemas.openxmlformats.org/markup-compatibility/2006" xmlns:p14="http://schemas.microsoft.com/office/powerpoint/2010/main">
-    <mc:Choice Requires="p14">
+  <mc:AlternateContent xmlns:mc="http://schemas.openxmlformats.org/markup-compatibility/2006">
+    <mc:Choice xmlns:p14="http://schemas.microsoft.com/office/powerpoint/2010/main" Requires="p14">
       <p:transition p14:dur="0"/>
     </mc:Choice>
-    <mc:Fallback xmlns="">
+    <mc:Fallback>
       <p:transition/>
     </mc:Fallback>
   </mc:AlternateContent>
@@ -21886,6 +22272,7 @@
               <a:rPr lang="zh-CN" altLang="en-US" dirty="0"/>
               <a:t>举例说明</a:t>
             </a:r>
+            <a:endParaRPr lang="zh-CN" altLang="en-US" dirty="0"/>
           </a:p>
         </p:txBody>
       </p:sp>
@@ -21898,7 +22285,7 @@
           <p:nvPr/>
         </p:nvPicPr>
         <p:blipFill>
-          <a:blip r:embed="rId2">
+          <a:blip r:embed="rId1">
             <a:extLst>
               <a:ext uri="{28A0092B-C50C-407E-A947-70E740481C1C}">
                 <a14:useLocalDpi xmlns:a14="http://schemas.microsoft.com/office/drawing/2010/main" val="0"/>
@@ -21939,7 +22326,7 @@
           <p:nvPr/>
         </p:nvPicPr>
         <p:blipFill>
-          <a:blip r:embed="rId3">
+          <a:blip r:embed="rId2">
             <a:extLst>
               <a:ext uri="{28A0092B-C50C-407E-A947-70E740481C1C}">
                 <a14:useLocalDpi xmlns:a14="http://schemas.microsoft.com/office/drawing/2010/main" val="0"/>
@@ -21976,11 +22363,11 @@
   <p:clrMapOvr>
     <a:masterClrMapping/>
   </p:clrMapOvr>
-  <mc:AlternateContent xmlns:mc="http://schemas.openxmlformats.org/markup-compatibility/2006" xmlns:p14="http://schemas.microsoft.com/office/powerpoint/2010/main">
-    <mc:Choice Requires="p14">
+  <mc:AlternateContent xmlns:mc="http://schemas.openxmlformats.org/markup-compatibility/2006">
+    <mc:Choice xmlns:p14="http://schemas.microsoft.com/office/powerpoint/2010/main" Requires="p14">
       <p:transition p14:dur="0"/>
     </mc:Choice>
-    <mc:Fallback xmlns="">
+    <mc:Fallback>
       <p:transition/>
     </mc:Fallback>
   </mc:AlternateContent>
@@ -22134,7 +22521,7 @@
           <p:nvPr/>
         </p:nvPicPr>
         <p:blipFill>
-          <a:blip r:embed="rId2">
+          <a:blip r:embed="rId1">
             <a:extLst>
               <a:ext uri="{28A0092B-C50C-407E-A947-70E740481C1C}">
                 <a14:useLocalDpi xmlns:a14="http://schemas.microsoft.com/office/drawing/2010/main" val="0"/>
@@ -22185,6 +22572,7 @@
               <a:rPr lang="zh-CN" altLang="en-US" dirty="0"/>
               <a:t>添加内边距</a:t>
             </a:r>
+            <a:endParaRPr lang="zh-CN" altLang="en-US" dirty="0"/>
           </a:p>
         </p:txBody>
       </p:sp>
@@ -22470,7 +22858,7 @@
           <p:nvPr/>
         </p:nvPicPr>
         <p:blipFill>
-          <a:blip r:embed="rId3">
+          <a:blip r:embed="rId2">
             <a:extLst>
               <a:ext uri="{28A0092B-C50C-407E-A947-70E740481C1C}">
                 <a14:useLocalDpi xmlns:a14="http://schemas.microsoft.com/office/drawing/2010/main" val="0"/>
@@ -22511,7 +22899,7 @@
           <p:nvPr/>
         </p:nvPicPr>
         <p:blipFill>
-          <a:blip r:embed="rId4">
+          <a:blip r:embed="rId3">
             <a:extLst>
               <a:ext uri="{28A0092B-C50C-407E-A947-70E740481C1C}">
                 <a14:useLocalDpi xmlns:a14="http://schemas.microsoft.com/office/drawing/2010/main" val="0"/>
@@ -22591,11 +22979,11 @@
   <p:clrMapOvr>
     <a:masterClrMapping/>
   </p:clrMapOvr>
-  <mc:AlternateContent xmlns:mc="http://schemas.openxmlformats.org/markup-compatibility/2006" xmlns:p14="http://schemas.microsoft.com/office/powerpoint/2010/main">
-    <mc:Choice Requires="p14">
+  <mc:AlternateContent xmlns:mc="http://schemas.openxmlformats.org/markup-compatibility/2006">
+    <mc:Choice xmlns:p14="http://schemas.microsoft.com/office/powerpoint/2010/main" Requires="p14">
       <p:transition p14:dur="0"/>
     </mc:Choice>
-    <mc:Fallback xmlns="">
+    <mc:Fallback>
       <p:transition/>
     </mc:Fallback>
   </mc:AlternateContent>
@@ -22817,7 +23205,7 @@
           <p:nvPr/>
         </p:nvPicPr>
         <p:blipFill>
-          <a:blip r:embed="rId2">
+          <a:blip r:embed="rId1">
             <a:extLst>
               <a:ext uri="{28A0092B-C50C-407E-A947-70E740481C1C}">
                 <a14:useLocalDpi xmlns:a14="http://schemas.microsoft.com/office/drawing/2010/main" val="0"/>
@@ -23075,6 +23463,10 @@
                 </a:rPr>
                 <a:t>margin</a:t>
               </a:r>
+              <a:endParaRPr lang="en-US" altLang="zh-CN" sz="2800" dirty="0">
+                <a:latin typeface="微软雅黑" panose="020B0503020204020204" pitchFamily="34" charset="-122"/>
+                <a:ea typeface="微软雅黑" panose="020B0503020204020204" pitchFamily="34" charset="-122"/>
+              </a:endParaRPr>
             </a:p>
             <a:p>
               <a:pPr eaLnBrk="1" hangingPunct="1">
@@ -23092,6 +23484,13 @@
                 </a:rPr>
                 <a:t>用于控制盒子之间的间距</a:t>
               </a:r>
+              <a:endParaRPr lang="zh-CN" altLang="en-US" sz="2800" dirty="0">
+                <a:solidFill>
+                  <a:schemeClr val="tx1"/>
+                </a:solidFill>
+                <a:latin typeface="微软雅黑" panose="020B0503020204020204" pitchFamily="34" charset="-122"/>
+                <a:ea typeface="微软雅黑" panose="020B0503020204020204" pitchFamily="34" charset="-122"/>
+              </a:endParaRPr>
             </a:p>
           </p:txBody>
         </p:sp>
@@ -23366,6 +23765,13 @@
               </a:rPr>
               <a:t>左间隔</a:t>
             </a:r>
+            <a:endParaRPr lang="zh-CN" altLang="en-US" sz="2400" dirty="0">
+              <a:solidFill>
+                <a:schemeClr val="tx2"/>
+              </a:solidFill>
+              <a:latin typeface="微软雅黑" panose="020B0503020204020204" pitchFamily="34" charset="-122"/>
+              <a:ea typeface="微软雅黑" panose="020B0503020204020204" pitchFamily="34" charset="-122"/>
+            </a:endParaRPr>
           </a:p>
         </p:txBody>
       </p:sp>
@@ -23388,6 +23794,7 @@
               <a:rPr lang="zh-CN" altLang="en-US" dirty="0"/>
               <a:t>外边距</a:t>
             </a:r>
+            <a:endParaRPr lang="zh-CN" altLang="en-US" dirty="0"/>
           </a:p>
         </p:txBody>
       </p:sp>
@@ -23396,11 +23803,11 @@
   <p:clrMapOvr>
     <a:masterClrMapping/>
   </p:clrMapOvr>
-  <mc:AlternateContent xmlns:mc="http://schemas.openxmlformats.org/markup-compatibility/2006" xmlns:p14="http://schemas.microsoft.com/office/powerpoint/2010/main">
-    <mc:Choice Requires="p14">
+  <mc:AlternateContent xmlns:mc="http://schemas.openxmlformats.org/markup-compatibility/2006">
+    <mc:Choice xmlns:p14="http://schemas.microsoft.com/office/powerpoint/2010/main" Requires="p14">
       <p:transition p14:dur="0"/>
     </mc:Choice>
-    <mc:Fallback xmlns="">
+    <mc:Fallback>
       <p:transition/>
     </mc:Fallback>
   </mc:AlternateContent>
@@ -23511,7 +23918,7 @@
           <p:nvPr/>
         </p:nvPicPr>
         <p:blipFill>
-          <a:blip r:embed="rId2">
+          <a:blip r:embed="rId1">
             <a:extLst>
               <a:ext uri="{28A0092B-C50C-407E-A947-70E740481C1C}">
                 <a14:useLocalDpi xmlns:a14="http://schemas.microsoft.com/office/drawing/2010/main" val="0"/>
@@ -23613,6 +24020,7 @@
               <a:rPr lang="zh-CN" altLang="en-US" dirty="0"/>
               <a:t>举例说明</a:t>
             </a:r>
+            <a:endParaRPr lang="zh-CN" altLang="en-US" dirty="0"/>
           </a:p>
         </p:txBody>
       </p:sp>
@@ -23625,7 +24033,7 @@
           <p:nvPr/>
         </p:nvPicPr>
         <p:blipFill>
-          <a:blip r:embed="rId3">
+          <a:blip r:embed="rId2">
             <a:extLst>
               <a:ext uri="{28A0092B-C50C-407E-A947-70E740481C1C}">
                 <a14:useLocalDpi xmlns:a14="http://schemas.microsoft.com/office/drawing/2010/main" val="0"/>
@@ -23807,7 +24215,7 @@
           <p:nvPr/>
         </p:nvPicPr>
         <p:blipFill>
-          <a:blip r:embed="rId4">
+          <a:blip r:embed="rId3">
             <a:extLst>
               <a:ext uri="{28A0092B-C50C-407E-A947-70E740481C1C}">
                 <a14:useLocalDpi xmlns:a14="http://schemas.microsoft.com/office/drawing/2010/main" val="0"/>
@@ -23844,11 +24252,11 @@
   <p:clrMapOvr>
     <a:masterClrMapping/>
   </p:clrMapOvr>
-  <mc:AlternateContent xmlns:mc="http://schemas.openxmlformats.org/markup-compatibility/2006" xmlns:p14="http://schemas.microsoft.com/office/powerpoint/2010/main">
-    <mc:Choice Requires="p14">
+  <mc:AlternateContent xmlns:mc="http://schemas.openxmlformats.org/markup-compatibility/2006">
+    <mc:Choice xmlns:p14="http://schemas.microsoft.com/office/powerpoint/2010/main" Requires="p14">
       <p:transition p14:dur="0"/>
     </mc:Choice>
-    <mc:Fallback xmlns="">
+    <mc:Fallback>
       <p:transition/>
     </mc:Fallback>
   </mc:AlternateContent>
@@ -24119,6 +24527,7 @@
               <a:rPr lang="zh-CN" altLang="en-US" dirty="0"/>
               <a:t>总结</a:t>
             </a:r>
+            <a:endParaRPr lang="zh-CN" altLang="en-US" dirty="0"/>
           </a:p>
         </p:txBody>
       </p:sp>
@@ -27246,6 +27655,10 @@
                 </a:rPr>
                 <a:t>width</a:t>
               </a:r>
+              <a:endParaRPr lang="en-US" altLang="zh-CN" sz="2000">
+                <a:latin typeface="微软雅黑" panose="020B0503020204020204" pitchFamily="34" charset="-122"/>
+                <a:ea typeface="微软雅黑" panose="020B0503020204020204" pitchFamily="34" charset="-122"/>
+              </a:endParaRPr>
             </a:p>
           </p:txBody>
         </p:sp>
@@ -27370,6 +27783,10 @@
                 </a:rPr>
                 <a:t>height</a:t>
               </a:r>
+              <a:endParaRPr lang="en-US" altLang="zh-CN" sz="2000">
+                <a:latin typeface="微软雅黑" panose="020B0503020204020204" pitchFamily="34" charset="-122"/>
+                <a:ea typeface="微软雅黑" panose="020B0503020204020204" pitchFamily="34" charset="-122"/>
+              </a:endParaRPr>
             </a:p>
           </p:txBody>
         </p:sp>
@@ -27590,11 +28007,11 @@
   <p:clrMapOvr>
     <a:masterClrMapping/>
   </p:clrMapOvr>
-  <mc:AlternateContent xmlns:mc="http://schemas.openxmlformats.org/markup-compatibility/2006" xmlns:p14="http://schemas.microsoft.com/office/powerpoint/2010/main">
-    <mc:Choice Requires="p14">
+  <mc:AlternateContent xmlns:mc="http://schemas.openxmlformats.org/markup-compatibility/2006">
+    <mc:Choice xmlns:p14="http://schemas.microsoft.com/office/powerpoint/2010/main" Requires="p14">
       <p:transition p14:dur="0"/>
     </mc:Choice>
-    <mc:Fallback xmlns="">
+    <mc:Fallback>
       <p:transition/>
     </mc:Fallback>
   </mc:AlternateContent>
@@ -27998,6 +28415,13 @@
               </a:rPr>
               <a:t>盒子模型</a:t>
             </a:r>
+            <a:endParaRPr lang="zh-CN" altLang="en-US" sz="2800" dirty="0">
+              <a:solidFill>
+                <a:srgbClr val="595E64"/>
+              </a:solidFill>
+              <a:latin typeface="微软雅黑" panose="020B0503020204020204" pitchFamily="34" charset="-122"/>
+              <a:ea typeface="微软雅黑" panose="020B0503020204020204" pitchFamily="34" charset="-122"/>
+            </a:endParaRPr>
           </a:p>
         </p:txBody>
       </p:sp>
@@ -28033,6 +28457,13 @@
               </a:rPr>
               <a:t>盒子模型的各项属性</a:t>
             </a:r>
+            <a:endParaRPr lang="zh-CN" altLang="en-US" sz="2800" dirty="0">
+              <a:solidFill>
+                <a:srgbClr val="595E64"/>
+              </a:solidFill>
+              <a:latin typeface="微软雅黑" panose="020B0503020204020204" pitchFamily="34" charset="-122"/>
+              <a:ea typeface="微软雅黑" panose="020B0503020204020204" pitchFamily="34" charset="-122"/>
+            </a:endParaRPr>
           </a:p>
         </p:txBody>
       </p:sp>
@@ -28114,6 +28545,13 @@
               </a:rPr>
               <a:t>块级元素与行内元素</a:t>
             </a:r>
+            <a:endParaRPr lang="zh-CN" altLang="en-US" sz="2800" dirty="0">
+              <a:solidFill>
+                <a:srgbClr val="FF0000"/>
+              </a:solidFill>
+              <a:latin typeface="微软雅黑" panose="020B0503020204020204" pitchFamily="34" charset="-122"/>
+              <a:ea typeface="微软雅黑" panose="020B0503020204020204" pitchFamily="34" charset="-122"/>
+            </a:endParaRPr>
           </a:p>
         </p:txBody>
       </p:sp>
@@ -28195,6 +28633,13 @@
               </a:rPr>
               <a:t>盒子模型的应用</a:t>
             </a:r>
+            <a:endParaRPr lang="zh-CN" altLang="en-US" sz="2800" dirty="0">
+              <a:solidFill>
+                <a:srgbClr val="595E64"/>
+              </a:solidFill>
+              <a:latin typeface="微软雅黑" panose="020B0503020204020204" pitchFamily="34" charset="-122"/>
+              <a:ea typeface="微软雅黑" panose="020B0503020204020204" pitchFamily="34" charset="-122"/>
+            </a:endParaRPr>
           </a:p>
         </p:txBody>
       </p:sp>
@@ -28249,11 +28694,11 @@
   <p:clrMapOvr>
     <a:masterClrMapping/>
   </p:clrMapOvr>
-  <mc:AlternateContent xmlns:mc="http://schemas.openxmlformats.org/markup-compatibility/2006" xmlns:p14="http://schemas.microsoft.com/office/powerpoint/2010/main">
-    <mc:Choice Requires="p14">
+  <mc:AlternateContent xmlns:mc="http://schemas.openxmlformats.org/markup-compatibility/2006">
+    <mc:Choice xmlns:p14="http://schemas.microsoft.com/office/powerpoint/2010/main" Requires="p14">
       <p:transition p14:dur="0"/>
     </mc:Choice>
-    <mc:Fallback xmlns="">
+    <mc:Fallback>
       <p:transition/>
     </mc:Fallback>
   </mc:AlternateContent>
@@ -28373,6 +28818,7 @@
               <a:rPr kumimoji="1" lang="en-US" altLang="zh-CN" sz="2400" dirty="0"/>
               <a:t>/p&gt;</a:t>
             </a:r>
+            <a:endParaRPr kumimoji="1" lang="en-US" altLang="zh-CN" sz="2400" dirty="0"/>
           </a:p>
           <a:p>
             <a:pPr lvl="1"/>
@@ -28447,6 +28893,7 @@
               <a:rPr kumimoji="1" lang="en-US" altLang="zh-CN" sz="2400" dirty="0"/>
               <a:t>a&gt;&lt;/a&gt;</a:t>
             </a:r>
+            <a:endParaRPr kumimoji="1" lang="en-US" altLang="zh-CN" sz="2400" dirty="0"/>
           </a:p>
           <a:p>
             <a:pPr lvl="1"/>
@@ -28463,11 +28910,11 @@
   <p:clrMapOvr>
     <a:masterClrMapping/>
   </p:clrMapOvr>
-  <mc:AlternateContent xmlns:mc="http://schemas.openxmlformats.org/markup-compatibility/2006" xmlns:p14="http://schemas.microsoft.com/office/powerpoint/2010/main">
-    <mc:Choice Requires="p14">
+  <mc:AlternateContent xmlns:mc="http://schemas.openxmlformats.org/markup-compatibility/2006">
+    <mc:Choice xmlns:p14="http://schemas.microsoft.com/office/powerpoint/2010/main" Requires="p14">
       <p:transition p14:dur="0"/>
     </mc:Choice>
-    <mc:Fallback xmlns="">
+    <mc:Fallback>
       <p:transition/>
     </mc:Fallback>
   </mc:AlternateContent>
@@ -28711,11 +29158,11 @@
   <p:clrMapOvr>
     <a:masterClrMapping/>
   </p:clrMapOvr>
-  <mc:AlternateContent xmlns:mc="http://schemas.openxmlformats.org/markup-compatibility/2006" xmlns:p14="http://schemas.microsoft.com/office/powerpoint/2010/main">
-    <mc:Choice Requires="p14">
+  <mc:AlternateContent xmlns:mc="http://schemas.openxmlformats.org/markup-compatibility/2006">
+    <mc:Choice xmlns:p14="http://schemas.microsoft.com/office/powerpoint/2010/main" Requires="p14">
       <p:transition p14:dur="0"/>
     </mc:Choice>
-    <mc:Fallback xmlns="">
+    <mc:Fallback>
       <p:transition/>
     </mc:Fallback>
   </mc:AlternateContent>
@@ -29119,6 +29566,13 @@
               </a:rPr>
               <a:t>盒子模型</a:t>
             </a:r>
+            <a:endParaRPr lang="zh-CN" altLang="en-US" sz="2800" dirty="0">
+              <a:solidFill>
+                <a:srgbClr val="FF0000"/>
+              </a:solidFill>
+              <a:latin typeface="微软雅黑" panose="020B0503020204020204" pitchFamily="34" charset="-122"/>
+              <a:ea typeface="微软雅黑" panose="020B0503020204020204" pitchFamily="34" charset="-122"/>
+            </a:endParaRPr>
           </a:p>
         </p:txBody>
       </p:sp>
@@ -29154,6 +29608,13 @@
               </a:rPr>
               <a:t>盒子模型的各项属性</a:t>
             </a:r>
+            <a:endParaRPr lang="zh-CN" altLang="en-US" sz="2800" dirty="0">
+              <a:solidFill>
+                <a:srgbClr val="595E64"/>
+              </a:solidFill>
+              <a:latin typeface="微软雅黑" panose="020B0503020204020204" pitchFamily="34" charset="-122"/>
+              <a:ea typeface="微软雅黑" panose="020B0503020204020204" pitchFamily="34" charset="-122"/>
+            </a:endParaRPr>
           </a:p>
         </p:txBody>
       </p:sp>
@@ -29235,6 +29696,13 @@
               </a:rPr>
               <a:t>块级元素与行内元素</a:t>
             </a:r>
+            <a:endParaRPr lang="zh-CN" altLang="en-US" sz="2800" dirty="0">
+              <a:solidFill>
+                <a:srgbClr val="595E64"/>
+              </a:solidFill>
+              <a:latin typeface="微软雅黑" panose="020B0503020204020204" pitchFamily="34" charset="-122"/>
+              <a:ea typeface="微软雅黑" panose="020B0503020204020204" pitchFamily="34" charset="-122"/>
+            </a:endParaRPr>
           </a:p>
         </p:txBody>
       </p:sp>
@@ -29316,6 +29784,13 @@
               </a:rPr>
               <a:t>盒子模型的应用</a:t>
             </a:r>
+            <a:endParaRPr lang="zh-CN" altLang="en-US" sz="2800" dirty="0">
+              <a:solidFill>
+                <a:srgbClr val="595E64"/>
+              </a:solidFill>
+              <a:latin typeface="微软雅黑" panose="020B0503020204020204" pitchFamily="34" charset="-122"/>
+              <a:ea typeface="微软雅黑" panose="020B0503020204020204" pitchFamily="34" charset="-122"/>
+            </a:endParaRPr>
           </a:p>
         </p:txBody>
       </p:sp>
@@ -29370,11 +29845,11 @@
   <p:clrMapOvr>
     <a:masterClrMapping/>
   </p:clrMapOvr>
-  <mc:AlternateContent xmlns:mc="http://schemas.openxmlformats.org/markup-compatibility/2006" xmlns:p14="http://schemas.microsoft.com/office/powerpoint/2010/main">
-    <mc:Choice Requires="p14">
+  <mc:AlternateContent xmlns:mc="http://schemas.openxmlformats.org/markup-compatibility/2006">
+    <mc:Choice xmlns:p14="http://schemas.microsoft.com/office/powerpoint/2010/main" Requires="p14">
       <p:transition p14:dur="0"/>
     </mc:Choice>
-    <mc:Fallback xmlns="">
+    <mc:Fallback>
       <p:transition/>
     </mc:Fallback>
   </mc:AlternateContent>
@@ -29433,6 +29908,7 @@
               <a:rPr lang="zh-CN" altLang="en-US" dirty="0"/>
               <a:t>常见的块级元素和行内元素</a:t>
             </a:r>
+            <a:endParaRPr lang="zh-CN" altLang="en-US" dirty="0"/>
           </a:p>
         </p:txBody>
       </p:sp>
@@ -29594,6 +30070,7 @@
               <a:rPr lang="zh-CN" altLang="en-US" sz="2400" dirty="0"/>
               <a:t>无序列表</a:t>
             </a:r>
+            <a:endParaRPr lang="zh-CN" altLang="en-US" sz="2400" dirty="0"/>
           </a:p>
         </p:txBody>
       </p:sp>
@@ -29902,6 +30379,7 @@
               <a:rPr lang="en-US" altLang="zh-CN" dirty="0"/>
               <a:t> </a:t>
             </a:r>
+            <a:endParaRPr lang="en-US" altLang="zh-CN" dirty="0"/>
           </a:p>
           <a:p>
             <a:pPr marL="817245" lvl="1"/>
@@ -29949,6 +30427,7 @@
               <a:rPr lang="zh-CN" altLang="en-US" dirty="0"/>
               <a:t>粗体强调 </a:t>
             </a:r>
+            <a:endParaRPr lang="zh-CN" altLang="en-US" dirty="0"/>
           </a:p>
         </p:txBody>
       </p:sp>
@@ -29957,11 +30436,11 @@
   <p:clrMapOvr>
     <a:masterClrMapping/>
   </p:clrMapOvr>
-  <mc:AlternateContent xmlns:mc="http://schemas.openxmlformats.org/markup-compatibility/2006" xmlns:p14="http://schemas.microsoft.com/office/powerpoint/2010/main">
-    <mc:Choice Requires="p14">
+  <mc:AlternateContent xmlns:mc="http://schemas.openxmlformats.org/markup-compatibility/2006">
+    <mc:Choice xmlns:p14="http://schemas.microsoft.com/office/powerpoint/2010/main" Requires="p14">
       <p:transition p14:dur="0"/>
     </mc:Choice>
-    <mc:Fallback xmlns="">
+    <mc:Fallback>
       <p:transition/>
     </mc:Fallback>
   </mc:AlternateContent>
@@ -30186,11 +30665,11 @@
   <p:clrMapOvr>
     <a:masterClrMapping/>
   </p:clrMapOvr>
-  <mc:AlternateContent xmlns:mc="http://schemas.openxmlformats.org/markup-compatibility/2006" xmlns:p14="http://schemas.microsoft.com/office/powerpoint/2010/main">
-    <mc:Choice Requires="p14">
+  <mc:AlternateContent xmlns:mc="http://schemas.openxmlformats.org/markup-compatibility/2006">
+    <mc:Choice xmlns:p14="http://schemas.microsoft.com/office/powerpoint/2010/main" Requires="p14">
       <p:transition p14:dur="0"/>
     </mc:Choice>
-    <mc:Fallback xmlns="">
+    <mc:Fallback>
       <p:transition/>
     </mc:Fallback>
   </mc:AlternateContent>
@@ -30384,6 +30863,20 @@
                         </a:rPr>
                         <a:t>属性</a:t>
                       </a:r>
+                      <a:endParaRPr kumimoji="0" lang="zh-CN" altLang="en-US" sz="2400" b="1" i="0" u="none" strike="noStrike" kern="1200" cap="none" normalizeH="0" baseline="0" dirty="0">
+                        <a:ln>
+                          <a:noFill/>
+                        </a:ln>
+                        <a:solidFill>
+                          <a:schemeClr val="accent5">
+                            <a:lumMod val="75000"/>
+                          </a:schemeClr>
+                        </a:solidFill>
+                        <a:effectLst/>
+                        <a:latin typeface="微软雅黑" panose="020B0503020204020204" pitchFamily="34" charset="-122"/>
+                        <a:ea typeface="微软雅黑" panose="020B0503020204020204" pitchFamily="34" charset="-122"/>
+                        <a:cs typeface="Arial" panose="020B0604020202020204" pitchFamily="34" charset="0"/>
+                      </a:endParaRPr>
                     </a:p>
                   </a:txBody>
                   <a:tcPr marL="121904" marR="121904" marT="45738" marB="45738" horzOverflow="overflow">
@@ -30481,6 +30974,20 @@
                         </a:rPr>
                         <a:t>常用可能值</a:t>
                       </a:r>
+                      <a:endParaRPr kumimoji="0" lang="zh-CN" altLang="en-US" sz="2400" b="1" i="0" u="none" strike="noStrike" cap="none" normalizeH="0" baseline="0" dirty="0">
+                        <a:ln>
+                          <a:noFill/>
+                        </a:ln>
+                        <a:solidFill>
+                          <a:schemeClr val="accent5">
+                            <a:lumMod val="75000"/>
+                          </a:schemeClr>
+                        </a:solidFill>
+                        <a:effectLst/>
+                        <a:latin typeface="微软雅黑" panose="020B0503020204020204" pitchFamily="34" charset="-122"/>
+                        <a:ea typeface="微软雅黑" panose="020B0503020204020204" pitchFamily="34" charset="-122"/>
+                        <a:cs typeface="Arial" panose="020B0604020202020204" pitchFamily="34" charset="0"/>
+                      </a:endParaRPr>
                     </a:p>
                   </a:txBody>
                   <a:tcPr marL="121904" marR="121904" marT="45738" marB="45738" horzOverflow="overflow">
@@ -30578,6 +31085,20 @@
                         </a:rPr>
                         <a:t>说  明</a:t>
                       </a:r>
+                      <a:endParaRPr kumimoji="0" lang="zh-CN" altLang="en-US" sz="2400" b="1" i="0" u="none" strike="noStrike" cap="none" normalizeH="0" baseline="0" dirty="0">
+                        <a:ln>
+                          <a:noFill/>
+                        </a:ln>
+                        <a:solidFill>
+                          <a:schemeClr val="accent5">
+                            <a:lumMod val="75000"/>
+                          </a:schemeClr>
+                        </a:solidFill>
+                        <a:effectLst/>
+                        <a:latin typeface="微软雅黑" panose="020B0503020204020204" pitchFamily="34" charset="-122"/>
+                        <a:ea typeface="微软雅黑" panose="020B0503020204020204" pitchFamily="34" charset="-122"/>
+                        <a:cs typeface="Arial" panose="020B0604020202020204" pitchFamily="34" charset="0"/>
+                      </a:endParaRPr>
                     </a:p>
                   </a:txBody>
                   <a:tcPr marL="121904" marR="121904" marT="45738" marB="45738" horzOverflow="overflow">
@@ -30951,13 +31472,6 @@
               </a:tr>
               <a:tr h="852805">
                 <a:tc vMerge="1">
-                  <a:txBody>
-                    <a:bodyPr/>
-                    <a:lstStyle/>
-                    <a:p>
-                      <a:endParaRPr lang="zh-CN"/>
-                    </a:p>
-                  </a:txBody>
                   <a:tcPr marL="79339" marR="79339" marT="39666" marB="39666" anchor="ctr" horzOverflow="overflow">
                     <a:lnL w="12700" cap="flat" cmpd="sng" algn="ctr">
                       <a:solidFill>
@@ -31235,13 +31749,6 @@
               </a:tr>
               <a:tr h="852805">
                 <a:tc vMerge="1">
-                  <a:txBody>
-                    <a:bodyPr/>
-                    <a:lstStyle/>
-                    <a:p>
-                      <a:endParaRPr lang="zh-CN"/>
-                    </a:p>
-                  </a:txBody>
                   <a:tcPr/>
                 </a:tc>
                 <a:tc>
@@ -31380,6 +31887,18 @@
                         </a:rPr>
                         <a:t>行内块元素</a:t>
                       </a:r>
+                      <a:endParaRPr kumimoji="0" lang="zh-CN" altLang="en-US" sz="2400" b="0" i="0" u="none" strike="noStrike" kern="1200" cap="none" normalizeH="0" baseline="0" dirty="0" smtClean="0">
+                        <a:ln>
+                          <a:noFill/>
+                        </a:ln>
+                        <a:solidFill>
+                          <a:schemeClr val="tx1"/>
+                        </a:solidFill>
+                        <a:effectLst/>
+                        <a:latin typeface="微软雅黑" panose="020B0503020204020204" pitchFamily="34" charset="-122"/>
+                        <a:ea typeface="微软雅黑" panose="020B0503020204020204" pitchFamily="34" charset="-122"/>
+                        <a:cs typeface="Arial" panose="020B0604020202020204" pitchFamily="34" charset="0"/>
+                      </a:endParaRPr>
                     </a:p>
                   </a:txBody>
                   <a:tcPr marL="105772" marR="105772" marT="39681" marB="39681" anchor="ctr" horzOverflow="overflow">
@@ -31433,13 +31952,6 @@
               </a:tr>
               <a:tr h="680085">
                 <a:tc vMerge="1">
-                  <a:txBody>
-                    <a:bodyPr/>
-                    <a:lstStyle/>
-                    <a:p>
-                      <a:endParaRPr lang="zh-CN"/>
-                    </a:p>
-                  </a:txBody>
                   <a:tcPr marL="79339" marR="79339" marT="39666" marB="39666" anchor="ctr" horzOverflow="overflow">
                     <a:lnL w="12700" cap="flat" cmpd="sng" algn="ctr">
                       <a:solidFill>
@@ -31611,6 +32123,14 @@
                         </a:rPr>
                         <a:t>不会被显示</a:t>
                       </a:r>
+                      <a:endParaRPr lang="zh-CN" altLang="en-US" sz="2400" b="0" kern="1200" dirty="0">
+                        <a:solidFill>
+                          <a:srgbClr val="FF0000"/>
+                        </a:solidFill>
+                        <a:latin typeface="微软雅黑" panose="020B0503020204020204" pitchFamily="34" charset="-122"/>
+                        <a:ea typeface="微软雅黑" panose="020B0503020204020204" pitchFamily="34" charset="-122"/>
+                        <a:cs typeface="Arial" panose="020B0604020202020204" pitchFamily="34" charset="0"/>
+                      </a:endParaRPr>
                     </a:p>
                   </a:txBody>
                   <a:tcPr marL="105772" marR="105772" marT="39681" marB="39681" anchor="ctr" horzOverflow="overflow">
@@ -31671,11 +32191,11 @@
   <p:clrMapOvr>
     <a:masterClrMapping/>
   </p:clrMapOvr>
-  <mc:AlternateContent xmlns:mc="http://schemas.openxmlformats.org/markup-compatibility/2006" xmlns:p14="http://schemas.microsoft.com/office/powerpoint/2010/main">
-    <mc:Choice Requires="p14">
+  <mc:AlternateContent xmlns:mc="http://schemas.openxmlformats.org/markup-compatibility/2006">
+    <mc:Choice xmlns:p14="http://schemas.microsoft.com/office/powerpoint/2010/main" Requires="p14">
       <p:transition p14:dur="0"/>
     </mc:Choice>
-    <mc:Fallback xmlns="">
+    <mc:Fallback>
       <p:transition/>
     </mc:Fallback>
   </mc:AlternateContent>
@@ -31839,6 +32359,7 @@
               <a:rPr lang="zh-CN" altLang="en-US" dirty="0"/>
               <a:t>块级元素与行内元素的相互转换</a:t>
             </a:r>
+            <a:endParaRPr lang="zh-CN" altLang="en-US" dirty="0"/>
           </a:p>
         </p:txBody>
       </p:sp>
@@ -31853,7 +32374,7 @@
           </p:nvPr>
         </p:nvPicPr>
         <p:blipFill>
-          <a:blip r:embed="rId2">
+          <a:blip r:embed="rId1">
             <a:extLst>
               <a:ext uri="{28A0092B-C50C-407E-A947-70E740481C1C}">
                 <a14:useLocalDpi xmlns:a14="http://schemas.microsoft.com/office/drawing/2010/main" val="0"/>
@@ -31907,7 +32428,7 @@
           <p:nvPr/>
         </p:nvPicPr>
         <p:blipFill>
-          <a:blip r:embed="rId3">
+          <a:blip r:embed="rId2">
             <a:extLst>
               <a:ext uri="{28A0092B-C50C-407E-A947-70E740481C1C}">
                 <a14:useLocalDpi xmlns:a14="http://schemas.microsoft.com/office/drawing/2010/main" val="0"/>
@@ -32015,6 +32536,11 @@
               </a:rPr>
               <a:t>块</a:t>
             </a:r>
+            <a:endParaRPr lang="zh-CN" altLang="en-US" sz="3300" b="1" dirty="0">
+              <a:solidFill>
+                <a:schemeClr val="bg1"/>
+              </a:solidFill>
+            </a:endParaRPr>
           </a:p>
         </p:txBody>
       </p:sp>
@@ -32081,6 +32607,11 @@
               </a:rPr>
               <a:t>行</a:t>
             </a:r>
+            <a:endParaRPr lang="zh-CN" altLang="en-US" sz="3300" b="1" dirty="0">
+              <a:solidFill>
+                <a:schemeClr val="bg1"/>
+              </a:solidFill>
+            </a:endParaRPr>
           </a:p>
         </p:txBody>
       </p:sp>
@@ -32093,7 +32624,7 @@
           <p:nvPr/>
         </p:nvPicPr>
         <p:blipFill>
-          <a:blip r:embed="rId4">
+          <a:blip r:embed="rId3">
             <a:extLst>
               <a:ext uri="{28A0092B-C50C-407E-A947-70E740481C1C}">
                 <a14:useLocalDpi xmlns:a14="http://schemas.microsoft.com/office/drawing/2010/main" val="0"/>
@@ -32147,7 +32678,7 @@
           <p:nvPr/>
         </p:nvPicPr>
         <p:blipFill>
-          <a:blip r:embed="rId5">
+          <a:blip r:embed="rId4">
             <a:extLst>
               <a:ext uri="{28A0092B-C50C-407E-A947-70E740481C1C}">
                 <a14:useLocalDpi xmlns:a14="http://schemas.microsoft.com/office/drawing/2010/main" val="0"/>
@@ -32240,11 +32771,11 @@
   <p:clrMapOvr>
     <a:masterClrMapping/>
   </p:clrMapOvr>
-  <mc:AlternateContent xmlns:mc="http://schemas.openxmlformats.org/markup-compatibility/2006" xmlns:p14="http://schemas.microsoft.com/office/powerpoint/2010/main">
-    <mc:Choice Requires="p14">
+  <mc:AlternateContent xmlns:mc="http://schemas.openxmlformats.org/markup-compatibility/2006">
+    <mc:Choice xmlns:p14="http://schemas.microsoft.com/office/powerpoint/2010/main" Requires="p14">
       <p:transition p14:dur="0"/>
     </mc:Choice>
-    <mc:Fallback xmlns="">
+    <mc:Fallback>
       <p:transition/>
     </mc:Fallback>
   </mc:AlternateContent>
@@ -32648,6 +33179,13 @@
               </a:rPr>
               <a:t>盒子模型</a:t>
             </a:r>
+            <a:endParaRPr lang="zh-CN" altLang="en-US" sz="2800" dirty="0">
+              <a:solidFill>
+                <a:srgbClr val="595E64"/>
+              </a:solidFill>
+              <a:latin typeface="微软雅黑" panose="020B0503020204020204" pitchFamily="34" charset="-122"/>
+              <a:ea typeface="微软雅黑" panose="020B0503020204020204" pitchFamily="34" charset="-122"/>
+            </a:endParaRPr>
           </a:p>
         </p:txBody>
       </p:sp>
@@ -32683,6 +33221,13 @@
               </a:rPr>
               <a:t>盒子模型的各项属性</a:t>
             </a:r>
+            <a:endParaRPr lang="zh-CN" altLang="en-US" sz="2800" dirty="0">
+              <a:solidFill>
+                <a:srgbClr val="595E64"/>
+              </a:solidFill>
+              <a:latin typeface="微软雅黑" panose="020B0503020204020204" pitchFamily="34" charset="-122"/>
+              <a:ea typeface="微软雅黑" panose="020B0503020204020204" pitchFamily="34" charset="-122"/>
+            </a:endParaRPr>
           </a:p>
         </p:txBody>
       </p:sp>
@@ -32764,6 +33309,13 @@
               </a:rPr>
               <a:t>块级元素与行内元素</a:t>
             </a:r>
+            <a:endParaRPr lang="zh-CN" altLang="en-US" sz="2800" dirty="0">
+              <a:solidFill>
+                <a:srgbClr val="595E64"/>
+              </a:solidFill>
+              <a:latin typeface="微软雅黑" panose="020B0503020204020204" pitchFamily="34" charset="-122"/>
+              <a:ea typeface="微软雅黑" panose="020B0503020204020204" pitchFamily="34" charset="-122"/>
+            </a:endParaRPr>
           </a:p>
         </p:txBody>
       </p:sp>
@@ -32845,6 +33397,13 @@
               </a:rPr>
               <a:t>盒子模型的应用</a:t>
             </a:r>
+            <a:endParaRPr lang="zh-CN" altLang="en-US" sz="2800" dirty="0">
+              <a:solidFill>
+                <a:srgbClr val="FF0000"/>
+              </a:solidFill>
+              <a:latin typeface="微软雅黑" panose="020B0503020204020204" pitchFamily="34" charset="-122"/>
+              <a:ea typeface="微软雅黑" panose="020B0503020204020204" pitchFamily="34" charset="-122"/>
+            </a:endParaRPr>
           </a:p>
         </p:txBody>
       </p:sp>
@@ -32899,11 +33458,11 @@
   <p:clrMapOvr>
     <a:masterClrMapping/>
   </p:clrMapOvr>
-  <mc:AlternateContent xmlns:mc="http://schemas.openxmlformats.org/markup-compatibility/2006" xmlns:p14="http://schemas.microsoft.com/office/powerpoint/2010/main">
-    <mc:Choice Requires="p14">
+  <mc:AlternateContent xmlns:mc="http://schemas.openxmlformats.org/markup-compatibility/2006">
+    <mc:Choice xmlns:p14="http://schemas.microsoft.com/office/powerpoint/2010/main" Requires="p14">
       <p:transition p14:dur="0"/>
     </mc:Choice>
-    <mc:Fallback xmlns="">
+    <mc:Fallback>
       <p:transition/>
     </mc:Fallback>
   </mc:AlternateContent>
@@ -32953,6 +33512,7 @@
               <a:rPr lang="zh-CN" altLang="en-US" dirty="0"/>
               <a:t>盒子模型的应用</a:t>
             </a:r>
+            <a:endParaRPr lang="zh-CN" altLang="en-US" dirty="0"/>
           </a:p>
         </p:txBody>
       </p:sp>
@@ -33012,6 +33572,7 @@
               <a:rPr lang="en-US" altLang="zh-CN" sz="2400" dirty="0" smtClean="0"/>
               <a:t> ……</a:t>
             </a:r>
+            <a:endParaRPr lang="en-US" altLang="zh-CN" sz="2400" dirty="0" smtClean="0"/>
           </a:p>
         </p:txBody>
       </p:sp>
@@ -33024,7 +33585,7 @@
           <p:nvPr/>
         </p:nvPicPr>
         <p:blipFill>
-          <a:blip r:embed="rId2"/>
+          <a:blip r:embed="rId1"/>
           <a:stretch>
             <a:fillRect/>
           </a:stretch>
@@ -33044,11 +33605,11 @@
   <p:clrMapOvr>
     <a:masterClrMapping/>
   </p:clrMapOvr>
-  <mc:AlternateContent xmlns:mc="http://schemas.openxmlformats.org/markup-compatibility/2006" xmlns:p14="http://schemas.microsoft.com/office/powerpoint/2010/main">
-    <mc:Choice Requires="p14">
+  <mc:AlternateContent xmlns:mc="http://schemas.openxmlformats.org/markup-compatibility/2006">
+    <mc:Choice xmlns:p14="http://schemas.microsoft.com/office/powerpoint/2010/main" Requires="p14">
       <p:transition p14:dur="0"/>
     </mc:Choice>
-    <mc:Fallback xmlns="">
+    <mc:Fallback>
       <p:transition/>
     </mc:Fallback>
   </mc:AlternateContent>
@@ -33220,6 +33781,7 @@
               <a:rPr lang="zh-CN" altLang="en-US" dirty="0"/>
               <a:t>纵向导航</a:t>
             </a:r>
+            <a:endParaRPr lang="zh-CN" altLang="en-US" dirty="0"/>
           </a:p>
         </p:txBody>
       </p:sp>
@@ -33422,6 +33984,10 @@
               </a:rPr>
               <a:t>中的文本垂直方向居中，</a:t>
             </a:r>
+            <a:endParaRPr lang="zh-CN" altLang="en-US" sz="2400" dirty="0">
+              <a:latin typeface="微软雅黑" panose="020B0503020204020204" pitchFamily="34" charset="-122"/>
+              <a:ea typeface="微软雅黑" panose="020B0503020204020204" pitchFamily="34" charset="-122"/>
+            </a:endParaRPr>
           </a:p>
           <a:p>
             <a:pPr>
@@ -33471,6 +34037,10 @@
               </a:rPr>
               <a:t>中的文本水平方向居中。</a:t>
             </a:r>
+            <a:endParaRPr lang="zh-CN" altLang="en-US" sz="2400" dirty="0">
+              <a:latin typeface="微软雅黑" panose="020B0503020204020204" pitchFamily="34" charset="-122"/>
+              <a:ea typeface="微软雅黑" panose="020B0503020204020204" pitchFamily="34" charset="-122"/>
+            </a:endParaRPr>
           </a:p>
         </p:txBody>
       </p:sp>
@@ -33658,6 +34228,10 @@
               </a:rPr>
               <a:t>属性，隐藏列表项目符号</a:t>
             </a:r>
+            <a:endParaRPr lang="zh-CN" altLang="en-US" sz="2400" dirty="0">
+              <a:latin typeface="微软雅黑" panose="020B0503020204020204" pitchFamily="34" charset="-122"/>
+              <a:ea typeface="微软雅黑" panose="020B0503020204020204" pitchFamily="34" charset="-122"/>
+            </a:endParaRPr>
           </a:p>
         </p:txBody>
       </p:sp>
@@ -33850,6 +34424,10 @@
               </a:rPr>
               <a:t>的边框及宽高</a:t>
             </a:r>
+            <a:endParaRPr lang="zh-CN" altLang="en-US" sz="2400" dirty="0">
+              <a:latin typeface="微软雅黑" panose="020B0503020204020204" pitchFamily="34" charset="-122"/>
+              <a:ea typeface="微软雅黑" panose="020B0503020204020204" pitchFamily="34" charset="-122"/>
+            </a:endParaRPr>
           </a:p>
         </p:txBody>
       </p:sp>
@@ -33862,7 +34440,7 @@
           <p:nvPr/>
         </p:nvPicPr>
         <p:blipFill>
-          <a:blip r:embed="rId3"/>
+          <a:blip r:embed="rId1"/>
           <a:stretch>
             <a:fillRect/>
           </a:stretch>
@@ -33882,11 +34460,11 @@
   <p:clrMapOvr>
     <a:masterClrMapping/>
   </p:clrMapOvr>
-  <mc:AlternateContent xmlns:mc="http://schemas.openxmlformats.org/markup-compatibility/2006" xmlns:p14="http://schemas.microsoft.com/office/powerpoint/2010/main">
-    <mc:Choice Requires="p14">
+  <mc:AlternateContent xmlns:mc="http://schemas.openxmlformats.org/markup-compatibility/2006">
+    <mc:Choice xmlns:p14="http://schemas.microsoft.com/office/powerpoint/2010/main" Requires="p14">
       <p:transition p14:dur="0"/>
     </mc:Choice>
-    <mc:Fallback xmlns="">
+    <mc:Fallback>
       <p:transition/>
     </mc:Fallback>
   </mc:AlternateContent>
@@ -34232,6 +34810,7 @@
               <a:rPr lang="zh-CN" altLang="en-US" dirty="0"/>
               <a:t>导航</a:t>
             </a:r>
+            <a:endParaRPr lang="zh-CN" altLang="en-US" dirty="0"/>
           </a:p>
         </p:txBody>
       </p:sp>
@@ -34407,7 +34986,7 @@
                 <a:latin typeface="微软雅黑" panose="020B0503020204020204" pitchFamily="34" charset="-122"/>
                 <a:ea typeface="微软雅黑" panose="020B0503020204020204" pitchFamily="34" charset="-122"/>
               </a:rPr>
-              <a:t>li</a:t>
+              <a:t>&lt;li&gt;</a:t>
             </a:r>
             <a:r>
               <a:rPr lang="zh-CN" altLang="en-US" sz="2400" dirty="0">
@@ -34477,7 +35056,14 @@
                 <a:latin typeface="微软雅黑" panose="020B0503020204020204" pitchFamily="34" charset="-122"/>
                 <a:ea typeface="微软雅黑" panose="020B0503020204020204" pitchFamily="34" charset="-122"/>
               </a:rPr>
-              <a:t>li</a:t>
+              <a:t>&lt;</a:t>
+            </a:r>
+            <a:r>
+              <a:rPr lang="en-US" altLang="zh-CN" sz="2400" dirty="0">
+                <a:latin typeface="微软雅黑" panose="020B0503020204020204" pitchFamily="34" charset="-122"/>
+                <a:ea typeface="微软雅黑" panose="020B0503020204020204" pitchFamily="34" charset="-122"/>
+              </a:rPr>
+              <a:t>li&gt;</a:t>
             </a:r>
             <a:r>
               <a:rPr lang="zh-CN" altLang="en-US" sz="2400" dirty="0">
@@ -34486,6 +35072,10 @@
               </a:rPr>
               <a:t>标签横向排列。</a:t>
             </a:r>
+            <a:endParaRPr lang="zh-CN" altLang="en-US" sz="2400" dirty="0">
+              <a:latin typeface="微软雅黑" panose="020B0503020204020204" pitchFamily="34" charset="-122"/>
+              <a:ea typeface="微软雅黑" panose="020B0503020204020204" pitchFamily="34" charset="-122"/>
+            </a:endParaRPr>
           </a:p>
         </p:txBody>
       </p:sp>
@@ -34782,6 +35372,10 @@
               </a:rPr>
               <a:t>显示样式兼容。</a:t>
             </a:r>
+            <a:endParaRPr lang="zh-CN" altLang="en-US" sz="2400" dirty="0">
+              <a:latin typeface="微软雅黑" panose="020B0503020204020204" pitchFamily="34" charset="-122"/>
+              <a:ea typeface="微软雅黑" panose="020B0503020204020204" pitchFamily="34" charset="-122"/>
+            </a:endParaRPr>
           </a:p>
         </p:txBody>
       </p:sp>
@@ -34848,7 +35442,7 @@
             <p:nvPr/>
           </p:nvPicPr>
           <p:blipFill>
-            <a:blip r:embed="rId3">
+            <a:blip r:embed="rId1">
               <a:extLst>
                 <a:ext uri="{28A0092B-C50C-407E-A947-70E740481C1C}">
                   <a14:useLocalDpi xmlns:a14="http://schemas.microsoft.com/office/drawing/2010/main" val="0"/>
@@ -34886,11 +35480,11 @@
   <p:clrMapOvr>
     <a:masterClrMapping/>
   </p:clrMapOvr>
-  <mc:AlternateContent xmlns:mc="http://schemas.openxmlformats.org/markup-compatibility/2006" xmlns:p14="http://schemas.microsoft.com/office/powerpoint/2010/main">
-    <mc:Choice Requires="p14">
+  <mc:AlternateContent xmlns:mc="http://schemas.openxmlformats.org/markup-compatibility/2006">
+    <mc:Choice xmlns:p14="http://schemas.microsoft.com/office/powerpoint/2010/main" Requires="p14">
       <p:transition p14:dur="0"/>
     </mc:Choice>
-    <mc:Fallback xmlns="">
+    <mc:Fallback>
       <p:transition/>
     </mc:Fallback>
   </mc:AlternateContent>
@@ -35150,6 +35744,7 @@
               <a:rPr lang="zh-CN" altLang="en-US" dirty="0"/>
               <a:t>分栏的实现</a:t>
             </a:r>
+            <a:endParaRPr lang="zh-CN" altLang="en-US" dirty="0"/>
           </a:p>
         </p:txBody>
       </p:sp>
@@ -35162,7 +35757,7 @@
           <p:nvPr/>
         </p:nvPicPr>
         <p:blipFill>
-          <a:blip r:embed="rId2"/>
+          <a:blip r:embed="rId1"/>
           <a:stretch>
             <a:fillRect/>
           </a:stretch>
@@ -35273,11 +35868,11 @@
   <p:clrMapOvr>
     <a:masterClrMapping/>
   </p:clrMapOvr>
-  <mc:AlternateContent xmlns:mc="http://schemas.openxmlformats.org/markup-compatibility/2006" xmlns:p14="http://schemas.microsoft.com/office/powerpoint/2010/main">
-    <mc:Choice Requires="p14">
+  <mc:AlternateContent xmlns:mc="http://schemas.openxmlformats.org/markup-compatibility/2006">
+    <mc:Choice xmlns:p14="http://schemas.microsoft.com/office/powerpoint/2010/main" Requires="p14">
       <p:transition p14:dur="0"/>
     </mc:Choice>
-    <mc:Fallback xmlns="">
+    <mc:Fallback>
       <p:transition/>
     </mc:Fallback>
   </mc:AlternateContent>
@@ -35327,6 +35922,7 @@
               <a:rPr lang="zh-CN" altLang="en-US" dirty="0"/>
               <a:t>图像透明的实现</a:t>
             </a:r>
+            <a:endParaRPr lang="zh-CN" altLang="en-US" dirty="0"/>
           </a:p>
         </p:txBody>
       </p:sp>
@@ -35356,13 +35952,13 @@
             </a:r>
             <a:r>
               <a:rPr lang="en-US" altLang="zh-CN" sz="2800" dirty="0" smtClean="0">
-                <a:hlinkClick r:id="rId2"/>
+                <a:hlinkClick r:id="rId1"/>
               </a:rPr>
               <a:t>http</a:t>
             </a:r>
             <a:r>
               <a:rPr lang="en-US" altLang="zh-CN" sz="2800" dirty="0">
-                <a:hlinkClick r:id="rId2"/>
+                <a:hlinkClick r:id="rId1"/>
               </a:rPr>
               <a:t>://www.w3school.com.cn/css/css_image_transparency.asp</a:t>
             </a:r>
@@ -35382,7 +35978,7 @@
           <p:nvPr/>
         </p:nvPicPr>
         <p:blipFill>
-          <a:blip r:embed="rId3"/>
+          <a:blip r:embed="rId2"/>
           <a:stretch>
             <a:fillRect/>
           </a:stretch>
@@ -35406,7 +36002,7 @@
           <p:nvPr/>
         </p:nvPicPr>
         <p:blipFill>
-          <a:blip r:embed="rId4"/>
+          <a:blip r:embed="rId3"/>
           <a:stretch>
             <a:fillRect/>
           </a:stretch>
@@ -35629,11 +36225,11 @@
   <p:clrMapOvr>
     <a:masterClrMapping/>
   </p:clrMapOvr>
-  <mc:AlternateContent xmlns:mc="http://schemas.openxmlformats.org/markup-compatibility/2006" xmlns:p14="http://schemas.microsoft.com/office/powerpoint/2010/main">
-    <mc:Choice Requires="p14">
+  <mc:AlternateContent xmlns:mc="http://schemas.openxmlformats.org/markup-compatibility/2006">
+    <mc:Choice xmlns:p14="http://schemas.microsoft.com/office/powerpoint/2010/main" Requires="p14">
       <p:transition p14:dur="0"/>
     </mc:Choice>
-    <mc:Fallback xmlns="">
+    <mc:Fallback>
       <p:transition/>
     </mc:Fallback>
   </mc:AlternateContent>
@@ -35683,6 +36279,7 @@
               <a:rPr kumimoji="1" lang="zh-CN" altLang="en-US" sz="3600" dirty="0"/>
               <a:t>盒子</a:t>
             </a:r>
+            <a:endParaRPr kumimoji="1" lang="zh-CN" altLang="en-US" sz="3600" dirty="0"/>
           </a:p>
         </p:txBody>
       </p:sp>
@@ -35802,6 +36399,7 @@
               <a:rPr kumimoji="1" lang="zh-CN" altLang="en-US" sz="2400" dirty="0"/>
               <a:t>起来，共同展示</a:t>
             </a:r>
+            <a:endParaRPr kumimoji="1" lang="zh-CN" altLang="en-US" sz="2400" dirty="0"/>
           </a:p>
         </p:txBody>
       </p:sp>
@@ -35814,7 +36412,7 @@
           <p:nvPr/>
         </p:nvPicPr>
         <p:blipFill>
-          <a:blip r:embed="rId2" cstate="print">
+          <a:blip r:embed="rId1" cstate="print">
             <a:extLst>
               <a:ext uri="{28A0092B-C50C-407E-A947-70E740481C1C}">
                 <a14:useLocalDpi xmlns:a14="http://schemas.microsoft.com/office/drawing/2010/main" val="0"/>
@@ -35878,7 +36476,7 @@
           <p:nvPr/>
         </p:nvPicPr>
         <p:blipFill>
-          <a:blip r:embed="rId3" cstate="print">
+          <a:blip r:embed="rId2" cstate="print">
             <a:extLst>
               <a:ext uri="{28A0092B-C50C-407E-A947-70E740481C1C}">
                 <a14:useLocalDpi xmlns:a14="http://schemas.microsoft.com/office/drawing/2010/main" val="0"/>
@@ -35942,7 +36540,7 @@
           <p:nvPr/>
         </p:nvPicPr>
         <p:blipFill>
-          <a:blip r:embed="rId4" cstate="print">
+          <a:blip r:embed="rId3" cstate="print">
             <a:extLst>
               <a:ext uri="{28A0092B-C50C-407E-A947-70E740481C1C}">
                 <a14:useLocalDpi xmlns:a14="http://schemas.microsoft.com/office/drawing/2010/main" val="0"/>
@@ -36102,11 +36700,11 @@
   <p:clrMapOvr>
     <a:masterClrMapping/>
   </p:clrMapOvr>
-  <mc:AlternateContent xmlns:mc="http://schemas.openxmlformats.org/markup-compatibility/2006" xmlns:p14="http://schemas.microsoft.com/office/powerpoint/2010/main">
-    <mc:Choice Requires="p14">
+  <mc:AlternateContent xmlns:mc="http://schemas.openxmlformats.org/markup-compatibility/2006">
+    <mc:Choice xmlns:p14="http://schemas.microsoft.com/office/powerpoint/2010/main" Requires="p14">
       <p:transition p14:dur="0"/>
     </mc:Choice>
-    <mc:Fallback xmlns="">
+    <mc:Fallback>
       <p:transition/>
     </mc:Fallback>
   </mc:AlternateContent>
@@ -36156,6 +36754,7 @@
               <a:rPr lang="zh-CN" altLang="en-US" dirty="0"/>
               <a:t>本节小结</a:t>
             </a:r>
+            <a:endParaRPr lang="zh-CN" altLang="en-US" dirty="0"/>
           </a:p>
         </p:txBody>
       </p:sp>
@@ -36197,6 +36796,7 @@
               <a:rPr lang="zh-CN" altLang="en-US" sz="3000" dirty="0"/>
               <a:t>简介</a:t>
             </a:r>
+            <a:endParaRPr lang="zh-CN" altLang="en-US" sz="3000" dirty="0"/>
           </a:p>
           <a:p>
             <a:pPr lvl="1"/>
@@ -36220,6 +36820,11 @@
               </a:rPr>
               <a:t>边框</a:t>
             </a:r>
+            <a:endParaRPr lang="zh-CN" altLang="en-US" dirty="0">
+              <a:solidFill>
+                <a:srgbClr val="C00000"/>
+              </a:solidFill>
+            </a:endParaRPr>
           </a:p>
           <a:p>
             <a:pPr lvl="1"/>
@@ -36243,6 +36848,11 @@
               </a:rPr>
               <a:t>内边距和外边距</a:t>
             </a:r>
+            <a:endParaRPr lang="zh-CN" altLang="en-US" dirty="0">
+              <a:solidFill>
+                <a:srgbClr val="C00000"/>
+              </a:solidFill>
+            </a:endParaRPr>
           </a:p>
           <a:p>
             <a:r>
@@ -36336,6 +36946,7 @@
               <a:rPr lang="zh-CN" altLang="en-US" dirty="0"/>
               <a:t>栏的实现</a:t>
             </a:r>
+            <a:endParaRPr lang="zh-CN" altLang="en-US" dirty="0"/>
           </a:p>
         </p:txBody>
       </p:sp>
@@ -36344,11 +36955,11 @@
   <p:clrMapOvr>
     <a:masterClrMapping/>
   </p:clrMapOvr>
-  <mc:AlternateContent xmlns:mc="http://schemas.openxmlformats.org/markup-compatibility/2006" xmlns:p14="http://schemas.microsoft.com/office/powerpoint/2010/main">
-    <mc:Choice Requires="p14">
+  <mc:AlternateContent xmlns:mc="http://schemas.openxmlformats.org/markup-compatibility/2006">
+    <mc:Choice xmlns:p14="http://schemas.microsoft.com/office/powerpoint/2010/main" Requires="p14">
       <p:transition p14:dur="0"/>
     </mc:Choice>
-    <mc:Fallback xmlns="">
+    <mc:Fallback>
       <p:transition/>
     </mc:Fallback>
   </mc:AlternateContent>
@@ -37499,11 +38110,11 @@
   <p:clrMapOvr>
     <a:masterClrMapping/>
   </p:clrMapOvr>
-  <mc:AlternateContent xmlns:mc="http://schemas.openxmlformats.org/markup-compatibility/2006" xmlns:p14="http://schemas.microsoft.com/office/powerpoint/2010/main">
-    <mc:Choice Requires="p14">
+  <mc:AlternateContent xmlns:mc="http://schemas.openxmlformats.org/markup-compatibility/2006">
+    <mc:Choice xmlns:p14="http://schemas.microsoft.com/office/powerpoint/2010/main" Requires="p14">
       <p:transition p14:dur="0"/>
     </mc:Choice>
-    <mc:Fallback xmlns="">
+    <mc:Fallback>
       <p:transition/>
     </mc:Fallback>
   </mc:AlternateContent>
@@ -37561,6 +38172,7 @@
               <a:rPr kumimoji="1" lang="zh-CN" altLang="en-US" sz="3600" dirty="0"/>
               <a:t>模型</a:t>
             </a:r>
+            <a:endParaRPr kumimoji="1" lang="zh-CN" altLang="en-US" sz="3600" dirty="0"/>
           </a:p>
         </p:txBody>
       </p:sp>
@@ -37573,7 +38185,7 @@
           <p:nvPr/>
         </p:nvPicPr>
         <p:blipFill>
-          <a:blip r:embed="rId2"/>
+          <a:blip r:embed="rId1"/>
           <a:stretch>
             <a:fillRect/>
           </a:stretch>
@@ -37657,6 +38269,10 @@
               </a:rPr>
               <a:t>与嵌套形成整个页面的内容排布。</a:t>
             </a:r>
+            <a:endParaRPr kumimoji="1" lang="zh-CN" altLang="en-US" sz="2800" dirty="0">
+              <a:latin typeface="微软雅黑" panose="020B0503020204020204" pitchFamily="34" charset="-122"/>
+              <a:ea typeface="微软雅黑" panose="020B0503020204020204" pitchFamily="34" charset="-122"/>
+            </a:endParaRPr>
           </a:p>
         </p:txBody>
       </p:sp>
@@ -37665,11 +38281,11 @@
   <p:clrMapOvr>
     <a:masterClrMapping/>
   </p:clrMapOvr>
-  <mc:AlternateContent xmlns:mc="http://schemas.openxmlformats.org/markup-compatibility/2006" xmlns:p14="http://schemas.microsoft.com/office/powerpoint/2010/main">
-    <mc:Choice Requires="p14">
+  <mc:AlternateContent xmlns:mc="http://schemas.openxmlformats.org/markup-compatibility/2006">
+    <mc:Choice xmlns:p14="http://schemas.microsoft.com/office/powerpoint/2010/main" Requires="p14">
       <p:transition p14:dur="0"/>
     </mc:Choice>
-    <mc:Fallback xmlns="">
+    <mc:Fallback>
       <p:transition/>
     </mc:Fallback>
   </mc:AlternateContent>
@@ -37717,12 +38333,13 @@
           <a:p>
             <a:r>
               <a:rPr kumimoji="1" lang="en-US" altLang="zh-CN" sz="3600" dirty="0"/>
-              <a:t>Web</a:t>
+              <a:t>Web </a:t>
             </a:r>
             <a:r>
               <a:rPr kumimoji="1" lang="zh-CN" altLang="en-US" sz="3600" dirty="0"/>
-              <a:t>中盒子模型</a:t>
-            </a:r>
+              <a:t>中的盒子模型</a:t>
+            </a:r>
+            <a:endParaRPr kumimoji="1" lang="zh-CN" altLang="en-US" sz="3600" dirty="0"/>
           </a:p>
         </p:txBody>
       </p:sp>
@@ -37752,11 +38369,11 @@
             </a:r>
             <a:r>
               <a:rPr kumimoji="1" lang="zh-CN" altLang="en-US" sz="2800" dirty="0"/>
-              <a:t>在</a:t>
+              <a:t>在 </a:t>
             </a:r>
             <a:r>
               <a:rPr kumimoji="1" lang="en-US" altLang="zh-CN" sz="2800" dirty="0"/>
-              <a:t>Web</a:t>
+              <a:t>Web </a:t>
             </a:r>
             <a:r>
               <a:rPr kumimoji="1" lang="zh-CN" altLang="en-US" sz="2800" dirty="0"/>
@@ -37772,7 +38389,7 @@
                   <a:srgbClr val="C00000"/>
                 </a:solidFill>
               </a:rPr>
-              <a:t> 内容</a:t>
+              <a:t> 页面内容</a:t>
             </a:r>
             <a:r>
               <a:rPr kumimoji="1" lang="zh-CN" altLang="en-US" sz="2400" dirty="0"/>
@@ -37814,6 +38431,7 @@
               <a:rPr kumimoji="1" lang="zh-CN" altLang="en-US" sz="2400" dirty="0"/>
               <a:t>）</a:t>
             </a:r>
+            <a:endParaRPr kumimoji="1" lang="zh-CN" altLang="en-US" sz="2400" dirty="0"/>
           </a:p>
         </p:txBody>
       </p:sp>
@@ -37822,11 +38440,11 @@
   <p:clrMapOvr>
     <a:masterClrMapping/>
   </p:clrMapOvr>
-  <mc:AlternateContent xmlns:mc="http://schemas.openxmlformats.org/markup-compatibility/2006" xmlns:p14="http://schemas.microsoft.com/office/powerpoint/2010/main">
-    <mc:Choice Requires="p14">
+  <mc:AlternateContent xmlns:mc="http://schemas.openxmlformats.org/markup-compatibility/2006">
+    <mc:Choice xmlns:p14="http://schemas.microsoft.com/office/powerpoint/2010/main" Requires="p14">
       <p:transition p14:dur="0"/>
     </mc:Choice>
-    <mc:Fallback xmlns="">
+    <mc:Fallback>
       <p:transition/>
     </mc:Fallback>
   </mc:AlternateContent>
@@ -37876,6 +38494,7 @@
               <a:rPr kumimoji="1" lang="zh-CN" altLang="en-US" dirty="0"/>
               <a:t>盒子模型特征</a:t>
             </a:r>
+            <a:endParaRPr kumimoji="1" lang="zh-CN" altLang="en-US" dirty="0"/>
           </a:p>
         </p:txBody>
       </p:sp>
@@ -38008,7 +38627,7 @@
           <p:nvPr/>
         </p:nvPicPr>
         <p:blipFill>
-          <a:blip r:embed="rId2">
+          <a:blip r:embed="rId1">
             <a:extLst>
               <a:ext uri="{28A0092B-C50C-407E-A947-70E740481C1C}">
                 <a14:useLocalDpi xmlns:a14="http://schemas.microsoft.com/office/drawing/2010/main" val="0"/>
@@ -38045,11 +38664,11 @@
   <p:clrMapOvr>
     <a:masterClrMapping/>
   </p:clrMapOvr>
-  <mc:AlternateContent xmlns:mc="http://schemas.openxmlformats.org/markup-compatibility/2006" xmlns:p14="http://schemas.microsoft.com/office/powerpoint/2010/main">
-    <mc:Choice Requires="p14">
+  <mc:AlternateContent xmlns:mc="http://schemas.openxmlformats.org/markup-compatibility/2006">
+    <mc:Choice xmlns:p14="http://schemas.microsoft.com/office/powerpoint/2010/main" Requires="p14">
       <p:transition p14:dur="0"/>
     </mc:Choice>
-    <mc:Fallback xmlns="">
+    <mc:Fallback>
       <p:transition/>
     </mc:Fallback>
   </mc:AlternateContent>
@@ -38099,6 +38718,7 @@
               <a:rPr kumimoji="1" lang="zh-CN" altLang="en-US" dirty="0"/>
               <a:t>盒子模型特征</a:t>
             </a:r>
+            <a:endParaRPr kumimoji="1" lang="zh-CN" altLang="en-US" dirty="0"/>
           </a:p>
         </p:txBody>
       </p:sp>
@@ -38151,7 +38771,7 @@
           <p:nvPr/>
         </p:nvPicPr>
         <p:blipFill>
-          <a:blip r:embed="rId2"/>
+          <a:blip r:embed="rId1"/>
           <a:stretch>
             <a:fillRect/>
           </a:stretch>
@@ -38171,11 +38791,11 @@
   <p:clrMapOvr>
     <a:masterClrMapping/>
   </p:clrMapOvr>
-  <mc:AlternateContent xmlns:mc="http://schemas.openxmlformats.org/markup-compatibility/2006" xmlns:p14="http://schemas.microsoft.com/office/powerpoint/2010/main">
-    <mc:Choice Requires="p14">
+  <mc:AlternateContent xmlns:mc="http://schemas.openxmlformats.org/markup-compatibility/2006">
+    <mc:Choice xmlns:p14="http://schemas.microsoft.com/office/powerpoint/2010/main" Requires="p14">
       <p:transition p14:dur="0"/>
     </mc:Choice>
-    <mc:Fallback xmlns="">
+    <mc:Fallback>
       <p:transition/>
     </mc:Fallback>
   </mc:AlternateContent>
@@ -38579,6 +39199,13 @@
               </a:rPr>
               <a:t>盒子模型</a:t>
             </a:r>
+            <a:endParaRPr lang="zh-CN" altLang="en-US" sz="2800" dirty="0">
+              <a:solidFill>
+                <a:srgbClr val="595E64"/>
+              </a:solidFill>
+              <a:latin typeface="微软雅黑" panose="020B0503020204020204" pitchFamily="34" charset="-122"/>
+              <a:ea typeface="微软雅黑" panose="020B0503020204020204" pitchFamily="34" charset="-122"/>
+            </a:endParaRPr>
           </a:p>
         </p:txBody>
       </p:sp>
@@ -38614,6 +39241,13 @@
               </a:rPr>
               <a:t>盒子模型的各项属性</a:t>
             </a:r>
+            <a:endParaRPr lang="zh-CN" altLang="en-US" sz="2800" dirty="0">
+              <a:solidFill>
+                <a:srgbClr val="FF0000"/>
+              </a:solidFill>
+              <a:latin typeface="微软雅黑" panose="020B0503020204020204" pitchFamily="34" charset="-122"/>
+              <a:ea typeface="微软雅黑" panose="020B0503020204020204" pitchFamily="34" charset="-122"/>
+            </a:endParaRPr>
           </a:p>
         </p:txBody>
       </p:sp>
@@ -38695,6 +39329,13 @@
               </a:rPr>
               <a:t>块级元素与行内元素</a:t>
             </a:r>
+            <a:endParaRPr lang="zh-CN" altLang="en-US" sz="2800" dirty="0">
+              <a:solidFill>
+                <a:srgbClr val="595E64"/>
+              </a:solidFill>
+              <a:latin typeface="微软雅黑" panose="020B0503020204020204" pitchFamily="34" charset="-122"/>
+              <a:ea typeface="微软雅黑" panose="020B0503020204020204" pitchFamily="34" charset="-122"/>
+            </a:endParaRPr>
           </a:p>
         </p:txBody>
       </p:sp>
@@ -38776,6 +39417,13 @@
               </a:rPr>
               <a:t>盒子模型的应用</a:t>
             </a:r>
+            <a:endParaRPr lang="zh-CN" altLang="en-US" sz="2800" dirty="0">
+              <a:solidFill>
+                <a:srgbClr val="595E64"/>
+              </a:solidFill>
+              <a:latin typeface="微软雅黑" panose="020B0503020204020204" pitchFamily="34" charset="-122"/>
+              <a:ea typeface="微软雅黑" panose="020B0503020204020204" pitchFamily="34" charset="-122"/>
+            </a:endParaRPr>
           </a:p>
         </p:txBody>
       </p:sp>
@@ -38830,11 +39478,11 @@
   <p:clrMapOvr>
     <a:masterClrMapping/>
   </p:clrMapOvr>
-  <mc:AlternateContent xmlns:mc="http://schemas.openxmlformats.org/markup-compatibility/2006" xmlns:p14="http://schemas.microsoft.com/office/powerpoint/2010/main">
-    <mc:Choice Requires="p14">
+  <mc:AlternateContent xmlns:mc="http://schemas.openxmlformats.org/markup-compatibility/2006">
+    <mc:Choice xmlns:p14="http://schemas.microsoft.com/office/powerpoint/2010/main" Requires="p14">
       <p:transition p14:dur="0"/>
     </mc:Choice>
-    <mc:Fallback xmlns="">
+    <mc:Fallback>
       <p:transition/>
     </mc:Fallback>
   </mc:AlternateContent>
@@ -39099,11 +39747,9 @@
       </a:bgFillStyleLst>
     </a:fmtScheme>
   </a:themeElements>
-  <a:objectDefaults/>
-  <a:extraClrSchemeLst/>
   <a:extLst>
     <a:ext uri="{05A4C25C-085E-4340-85A3-A5531E510DB2}">
-      <thm15:themeFamily xmlns="" xmlns:thm15="http://schemas.microsoft.com/office/thememl/2012/main" name="Office Theme" id="{62F939B6-93AF-4DB8-9C6B-D6C7DFDC589F}" vid="{4A3C46E8-61CC-4603-A589-7422A47A8E4A}"/>
+      <thm15:themeFamily xmlns:thm15="http://schemas.microsoft.com/office/thememl/2012/main" name="Office Theme" id="{62F939B6-93AF-4DB8-9C6B-D6C7DFDC589F}" vid="{4A3C46E8-61CC-4603-A589-7422A47A8E4A}"/>
     </a:ext>
   </a:extLst>
 </a:theme>
@@ -39360,11 +40006,9 @@
       </a:bgFillStyleLst>
     </a:fmtScheme>
   </a:themeElements>
-  <a:objectDefaults/>
-  <a:extraClrSchemeLst/>
   <a:extLst>
     <a:ext uri="{05A4C25C-085E-4340-85A3-A5531E510DB2}">
-      <thm15:themeFamily xmlns="" xmlns:thm15="http://schemas.microsoft.com/office/thememl/2012/main" name="Office Theme" id="{62F939B6-93AF-4DB8-9C6B-D6C7DFDC589F}" vid="{4A3C46E8-61CC-4603-A589-7422A47A8E4A}"/>
+      <thm15:themeFamily xmlns:thm15="http://schemas.microsoft.com/office/thememl/2012/main" name="Office Theme" id="{62F939B6-93AF-4DB8-9C6B-D6C7DFDC589F}" vid="{4A3C46E8-61CC-4603-A589-7422A47A8E4A}"/>
     </a:ext>
   </a:extLst>
 </a:theme>

--- a/materials/slides/ch06-cssBox.pptx
+++ b/materials/slides/ch06-cssBox.pptx
@@ -11164,7 +11164,7 @@
         <p:spPr>
           <a:xfrm>
             <a:off x="8528363" y="5636577"/>
-            <a:ext cx="2319760" cy="479245"/>
+            <a:ext cx="2295525" cy="476885"/>
           </a:xfrm>
           <a:prstGeom prst="rect">
             <a:avLst/>
@@ -11189,7 +11189,7 @@
                 <a:latin typeface="微软雅黑" panose="020B0503020204020204" pitchFamily="34" charset="-122"/>
                 <a:ea typeface="微软雅黑" panose="020B0503020204020204" pitchFamily="34" charset="-122"/>
               </a:rPr>
-              <a:t>emo5-1.html</a:t>
+              <a:t>emo6-1.html</a:t>
             </a:r>
             <a:endParaRPr lang="zh-CN" altLang="en-US" sz="2400" dirty="0">
               <a:latin typeface="微软雅黑" panose="020B0503020204020204" pitchFamily="34" charset="-122"/>
@@ -11394,7 +11394,7 @@
         <p:spPr bwMode="auto">
           <a:xfrm>
             <a:off x="3911091" y="4136295"/>
-            <a:ext cx="2830669" cy="479245"/>
+            <a:ext cx="2981960" cy="476885"/>
           </a:xfrm>
           <a:prstGeom prst="rect">
             <a:avLst/>
@@ -11532,7 +11532,7 @@
                 <a:latin typeface="微软雅黑" panose="020B0503020204020204" pitchFamily="34" charset="-122"/>
                 <a:ea typeface="微软雅黑" panose="020B0503020204020204" pitchFamily="34" charset="-122"/>
               </a:rPr>
-              <a:t>border-width:5px;</a:t>
+              <a:t>border-width : 5px;</a:t>
             </a:r>
             <a:endParaRPr lang="zh-CN" altLang="en-US" sz="2400" dirty="0">
               <a:latin typeface="微软雅黑" panose="020B0503020204020204" pitchFamily="34" charset="-122"/>
@@ -11552,7 +11552,7 @@
         <p:spPr bwMode="auto">
           <a:xfrm>
             <a:off x="3911091" y="4690806"/>
-            <a:ext cx="2850739" cy="479245"/>
+            <a:ext cx="3002280" cy="476885"/>
           </a:xfrm>
           <a:prstGeom prst="rect">
             <a:avLst/>
@@ -11690,7 +11690,7 @@
                 <a:latin typeface="微软雅黑" panose="020B0503020204020204" pitchFamily="34" charset="-122"/>
                 <a:ea typeface="微软雅黑" panose="020B0503020204020204" pitchFamily="34" charset="-122"/>
               </a:rPr>
-              <a:t>border-style:solid</a:t>
+              <a:t>border-style : solid</a:t>
             </a:r>
             <a:r>
               <a:rPr lang="en-US" altLang="zh-CN" sz="2400" dirty="0" smtClean="0">
@@ -11717,7 +11717,7 @@
         <p:spPr bwMode="auto">
           <a:xfrm>
             <a:off x="3949186" y="5243085"/>
-            <a:ext cx="2715509" cy="479245"/>
+            <a:ext cx="2857500" cy="476885"/>
           </a:xfrm>
           <a:prstGeom prst="rect">
             <a:avLst/>
@@ -11855,7 +11855,7 @@
                 <a:latin typeface="微软雅黑" panose="020B0503020204020204" pitchFamily="34" charset="-122"/>
                 <a:ea typeface="微软雅黑" panose="020B0503020204020204" pitchFamily="34" charset="-122"/>
               </a:rPr>
-              <a:t>border-color:red</a:t>
+              <a:t>border-color : red</a:t>
             </a:r>
             <a:r>
               <a:rPr lang="en-US" altLang="zh-CN" sz="2400" dirty="0" smtClean="0">
@@ -12670,9 +12670,9 @@
         <p:grpSpPr bwMode="auto">
           <a:xfrm>
             <a:off x="1240336" y="3013167"/>
-            <a:ext cx="4990450" cy="3033979"/>
+            <a:ext cx="4990450" cy="3032610"/>
             <a:chOff x="899592" y="2420888"/>
-            <a:chExt cx="3744416" cy="3033813"/>
+            <a:chExt cx="3744416" cy="3032444"/>
           </a:xfrm>
         </p:grpSpPr>
         <p:sp>
@@ -12684,7 +12684,7 @@
           <p:spPr>
             <a:xfrm>
               <a:off x="899592" y="3146503"/>
-              <a:ext cx="3744416" cy="2308198"/>
+              <a:ext cx="3744416" cy="2306829"/>
             </a:xfrm>
             <a:prstGeom prst="rect">
               <a:avLst/>
@@ -12732,7 +12732,7 @@
                   <a:latin typeface="微软雅黑" panose="020B0503020204020204" pitchFamily="34" charset="-122"/>
                   <a:ea typeface="微软雅黑" panose="020B0503020204020204" pitchFamily="34" charset="-122"/>
                 </a:rPr>
-                <a:t>border-top-width:1px;</a:t>
+                <a:t>border-top-width : 1px;</a:t>
               </a:r>
               <a:endParaRPr lang="en-US" altLang="zh-CN" sz="2400" dirty="0">
                 <a:solidFill>
@@ -12757,7 +12757,7 @@
                   <a:latin typeface="微软雅黑" panose="020B0503020204020204" pitchFamily="34" charset="-122"/>
                   <a:ea typeface="微软雅黑" panose="020B0503020204020204" pitchFamily="34" charset="-122"/>
                 </a:rPr>
-                <a:t>border-right-width:1px;</a:t>
+                <a:t>border-right-width : 1px;</a:t>
               </a:r>
               <a:endParaRPr lang="en-US" altLang="zh-CN" sz="2400" dirty="0">
                 <a:solidFill>
@@ -12782,7 +12782,7 @@
                   <a:latin typeface="微软雅黑" panose="020B0503020204020204" pitchFamily="34" charset="-122"/>
                   <a:ea typeface="微软雅黑" panose="020B0503020204020204" pitchFamily="34" charset="-122"/>
                 </a:rPr>
-                <a:t>border-bottom-width:1px;</a:t>
+                <a:t>border-bottom-width : 1px;</a:t>
               </a:r>
               <a:endParaRPr lang="en-US" altLang="zh-CN" sz="2400" dirty="0">
                 <a:solidFill>
@@ -12807,7 +12807,7 @@
                   <a:latin typeface="微软雅黑" panose="020B0503020204020204" pitchFamily="34" charset="-122"/>
                   <a:ea typeface="微软雅黑" panose="020B0503020204020204" pitchFamily="34" charset="-122"/>
                 </a:rPr>
-                <a:t>border-left-width:1px;</a:t>
+                <a:t>border-left-width : 1px;</a:t>
               </a:r>
               <a:endParaRPr lang="zh-CN" altLang="en-US" sz="2400" dirty="0">
                 <a:solidFill>
@@ -13377,7 +13377,7 @@
                             </p:stCondLst>
                             <p:childTnLst>
                               <p:par>
-                                <p:cTn id="5" presetID="22" presetClass="entr" presetSubtype="1" fill="hold" nodeType="clickEffect">
+                                <p:cTn id="5" presetID="10" presetClass="entr" presetSubtype="0" fill="hold" nodeType="clickEffect">
                                   <p:stCondLst>
                                     <p:cond delay="0"/>
                                   </p:stCondLst>
@@ -13385,6 +13385,41 @@
                                     <p:set>
                                       <p:cBhvr>
                                         <p:cTn id="6" dur="1" fill="hold">
+                                          <p:stCondLst>
+                                            <p:cond delay="0"/>
+                                          </p:stCondLst>
+                                        </p:cTn>
+                                        <p:tgtEl>
+                                          <p:spTgt spid="4"/>
+                                        </p:tgtEl>
+                                        <p:attrNameLst>
+                                          <p:attrName>style.visibility</p:attrName>
+                                        </p:attrNameLst>
+                                      </p:cBhvr>
+                                      <p:to>
+                                        <p:strVal val="visible"/>
+                                      </p:to>
+                                    </p:set>
+                                    <p:animEffect transition="in" filter="fade">
+                                      <p:cBhvr>
+                                        <p:cTn id="7" dur="500"/>
+                                        <p:tgtEl>
+                                          <p:spTgt spid="4"/>
+                                        </p:tgtEl>
+                                      </p:cBhvr>
+                                    </p:animEffect>
+                                  </p:childTnLst>
+                                </p:cTn>
+                              </p:par>
+                              <p:par>
+                                <p:cTn id="8" presetID="10" presetClass="entr" presetSubtype="0" fill="hold" nodeType="withEffect">
+                                  <p:stCondLst>
+                                    <p:cond delay="0"/>
+                                  </p:stCondLst>
+                                  <p:childTnLst>
+                                    <p:set>
+                                      <p:cBhvr>
+                                        <p:cTn id="9" dur="1" fill="hold">
                                           <p:stCondLst>
                                             <p:cond delay="0"/>
                                           </p:stCondLst>
@@ -13400,9 +13435,9 @@
                                         <p:strVal val="visible"/>
                                       </p:to>
                                     </p:set>
-                                    <p:animEffect transition="in" filter="wipe(up)">
+                                    <p:animEffect transition="in" filter="fade">
                                       <p:cBhvr>
-                                        <p:cTn id="7" dur="500"/>
+                                        <p:cTn id="10" dur="500"/>
                                         <p:tgtEl>
                                           <p:spTgt spid="5"/>
                                         </p:tgtEl>
@@ -13418,26 +13453,26 @@
                     </p:cTn>
                   </p:par>
                   <p:par>
-                    <p:cTn id="8" fill="hold">
+                    <p:cTn id="11" fill="hold">
                       <p:stCondLst>
                         <p:cond delay="indefinite"/>
                       </p:stCondLst>
                       <p:childTnLst>
                         <p:par>
-                          <p:cTn id="9" fill="hold">
+                          <p:cTn id="12" fill="hold">
                             <p:stCondLst>
                               <p:cond delay="0"/>
                             </p:stCondLst>
                             <p:childTnLst>
                               <p:par>
-                                <p:cTn id="10" presetID="2" presetClass="entr" presetSubtype="4" fill="hold" nodeType="clickEffect">
+                                <p:cTn id="13" presetID="2" presetClass="entr" presetSubtype="4" fill="hold" nodeType="clickEffect">
                                   <p:stCondLst>
                                     <p:cond delay="0"/>
                                   </p:stCondLst>
                                   <p:childTnLst>
                                     <p:set>
                                       <p:cBhvr>
-                                        <p:cTn id="11" dur="1" fill="hold">
+                                        <p:cTn id="14" dur="1" fill="hold">
                                           <p:stCondLst>
                                             <p:cond delay="0"/>
                                           </p:stCondLst>
@@ -13455,7 +13490,7 @@
                                     </p:set>
                                     <p:anim calcmode="lin" valueType="num">
                                       <p:cBhvr additive="base">
-                                        <p:cTn id="12" dur="500" fill="hold"/>
+                                        <p:cTn id="15" dur="500" fill="hold"/>
                                         <p:tgtEl>
                                           <p:spTgt spid="9"/>
                                         </p:tgtEl>
@@ -13478,7 +13513,7 @@
                                     </p:anim>
                                     <p:anim calcmode="lin" valueType="num">
                                       <p:cBhvr additive="base">
-                                        <p:cTn id="13" dur="500" fill="hold"/>
+                                        <p:cTn id="16" dur="500" fill="hold"/>
                                         <p:tgtEl>
                                           <p:spTgt spid="9"/>
                                         </p:tgtEl>
@@ -13506,20 +13541,20 @@
                           </p:cTn>
                         </p:par>
                         <p:par>
-                          <p:cTn id="14" fill="hold">
+                          <p:cTn id="17" fill="hold">
                             <p:stCondLst>
                               <p:cond delay="500"/>
                             </p:stCondLst>
                             <p:childTnLst>
                               <p:par>
-                                <p:cTn id="15" presetID="2" presetClass="entr" presetSubtype="4" fill="hold" nodeType="afterEffect">
+                                <p:cTn id="18" presetID="2" presetClass="entr" presetSubtype="4" fill="hold" nodeType="afterEffect">
                                   <p:stCondLst>
                                     <p:cond delay="0"/>
                                   </p:stCondLst>
                                   <p:childTnLst>
                                     <p:set>
                                       <p:cBhvr>
-                                        <p:cTn id="16" dur="1" fill="hold">
+                                        <p:cTn id="19" dur="1" fill="hold">
                                           <p:stCondLst>
                                             <p:cond delay="0"/>
                                           </p:stCondLst>
@@ -13537,7 +13572,7 @@
                                     </p:set>
                                     <p:anim calcmode="lin" valueType="num">
                                       <p:cBhvr additive="base">
-                                        <p:cTn id="17" dur="500" fill="hold"/>
+                                        <p:cTn id="20" dur="500" fill="hold"/>
                                         <p:tgtEl>
                                           <p:spTgt spid="10"/>
                                         </p:tgtEl>
@@ -13560,7 +13595,7 @@
                                     </p:anim>
                                     <p:anim calcmode="lin" valueType="num">
                                       <p:cBhvr additive="base">
-                                        <p:cTn id="18" dur="500" fill="hold"/>
+                                        <p:cTn id="21" dur="500" fill="hold"/>
                                         <p:tgtEl>
                                           <p:spTgt spid="10"/>
                                         </p:tgtEl>
@@ -13588,20 +13623,20 @@
                           </p:cTn>
                         </p:par>
                         <p:par>
-                          <p:cTn id="19" fill="hold">
+                          <p:cTn id="22" fill="hold">
                             <p:stCondLst>
                               <p:cond delay="1000"/>
                             </p:stCondLst>
                             <p:childTnLst>
                               <p:par>
-                                <p:cTn id="20" presetID="2" presetClass="entr" presetSubtype="4" fill="hold" nodeType="afterEffect">
+                                <p:cTn id="23" presetID="2" presetClass="entr" presetSubtype="4" fill="hold" nodeType="afterEffect">
                                   <p:stCondLst>
                                     <p:cond delay="0"/>
                                   </p:stCondLst>
                                   <p:childTnLst>
                                     <p:set>
                                       <p:cBhvr>
-                                        <p:cTn id="21" dur="1" fill="hold">
+                                        <p:cTn id="24" dur="1" fill="hold">
                                           <p:stCondLst>
                                             <p:cond delay="0"/>
                                           </p:stCondLst>
@@ -13619,7 +13654,7 @@
                                     </p:set>
                                     <p:anim calcmode="lin" valueType="num">
                                       <p:cBhvr additive="base">
-                                        <p:cTn id="22" dur="500" fill="hold"/>
+                                        <p:cTn id="25" dur="500" fill="hold"/>
                                         <p:tgtEl>
                                           <p:spTgt spid="11"/>
                                         </p:tgtEl>
@@ -13642,7 +13677,7 @@
                                     </p:anim>
                                     <p:anim calcmode="lin" valueType="num">
                                       <p:cBhvr additive="base">
-                                        <p:cTn id="23" dur="500" fill="hold"/>
+                                        <p:cTn id="26" dur="500" fill="hold"/>
                                         <p:tgtEl>
                                           <p:spTgt spid="11"/>
                                         </p:tgtEl>
@@ -13673,26 +13708,26 @@
                     </p:cTn>
                   </p:par>
                   <p:par>
-                    <p:cTn id="24" fill="hold">
+                    <p:cTn id="27" fill="hold">
                       <p:stCondLst>
                         <p:cond delay="indefinite"/>
                       </p:stCondLst>
                       <p:childTnLst>
                         <p:par>
-                          <p:cTn id="25" fill="hold">
+                          <p:cTn id="28" fill="hold">
                             <p:stCondLst>
                               <p:cond delay="0"/>
                             </p:stCondLst>
                             <p:childTnLst>
                               <p:par>
-                                <p:cTn id="26" presetID="2" presetClass="entr" presetSubtype="4" fill="hold" nodeType="clickEffect">
+                                <p:cTn id="29" presetID="2" presetClass="entr" presetSubtype="4" fill="hold" nodeType="clickEffect">
                                   <p:stCondLst>
                                     <p:cond delay="0"/>
                                   </p:stCondLst>
                                   <p:childTnLst>
                                     <p:set>
                                       <p:cBhvr>
-                                        <p:cTn id="27" dur="1" fill="hold">
+                                        <p:cTn id="30" dur="1" fill="hold">
                                           <p:stCondLst>
                                             <p:cond delay="0"/>
                                           </p:stCondLst>
@@ -13710,7 +13745,7 @@
                                     </p:set>
                                     <p:anim calcmode="lin" valueType="num">
                                       <p:cBhvr additive="base">
-                                        <p:cTn id="28" dur="500" fill="hold"/>
+                                        <p:cTn id="31" dur="500" fill="hold"/>
                                         <p:tgtEl>
                                           <p:spTgt spid="12"/>
                                         </p:tgtEl>
@@ -13733,7 +13768,7 @@
                                     </p:anim>
                                     <p:anim calcmode="lin" valueType="num">
                                       <p:cBhvr additive="base">
-                                        <p:cTn id="29" dur="500" fill="hold"/>
+                                        <p:cTn id="32" dur="500" fill="hold"/>
                                         <p:tgtEl>
                                           <p:spTgt spid="12"/>
                                         </p:tgtEl>
@@ -13760,30 +13795,21 @@
                             </p:childTnLst>
                           </p:cTn>
                         </p:par>
-                      </p:childTnLst>
-                    </p:cTn>
-                  </p:par>
-                  <p:par>
-                    <p:cTn id="30" fill="hold">
-                      <p:stCondLst>
-                        <p:cond delay="indefinite"/>
-                      </p:stCondLst>
-                      <p:childTnLst>
                         <p:par>
-                          <p:cTn id="31" fill="hold">
+                          <p:cTn id="33" fill="hold">
                             <p:stCondLst>
-                              <p:cond delay="0"/>
+                              <p:cond delay="500"/>
                             </p:stCondLst>
                             <p:childTnLst>
                               <p:par>
-                                <p:cTn id="32" presetID="1" presetClass="entr" presetSubtype="0" fill="hold" nodeType="clickEffect">
+                                <p:cTn id="34" presetID="1" presetClass="entr" presetSubtype="0" fill="hold" nodeType="afterEffect">
                                   <p:stCondLst>
                                     <p:cond delay="0"/>
                                   </p:stCondLst>
                                   <p:childTnLst>
                                     <p:set>
                                       <p:cBhvr>
-                                        <p:cTn id="33" dur="1" fill="hold">
+                                        <p:cTn id="35" dur="1" fill="hold">
                                           <p:stCondLst>
                                             <p:cond delay="0"/>
                                           </p:stCondLst>
@@ -14007,9 +14033,9 @@
         <p:grpSpPr bwMode="auto">
           <a:xfrm>
             <a:off x="1226889" y="2851803"/>
-            <a:ext cx="4568957" cy="3020532"/>
+            <a:ext cx="4740275" cy="3019425"/>
             <a:chOff x="899592" y="2420888"/>
-            <a:chExt cx="3428163" cy="3020367"/>
+            <a:chExt cx="3556706" cy="3019260"/>
           </a:xfrm>
         </p:grpSpPr>
         <p:sp>
@@ -14020,8 +14046,8 @@
           </p:nvSpPr>
           <p:spPr>
             <a:xfrm>
-              <a:off x="899592" y="3133057"/>
-              <a:ext cx="3428163" cy="2308198"/>
+              <a:off x="899592" y="3133319"/>
+              <a:ext cx="3556706" cy="2306829"/>
             </a:xfrm>
             <a:prstGeom prst="rect">
               <a:avLst/>
@@ -14069,7 +14095,7 @@
                   <a:latin typeface="微软雅黑" panose="020B0503020204020204" pitchFamily="34" charset="-122"/>
                   <a:ea typeface="微软雅黑" panose="020B0503020204020204" pitchFamily="34" charset="-122"/>
                 </a:rPr>
-                <a:t>border-top-color:#</a:t>
+                <a:t>border-top-color : #</a:t>
               </a:r>
               <a:r>
                 <a:rPr lang="en-US" altLang="zh-CN" sz="2400" dirty="0" err="1">
@@ -14114,7 +14140,7 @@
                   <a:latin typeface="微软雅黑" panose="020B0503020204020204" pitchFamily="34" charset="-122"/>
                   <a:ea typeface="微软雅黑" panose="020B0503020204020204" pitchFamily="34" charset="-122"/>
                 </a:rPr>
-                <a:t>border-right-color:#</a:t>
+                <a:t>border-right-color : #</a:t>
               </a:r>
               <a:r>
                 <a:rPr lang="en-US" altLang="zh-CN" sz="2400" dirty="0" err="1">
@@ -14159,7 +14185,7 @@
                   <a:latin typeface="微软雅黑" panose="020B0503020204020204" pitchFamily="34" charset="-122"/>
                   <a:ea typeface="微软雅黑" panose="020B0503020204020204" pitchFamily="34" charset="-122"/>
                 </a:rPr>
-                <a:t>border-bottom-color:#</a:t>
+                <a:t>border-bottom-color : #</a:t>
               </a:r>
               <a:r>
                 <a:rPr lang="en-US" altLang="zh-CN" sz="2400" dirty="0" err="1">
@@ -14204,7 +14230,7 @@
                   <a:latin typeface="微软雅黑" panose="020B0503020204020204" pitchFamily="34" charset="-122"/>
                   <a:ea typeface="微软雅黑" panose="020B0503020204020204" pitchFamily="34" charset="-122"/>
                 </a:rPr>
-                <a:t>border-left-color:#</a:t>
+                <a:t>border-left-color : #</a:t>
               </a:r>
               <a:r>
                 <a:rPr lang="en-US" altLang="zh-CN" sz="2400" dirty="0" err="1">
@@ -14794,7 +14820,7 @@
                             </p:stCondLst>
                             <p:childTnLst>
                               <p:par>
-                                <p:cTn id="5" presetID="22" presetClass="entr" presetSubtype="1" fill="hold" nodeType="clickEffect">
+                                <p:cTn id="5" presetID="10" presetClass="entr" presetSubtype="0" fill="hold" nodeType="clickEffect">
                                   <p:stCondLst>
                                     <p:cond delay="0"/>
                                   </p:stCondLst>
@@ -14802,6 +14828,41 @@
                                     <p:set>
                                       <p:cBhvr>
                                         <p:cTn id="6" dur="1" fill="hold">
+                                          <p:stCondLst>
+                                            <p:cond delay="0"/>
+                                          </p:stCondLst>
+                                        </p:cTn>
+                                        <p:tgtEl>
+                                          <p:spTgt spid="16"/>
+                                        </p:tgtEl>
+                                        <p:attrNameLst>
+                                          <p:attrName>style.visibility</p:attrName>
+                                        </p:attrNameLst>
+                                      </p:cBhvr>
+                                      <p:to>
+                                        <p:strVal val="visible"/>
+                                      </p:to>
+                                    </p:set>
+                                    <p:animEffect transition="in" filter="fade">
+                                      <p:cBhvr>
+                                        <p:cTn id="7" dur="500"/>
+                                        <p:tgtEl>
+                                          <p:spTgt spid="16"/>
+                                        </p:tgtEl>
+                                      </p:cBhvr>
+                                    </p:animEffect>
+                                  </p:childTnLst>
+                                </p:cTn>
+                              </p:par>
+                              <p:par>
+                                <p:cTn id="8" presetID="10" presetClass="entr" presetSubtype="0" fill="hold" nodeType="withEffect">
+                                  <p:stCondLst>
+                                    <p:cond delay="0"/>
+                                  </p:stCondLst>
+                                  <p:childTnLst>
+                                    <p:set>
+                                      <p:cBhvr>
+                                        <p:cTn id="9" dur="1" fill="hold">
                                           <p:stCondLst>
                                             <p:cond delay="0"/>
                                           </p:stCondLst>
@@ -14817,9 +14878,9 @@
                                         <p:strVal val="visible"/>
                                       </p:to>
                                     </p:set>
-                                    <p:animEffect transition="in" filter="wipe(up)">
+                                    <p:animEffect transition="in" filter="fade">
                                       <p:cBhvr>
-                                        <p:cTn id="7" dur="500"/>
+                                        <p:cTn id="10" dur="500"/>
                                         <p:tgtEl>
                                           <p:spTgt spid="17"/>
                                         </p:tgtEl>
@@ -14835,26 +14896,26 @@
                     </p:cTn>
                   </p:par>
                   <p:par>
-                    <p:cTn id="8" fill="hold">
+                    <p:cTn id="11" fill="hold">
                       <p:stCondLst>
                         <p:cond delay="indefinite"/>
                       </p:stCondLst>
                       <p:childTnLst>
                         <p:par>
-                          <p:cTn id="9" fill="hold">
+                          <p:cTn id="12" fill="hold">
                             <p:stCondLst>
                               <p:cond delay="0"/>
                             </p:stCondLst>
                             <p:childTnLst>
                               <p:par>
-                                <p:cTn id="10" presetID="2" presetClass="entr" presetSubtype="4" fill="hold" nodeType="clickEffect">
+                                <p:cTn id="13" presetID="2" presetClass="entr" presetSubtype="4" fill="hold" nodeType="clickEffect">
                                   <p:stCondLst>
                                     <p:cond delay="0"/>
                                   </p:stCondLst>
                                   <p:childTnLst>
                                     <p:set>
                                       <p:cBhvr>
-                                        <p:cTn id="11" dur="1" fill="hold">
+                                        <p:cTn id="14" dur="1" fill="hold">
                                           <p:stCondLst>
                                             <p:cond delay="0"/>
                                           </p:stCondLst>
@@ -14872,7 +14933,7 @@
                                     </p:set>
                                     <p:anim calcmode="lin" valueType="num">
                                       <p:cBhvr additive="base">
-                                        <p:cTn id="12" dur="500" fill="hold"/>
+                                        <p:cTn id="15" dur="500" fill="hold"/>
                                         <p:tgtEl>
                                           <p:spTgt spid="21"/>
                                         </p:tgtEl>
@@ -14895,7 +14956,7 @@
                                     </p:anim>
                                     <p:anim calcmode="lin" valueType="num">
                                       <p:cBhvr additive="base">
-                                        <p:cTn id="13" dur="500" fill="hold"/>
+                                        <p:cTn id="16" dur="500" fill="hold"/>
                                         <p:tgtEl>
                                           <p:spTgt spid="21"/>
                                         </p:tgtEl>
@@ -14923,20 +14984,20 @@
                           </p:cTn>
                         </p:par>
                         <p:par>
-                          <p:cTn id="14" fill="hold">
+                          <p:cTn id="17" fill="hold">
                             <p:stCondLst>
                               <p:cond delay="500"/>
                             </p:stCondLst>
                             <p:childTnLst>
                               <p:par>
-                                <p:cTn id="15" presetID="2" presetClass="entr" presetSubtype="4" fill="hold" nodeType="afterEffect">
+                                <p:cTn id="18" presetID="2" presetClass="entr" presetSubtype="4" fill="hold" nodeType="afterEffect">
                                   <p:stCondLst>
                                     <p:cond delay="0"/>
                                   </p:stCondLst>
                                   <p:childTnLst>
                                     <p:set>
                                       <p:cBhvr>
-                                        <p:cTn id="16" dur="1" fill="hold">
+                                        <p:cTn id="19" dur="1" fill="hold">
                                           <p:stCondLst>
                                             <p:cond delay="0"/>
                                           </p:stCondLst>
@@ -14954,7 +15015,7 @@
                                     </p:set>
                                     <p:anim calcmode="lin" valueType="num">
                                       <p:cBhvr additive="base">
-                                        <p:cTn id="17" dur="500" fill="hold"/>
+                                        <p:cTn id="20" dur="500" fill="hold"/>
                                         <p:tgtEl>
                                           <p:spTgt spid="22"/>
                                         </p:tgtEl>
@@ -14977,7 +15038,7 @@
                                     </p:anim>
                                     <p:anim calcmode="lin" valueType="num">
                                       <p:cBhvr additive="base">
-                                        <p:cTn id="18" dur="500" fill="hold"/>
+                                        <p:cTn id="21" dur="500" fill="hold"/>
                                         <p:tgtEl>
                                           <p:spTgt spid="22"/>
                                         </p:tgtEl>
@@ -15005,20 +15066,20 @@
                           </p:cTn>
                         </p:par>
                         <p:par>
-                          <p:cTn id="19" fill="hold">
+                          <p:cTn id="22" fill="hold">
                             <p:stCondLst>
                               <p:cond delay="1000"/>
                             </p:stCondLst>
                             <p:childTnLst>
                               <p:par>
-                                <p:cTn id="20" presetID="2" presetClass="entr" presetSubtype="4" fill="hold" nodeType="afterEffect">
+                                <p:cTn id="23" presetID="2" presetClass="entr" presetSubtype="4" fill="hold" nodeType="afterEffect">
                                   <p:stCondLst>
                                     <p:cond delay="0"/>
                                   </p:stCondLst>
                                   <p:childTnLst>
                                     <p:set>
                                       <p:cBhvr>
-                                        <p:cTn id="21" dur="1" fill="hold">
+                                        <p:cTn id="24" dur="1" fill="hold">
                                           <p:stCondLst>
                                             <p:cond delay="0"/>
                                           </p:stCondLst>
@@ -15036,7 +15097,7 @@
                                     </p:set>
                                     <p:anim calcmode="lin" valueType="num">
                                       <p:cBhvr additive="base">
-                                        <p:cTn id="22" dur="500" fill="hold"/>
+                                        <p:cTn id="25" dur="500" fill="hold"/>
                                         <p:tgtEl>
                                           <p:spTgt spid="23"/>
                                         </p:tgtEl>
@@ -15059,7 +15120,7 @@
                                     </p:anim>
                                     <p:anim calcmode="lin" valueType="num">
                                       <p:cBhvr additive="base">
-                                        <p:cTn id="23" dur="500" fill="hold"/>
+                                        <p:cTn id="26" dur="500" fill="hold"/>
                                         <p:tgtEl>
                                           <p:spTgt spid="23"/>
                                         </p:tgtEl>
@@ -15090,26 +15151,26 @@
                     </p:cTn>
                   </p:par>
                   <p:par>
-                    <p:cTn id="24" fill="hold">
+                    <p:cTn id="27" fill="hold">
                       <p:stCondLst>
                         <p:cond delay="indefinite"/>
                       </p:stCondLst>
                       <p:childTnLst>
                         <p:par>
-                          <p:cTn id="25" fill="hold">
+                          <p:cTn id="28" fill="hold">
                             <p:stCondLst>
                               <p:cond delay="0"/>
                             </p:stCondLst>
                             <p:childTnLst>
                               <p:par>
-                                <p:cTn id="26" presetID="2" presetClass="entr" presetSubtype="4" fill="hold" nodeType="clickEffect">
+                                <p:cTn id="29" presetID="2" presetClass="entr" presetSubtype="4" fill="hold" nodeType="clickEffect">
                                   <p:stCondLst>
                                     <p:cond delay="0"/>
                                   </p:stCondLst>
                                   <p:childTnLst>
                                     <p:set>
                                       <p:cBhvr>
-                                        <p:cTn id="27" dur="1" fill="hold">
+                                        <p:cTn id="30" dur="1" fill="hold">
                                           <p:stCondLst>
                                             <p:cond delay="0"/>
                                           </p:stCondLst>
@@ -15127,7 +15188,7 @@
                                     </p:set>
                                     <p:anim calcmode="lin" valueType="num">
                                       <p:cBhvr additive="base">
-                                        <p:cTn id="28" dur="500" fill="hold"/>
+                                        <p:cTn id="31" dur="500" fill="hold"/>
                                         <p:tgtEl>
                                           <p:spTgt spid="24"/>
                                         </p:tgtEl>
@@ -15150,7 +15211,7 @@
                                     </p:anim>
                                     <p:anim calcmode="lin" valueType="num">
                                       <p:cBhvr additive="base">
-                                        <p:cTn id="29" dur="500" fill="hold"/>
+                                        <p:cTn id="32" dur="500" fill="hold"/>
                                         <p:tgtEl>
                                           <p:spTgt spid="24"/>
                                         </p:tgtEl>
@@ -15177,30 +15238,21 @@
                             </p:childTnLst>
                           </p:cTn>
                         </p:par>
-                      </p:childTnLst>
-                    </p:cTn>
-                  </p:par>
-                  <p:par>
-                    <p:cTn id="30" fill="hold">
-                      <p:stCondLst>
-                        <p:cond delay="indefinite"/>
-                      </p:stCondLst>
-                      <p:childTnLst>
                         <p:par>
-                          <p:cTn id="31" fill="hold">
+                          <p:cTn id="33" fill="hold">
                             <p:stCondLst>
-                              <p:cond delay="0"/>
+                              <p:cond delay="500"/>
                             </p:stCondLst>
                             <p:childTnLst>
                               <p:par>
-                                <p:cTn id="32" presetID="1" presetClass="entr" presetSubtype="0" fill="hold" nodeType="clickEffect">
+                                <p:cTn id="34" presetID="1" presetClass="entr" presetSubtype="0" fill="hold" nodeType="afterEffect">
                                   <p:stCondLst>
                                     <p:cond delay="0"/>
                                   </p:stCondLst>
                                   <p:childTnLst>
                                     <p:set>
                                       <p:cBhvr>
-                                        <p:cTn id="33" dur="1" fill="hold">
+                                        <p:cTn id="35" dur="1" fill="hold">
                                           <p:stCondLst>
                                             <p:cond delay="0"/>
                                           </p:stCondLst>
@@ -15424,9 +15476,9 @@
         <p:grpSpPr bwMode="auto">
           <a:xfrm>
             <a:off x="1267230" y="2851803"/>
-            <a:ext cx="4447770" cy="3033979"/>
+            <a:ext cx="4447770" cy="3032610"/>
             <a:chOff x="899592" y="2420888"/>
-            <a:chExt cx="3337234" cy="3033813"/>
+            <a:chExt cx="3337234" cy="3032444"/>
           </a:xfrm>
         </p:grpSpPr>
         <p:sp>
@@ -15438,7 +15490,7 @@
           <p:spPr>
             <a:xfrm>
               <a:off x="899592" y="3146503"/>
-              <a:ext cx="3337234" cy="2308198"/>
+              <a:ext cx="3337234" cy="2306829"/>
             </a:xfrm>
             <a:prstGeom prst="rect">
               <a:avLst/>
@@ -15486,7 +15538,7 @@
                   <a:latin typeface="微软雅黑" panose="020B0503020204020204" pitchFamily="34" charset="-122"/>
                   <a:ea typeface="微软雅黑" panose="020B0503020204020204" pitchFamily="34" charset="-122"/>
                 </a:rPr>
-                <a:t>border-top-style:solid</a:t>
+                <a:t>border-top-style : solid</a:t>
               </a:r>
               <a:r>
                 <a:rPr lang="en-US" altLang="zh-CN" sz="2400" dirty="0">
@@ -15521,7 +15573,7 @@
                   <a:latin typeface="微软雅黑" panose="020B0503020204020204" pitchFamily="34" charset="-122"/>
                   <a:ea typeface="微软雅黑" panose="020B0503020204020204" pitchFamily="34" charset="-122"/>
                 </a:rPr>
-                <a:t>border-right-style:solid</a:t>
+                <a:t>border-right-style : solid</a:t>
               </a:r>
               <a:r>
                 <a:rPr lang="en-US" altLang="zh-CN" sz="2400" dirty="0">
@@ -15556,7 +15608,7 @@
                   <a:latin typeface="微软雅黑" panose="020B0503020204020204" pitchFamily="34" charset="-122"/>
                   <a:ea typeface="微软雅黑" panose="020B0503020204020204" pitchFamily="34" charset="-122"/>
                 </a:rPr>
-                <a:t>border-bottom-style:solid</a:t>
+                <a:t>border-bottom-style : solid</a:t>
               </a:r>
               <a:r>
                 <a:rPr lang="en-US" altLang="zh-CN" sz="2400" dirty="0">
@@ -15591,7 +15643,7 @@
                   <a:latin typeface="微软雅黑" panose="020B0503020204020204" pitchFamily="34" charset="-122"/>
                   <a:ea typeface="微软雅黑" panose="020B0503020204020204" pitchFamily="34" charset="-122"/>
                 </a:rPr>
-                <a:t>border-left-style:solid</a:t>
+                <a:t>border-left-style : solid</a:t>
               </a:r>
               <a:r>
                 <a:rPr lang="en-US" altLang="zh-CN" sz="2400" dirty="0">
@@ -16171,7 +16223,7 @@
                             </p:stCondLst>
                             <p:childTnLst>
                               <p:par>
-                                <p:cTn id="5" presetID="22" presetClass="entr" presetSubtype="1" fill="hold" nodeType="clickEffect">
+                                <p:cTn id="5" presetID="10" presetClass="entr" presetSubtype="0" fill="hold" nodeType="clickEffect">
                                   <p:stCondLst>
                                     <p:cond delay="0"/>
                                   </p:stCondLst>
@@ -16179,6 +16231,41 @@
                                     <p:set>
                                       <p:cBhvr>
                                         <p:cTn id="6" dur="1" fill="hold">
+                                          <p:stCondLst>
+                                            <p:cond delay="0"/>
+                                          </p:stCondLst>
+                                        </p:cTn>
+                                        <p:tgtEl>
+                                          <p:spTgt spid="28"/>
+                                        </p:tgtEl>
+                                        <p:attrNameLst>
+                                          <p:attrName>style.visibility</p:attrName>
+                                        </p:attrNameLst>
+                                      </p:cBhvr>
+                                      <p:to>
+                                        <p:strVal val="visible"/>
+                                      </p:to>
+                                    </p:set>
+                                    <p:animEffect transition="in" filter="fade">
+                                      <p:cBhvr>
+                                        <p:cTn id="7" dur="500"/>
+                                        <p:tgtEl>
+                                          <p:spTgt spid="28"/>
+                                        </p:tgtEl>
+                                      </p:cBhvr>
+                                    </p:animEffect>
+                                  </p:childTnLst>
+                                </p:cTn>
+                              </p:par>
+                              <p:par>
+                                <p:cTn id="8" presetID="10" presetClass="entr" presetSubtype="0" fill="hold" nodeType="withEffect">
+                                  <p:stCondLst>
+                                    <p:cond delay="0"/>
+                                  </p:stCondLst>
+                                  <p:childTnLst>
+                                    <p:set>
+                                      <p:cBhvr>
+                                        <p:cTn id="9" dur="1" fill="hold">
                                           <p:stCondLst>
                                             <p:cond delay="0"/>
                                           </p:stCondLst>
@@ -16194,9 +16281,9 @@
                                         <p:strVal val="visible"/>
                                       </p:to>
                                     </p:set>
-                                    <p:animEffect transition="in" filter="wipe(up)">
+                                    <p:animEffect transition="in" filter="fade">
                                       <p:cBhvr>
-                                        <p:cTn id="7" dur="500"/>
+                                        <p:cTn id="10" dur="500"/>
                                         <p:tgtEl>
                                           <p:spTgt spid="29"/>
                                         </p:tgtEl>
@@ -16212,26 +16299,26 @@
                     </p:cTn>
                   </p:par>
                   <p:par>
-                    <p:cTn id="8" fill="hold">
+                    <p:cTn id="11" fill="hold">
                       <p:stCondLst>
                         <p:cond delay="indefinite"/>
                       </p:stCondLst>
                       <p:childTnLst>
                         <p:par>
-                          <p:cTn id="9" fill="hold">
+                          <p:cTn id="12" fill="hold">
                             <p:stCondLst>
                               <p:cond delay="0"/>
                             </p:stCondLst>
                             <p:childTnLst>
                               <p:par>
-                                <p:cTn id="10" presetID="2" presetClass="entr" presetSubtype="4" fill="hold" nodeType="clickEffect">
+                                <p:cTn id="13" presetID="2" presetClass="entr" presetSubtype="4" fill="hold" nodeType="clickEffect">
                                   <p:stCondLst>
                                     <p:cond delay="0"/>
                                   </p:stCondLst>
                                   <p:childTnLst>
                                     <p:set>
                                       <p:cBhvr>
-                                        <p:cTn id="11" dur="1" fill="hold">
+                                        <p:cTn id="14" dur="1" fill="hold">
                                           <p:stCondLst>
                                             <p:cond delay="0"/>
                                           </p:stCondLst>
@@ -16249,7 +16336,7 @@
                                     </p:set>
                                     <p:anim calcmode="lin" valueType="num">
                                       <p:cBhvr additive="base">
-                                        <p:cTn id="12" dur="500" fill="hold"/>
+                                        <p:cTn id="15" dur="500" fill="hold"/>
                                         <p:tgtEl>
                                           <p:spTgt spid="33"/>
                                         </p:tgtEl>
@@ -16272,7 +16359,7 @@
                                     </p:anim>
                                     <p:anim calcmode="lin" valueType="num">
                                       <p:cBhvr additive="base">
-                                        <p:cTn id="13" dur="500" fill="hold"/>
+                                        <p:cTn id="16" dur="500" fill="hold"/>
                                         <p:tgtEl>
                                           <p:spTgt spid="33"/>
                                         </p:tgtEl>
@@ -16300,20 +16387,20 @@
                           </p:cTn>
                         </p:par>
                         <p:par>
-                          <p:cTn id="14" fill="hold">
+                          <p:cTn id="17" fill="hold">
                             <p:stCondLst>
                               <p:cond delay="500"/>
                             </p:stCondLst>
                             <p:childTnLst>
                               <p:par>
-                                <p:cTn id="15" presetID="2" presetClass="entr" presetSubtype="4" fill="hold" nodeType="afterEffect">
+                                <p:cTn id="18" presetID="2" presetClass="entr" presetSubtype="4" fill="hold" nodeType="afterEffect">
                                   <p:stCondLst>
                                     <p:cond delay="0"/>
                                   </p:stCondLst>
                                   <p:childTnLst>
                                     <p:set>
                                       <p:cBhvr>
-                                        <p:cTn id="16" dur="1" fill="hold">
+                                        <p:cTn id="19" dur="1" fill="hold">
                                           <p:stCondLst>
                                             <p:cond delay="0"/>
                                           </p:stCondLst>
@@ -16331,7 +16418,7 @@
                                     </p:set>
                                     <p:anim calcmode="lin" valueType="num">
                                       <p:cBhvr additive="base">
-                                        <p:cTn id="17" dur="500" fill="hold"/>
+                                        <p:cTn id="20" dur="500" fill="hold"/>
                                         <p:tgtEl>
                                           <p:spTgt spid="34"/>
                                         </p:tgtEl>
@@ -16354,7 +16441,7 @@
                                     </p:anim>
                                     <p:anim calcmode="lin" valueType="num">
                                       <p:cBhvr additive="base">
-                                        <p:cTn id="18" dur="500" fill="hold"/>
+                                        <p:cTn id="21" dur="500" fill="hold"/>
                                         <p:tgtEl>
                                           <p:spTgt spid="34"/>
                                         </p:tgtEl>
@@ -16382,20 +16469,20 @@
                           </p:cTn>
                         </p:par>
                         <p:par>
-                          <p:cTn id="19" fill="hold">
+                          <p:cTn id="22" fill="hold">
                             <p:stCondLst>
                               <p:cond delay="1000"/>
                             </p:stCondLst>
                             <p:childTnLst>
                               <p:par>
-                                <p:cTn id="20" presetID="2" presetClass="entr" presetSubtype="4" fill="hold" nodeType="afterEffect">
+                                <p:cTn id="23" presetID="2" presetClass="entr" presetSubtype="4" fill="hold" nodeType="afterEffect">
                                   <p:stCondLst>
                                     <p:cond delay="0"/>
                                   </p:stCondLst>
                                   <p:childTnLst>
                                     <p:set>
                                       <p:cBhvr>
-                                        <p:cTn id="21" dur="1" fill="hold">
+                                        <p:cTn id="24" dur="1" fill="hold">
                                           <p:stCondLst>
                                             <p:cond delay="0"/>
                                           </p:stCondLst>
@@ -16413,7 +16500,7 @@
                                     </p:set>
                                     <p:anim calcmode="lin" valueType="num">
                                       <p:cBhvr additive="base">
-                                        <p:cTn id="22" dur="500" fill="hold"/>
+                                        <p:cTn id="25" dur="500" fill="hold"/>
                                         <p:tgtEl>
                                           <p:spTgt spid="35"/>
                                         </p:tgtEl>
@@ -16436,7 +16523,7 @@
                                     </p:anim>
                                     <p:anim calcmode="lin" valueType="num">
                                       <p:cBhvr additive="base">
-                                        <p:cTn id="23" dur="500" fill="hold"/>
+                                        <p:cTn id="26" dur="500" fill="hold"/>
                                         <p:tgtEl>
                                           <p:spTgt spid="35"/>
                                         </p:tgtEl>
@@ -16467,26 +16554,26 @@
                     </p:cTn>
                   </p:par>
                   <p:par>
-                    <p:cTn id="24" fill="hold">
+                    <p:cTn id="27" fill="hold">
                       <p:stCondLst>
                         <p:cond delay="indefinite"/>
                       </p:stCondLst>
                       <p:childTnLst>
                         <p:par>
-                          <p:cTn id="25" fill="hold">
+                          <p:cTn id="28" fill="hold">
                             <p:stCondLst>
                               <p:cond delay="0"/>
                             </p:stCondLst>
                             <p:childTnLst>
                               <p:par>
-                                <p:cTn id="26" presetID="2" presetClass="entr" presetSubtype="4" fill="hold" nodeType="clickEffect">
+                                <p:cTn id="29" presetID="2" presetClass="entr" presetSubtype="4" fill="hold" nodeType="clickEffect">
                                   <p:stCondLst>
                                     <p:cond delay="0"/>
                                   </p:stCondLst>
                                   <p:childTnLst>
                                     <p:set>
                                       <p:cBhvr>
-                                        <p:cTn id="27" dur="1" fill="hold">
+                                        <p:cTn id="30" dur="1" fill="hold">
                                           <p:stCondLst>
                                             <p:cond delay="0"/>
                                           </p:stCondLst>
@@ -16504,7 +16591,7 @@
                                     </p:set>
                                     <p:anim calcmode="lin" valueType="num">
                                       <p:cBhvr additive="base">
-                                        <p:cTn id="28" dur="500" fill="hold"/>
+                                        <p:cTn id="31" dur="500" fill="hold"/>
                                         <p:tgtEl>
                                           <p:spTgt spid="36"/>
                                         </p:tgtEl>
@@ -16527,7 +16614,7 @@
                                     </p:anim>
                                     <p:anim calcmode="lin" valueType="num">
                                       <p:cBhvr additive="base">
-                                        <p:cTn id="29" dur="500" fill="hold"/>
+                                        <p:cTn id="32" dur="500" fill="hold"/>
                                         <p:tgtEl>
                                           <p:spTgt spid="36"/>
                                         </p:tgtEl>
@@ -16558,26 +16645,26 @@
                     </p:cTn>
                   </p:par>
                   <p:par>
-                    <p:cTn id="30" fill="hold">
+                    <p:cTn id="33" fill="hold">
                       <p:stCondLst>
                         <p:cond delay="indefinite"/>
                       </p:stCondLst>
                       <p:childTnLst>
                         <p:par>
-                          <p:cTn id="31" fill="hold">
+                          <p:cTn id="34" fill="hold">
                             <p:stCondLst>
                               <p:cond delay="0"/>
                             </p:stCondLst>
                             <p:childTnLst>
                               <p:par>
-                                <p:cTn id="32" presetID="1" presetClass="entr" presetSubtype="0" fill="hold" nodeType="clickEffect">
+                                <p:cTn id="35" presetID="1" presetClass="entr" presetSubtype="0" fill="hold" nodeType="clickEffect">
                                   <p:stCondLst>
                                     <p:cond delay="0"/>
                                   </p:stCondLst>
                                   <p:childTnLst>
                                     <p:set>
                                       <p:cBhvr>
-                                        <p:cTn id="33" dur="1" fill="hold">
+                                        <p:cTn id="36" dur="1" fill="hold">
                                           <p:stCondLst>
                                             <p:cond delay="0"/>
                                           </p:stCondLst>
@@ -17132,9 +17219,9 @@
         <p:grpSpPr bwMode="auto">
           <a:xfrm>
             <a:off x="4188541" y="1452528"/>
-            <a:ext cx="7604530" cy="5263614"/>
+            <a:ext cx="7604530" cy="5262880"/>
             <a:chOff x="3141802" y="1988205"/>
-            <a:chExt cx="5088834" cy="5263859"/>
+            <a:chExt cx="5088834" cy="5263125"/>
           </a:xfrm>
         </p:grpSpPr>
         <p:sp>
@@ -17146,7 +17233,7 @@
           <p:spPr bwMode="auto">
             <a:xfrm>
               <a:off x="3693589" y="1988840"/>
-              <a:ext cx="4537047" cy="5263224"/>
+              <a:ext cx="4537047" cy="5262490"/>
             </a:xfrm>
             <a:prstGeom prst="rect">
               <a:avLst/>
@@ -17976,7 +18063,7 @@
           <p:spPr bwMode="auto">
             <a:xfrm>
               <a:off x="5072628" y="2378108"/>
-              <a:ext cx="2560225" cy="537545"/>
+              <a:ext cx="2725001" cy="537545"/>
             </a:xfrm>
             <a:prstGeom prst="rect">
               <a:avLst/>
@@ -18117,7 +18204,7 @@
                   <a:latin typeface="微软雅黑" panose="020B0503020204020204" pitchFamily="34" charset="-122"/>
                   <a:ea typeface="微软雅黑" panose="020B0503020204020204" pitchFamily="34" charset="-122"/>
                 </a:rPr>
-                <a:t>上     右      下     左</a:t>
+                <a:t>上       右     下      左</a:t>
               </a:r>
               <a:endParaRPr lang="zh-CN" altLang="en-US" sz="2900" b="1" dirty="0">
                 <a:solidFill>
@@ -19549,9 +19636,9 @@
         <p:grpSpPr bwMode="auto">
           <a:xfrm>
             <a:off x="1926133" y="2529075"/>
-            <a:ext cx="3839134" cy="2479981"/>
+            <a:ext cx="3839134" cy="2478890"/>
             <a:chOff x="1313241" y="2420888"/>
-            <a:chExt cx="2880320" cy="2480274"/>
+            <a:chExt cx="2880320" cy="2479183"/>
           </a:xfrm>
         </p:grpSpPr>
         <p:sp>
@@ -19563,7 +19650,7 @@
           <p:spPr>
             <a:xfrm>
               <a:off x="1313241" y="3146629"/>
-              <a:ext cx="2880320" cy="1754533"/>
+              <a:ext cx="2880320" cy="1753442"/>
             </a:xfrm>
             <a:prstGeom prst="rect">
               <a:avLst/>
@@ -19604,23 +19691,21 @@
                 <a:defRPr/>
               </a:pPr>
               <a:r>
-                <a:rPr lang="en-US" altLang="zh-CN" sz="2400" dirty="0">
+                <a:rPr lang="en-US" altLang="zh-CN" sz="2400" dirty="0" err="1">
                   <a:solidFill>
-                    <a:srgbClr val="FF0000"/>
+                    <a:srgbClr val="000000"/>
                   </a:solidFill>
                   <a:latin typeface="微软雅黑" panose="020B0503020204020204" pitchFamily="34" charset="-122"/>
                   <a:ea typeface="微软雅黑" panose="020B0503020204020204" pitchFamily="34" charset="-122"/>
-                  <a:cs typeface="Arial Unicode MS" panose="020B0604020202020204" charset="-122"/>
                 </a:rPr>
-                <a:t>border-width:3px;</a:t>
+                <a:t>border-width : 3px;</a:t>
               </a:r>
-              <a:endParaRPr lang="en-US" altLang="zh-CN" sz="2400" dirty="0">
-                <a:solidFill>
-                  <a:srgbClr val="FF0000"/>
+              <a:endParaRPr lang="en-US" altLang="zh-CN" sz="2400" dirty="0" err="1">
+                <a:solidFill>
+                  <a:srgbClr val="000000"/>
                 </a:solidFill>
                 <a:latin typeface="微软雅黑" panose="020B0503020204020204" pitchFamily="34" charset="-122"/>
                 <a:ea typeface="微软雅黑" panose="020B0503020204020204" pitchFamily="34" charset="-122"/>
-                <a:cs typeface="Arial Unicode MS" panose="020B0604020202020204" charset="-122"/>
               </a:endParaRPr>
             </a:p>
             <a:p>
@@ -19633,32 +19718,19 @@
               <a:r>
                 <a:rPr lang="en-US" altLang="zh-CN" sz="2400" dirty="0" err="1">
                   <a:solidFill>
-                    <a:srgbClr val="FF0000"/>
+                    <a:srgbClr val="000000"/>
                   </a:solidFill>
                   <a:latin typeface="微软雅黑" panose="020B0503020204020204" pitchFamily="34" charset="-122"/>
                   <a:ea typeface="微软雅黑" panose="020B0503020204020204" pitchFamily="34" charset="-122"/>
-                  <a:cs typeface="Arial Unicode MS" panose="020B0604020202020204" charset="-122"/>
                 </a:rPr>
-                <a:t>border-style:dotted</a:t>
+                <a:t>border-style : dotted;</a:t>
               </a:r>
-              <a:r>
-                <a:rPr lang="en-US" altLang="zh-CN" sz="2400" dirty="0">
-                  <a:solidFill>
-                    <a:srgbClr val="FF0000"/>
-                  </a:solidFill>
-                  <a:latin typeface="微软雅黑" panose="020B0503020204020204" pitchFamily="34" charset="-122"/>
-                  <a:ea typeface="微软雅黑" panose="020B0503020204020204" pitchFamily="34" charset="-122"/>
-                  <a:cs typeface="Arial Unicode MS" panose="020B0604020202020204" charset="-122"/>
-                </a:rPr>
-                <a:t>;</a:t>
-              </a:r>
-              <a:endParaRPr lang="en-US" altLang="zh-CN" sz="2400" dirty="0">
-                <a:solidFill>
-                  <a:srgbClr val="FF0000"/>
+              <a:endParaRPr lang="en-US" altLang="zh-CN" sz="2400" dirty="0" err="1">
+                <a:solidFill>
+                  <a:srgbClr val="000000"/>
                 </a:solidFill>
                 <a:latin typeface="微软雅黑" panose="020B0503020204020204" pitchFamily="34" charset="-122"/>
                 <a:ea typeface="微软雅黑" panose="020B0503020204020204" pitchFamily="34" charset="-122"/>
-                <a:cs typeface="Arial Unicode MS" panose="020B0604020202020204" charset="-122"/>
               </a:endParaRPr>
             </a:p>
             <a:p>
@@ -19669,23 +19741,21 @@
                 <a:defRPr/>
               </a:pPr>
               <a:r>
-                <a:rPr lang="en-US" altLang="zh-CN" sz="2400" dirty="0">
+                <a:rPr lang="en-US" altLang="zh-CN" sz="2400" dirty="0" err="1">
                   <a:solidFill>
-                    <a:srgbClr val="FF0000"/>
+                    <a:srgbClr val="000000"/>
                   </a:solidFill>
                   <a:latin typeface="微软雅黑" panose="020B0503020204020204" pitchFamily="34" charset="-122"/>
                   <a:ea typeface="微软雅黑" panose="020B0503020204020204" pitchFamily="34" charset="-122"/>
-                  <a:cs typeface="Arial Unicode MS" panose="020B0604020202020204" charset="-122"/>
                 </a:rPr>
-                <a:t>border-color:#ff9900;</a:t>
+                <a:t>border-color : #ff9900;</a:t>
               </a:r>
-              <a:endParaRPr lang="en-US" altLang="zh-CN" sz="2400" dirty="0">
-                <a:solidFill>
-                  <a:srgbClr val="FF0000"/>
+              <a:endParaRPr lang="en-US" altLang="zh-CN" sz="2400" dirty="0" err="1">
+                <a:solidFill>
+                  <a:srgbClr val="000000"/>
                 </a:solidFill>
                 <a:latin typeface="微软雅黑" panose="020B0503020204020204" pitchFamily="34" charset="-122"/>
                 <a:ea typeface="微软雅黑" panose="020B0503020204020204" pitchFamily="34" charset="-122"/>
-                <a:cs typeface="Arial Unicode MS" panose="020B0604020202020204" charset="-122"/>
               </a:endParaRPr>
             </a:p>
           </p:txBody>
@@ -20776,7 +20846,7 @@
         <p:spPr bwMode="auto">
           <a:xfrm>
             <a:off x="5092916" y="3107612"/>
-            <a:ext cx="6095207" cy="2325904"/>
+            <a:ext cx="6095207" cy="2323465"/>
           </a:xfrm>
           <a:prstGeom prst="rect">
             <a:avLst/>
@@ -20918,7 +20988,7 @@
                 <a:latin typeface="微软雅黑" panose="020B0503020204020204" pitchFamily="34" charset="-122"/>
                 <a:ea typeface="微软雅黑" panose="020B0503020204020204" pitchFamily="34" charset="-122"/>
               </a:rPr>
-              <a:t>border-bottom:</a:t>
+              <a:t>border-bottom : </a:t>
             </a:r>
             <a:r>
               <a:rPr lang="en-US" altLang="zh-CN" sz="2400" dirty="0">
@@ -20949,7 +21019,7 @@
                 <a:latin typeface="微软雅黑" panose="020B0503020204020204" pitchFamily="34" charset="-122"/>
                 <a:ea typeface="微软雅黑" panose="020B0503020204020204" pitchFamily="34" charset="-122"/>
               </a:rPr>
-              <a:t>border-left:</a:t>
+              <a:t>border-left : </a:t>
             </a:r>
             <a:r>
               <a:rPr lang="en-US" altLang="zh-CN" sz="2400" dirty="0">
@@ -20980,7 +21050,7 @@
                 <a:latin typeface="微软雅黑" panose="020B0503020204020204" pitchFamily="34" charset="-122"/>
                 <a:ea typeface="微软雅黑" panose="020B0503020204020204" pitchFamily="34" charset="-122"/>
               </a:rPr>
-              <a:t>border-right:</a:t>
+              <a:t>border-right : </a:t>
             </a:r>
             <a:r>
               <a:rPr lang="en-US" altLang="zh-CN" sz="2400" dirty="0">
@@ -21011,7 +21081,7 @@
                 <a:latin typeface="微软雅黑" panose="020B0503020204020204" pitchFamily="34" charset="-122"/>
                 <a:ea typeface="微软雅黑" panose="020B0503020204020204" pitchFamily="34" charset="-122"/>
               </a:rPr>
-              <a:t>border-top:</a:t>
+              <a:t>border-top : </a:t>
             </a:r>
             <a:r>
               <a:rPr lang="en-US" altLang="zh-CN" sz="2400" dirty="0">
@@ -21098,7 +21168,7 @@
         <p:spPr bwMode="auto">
           <a:xfrm>
             <a:off x="5083571" y="2008852"/>
-            <a:ext cx="3833187" cy="479245"/>
+            <a:ext cx="4037330" cy="476885"/>
           </a:xfrm>
           <a:prstGeom prst="rect">
             <a:avLst/>
@@ -21236,7 +21306,7 @@
                 <a:latin typeface="微软雅黑" panose="020B0503020204020204" pitchFamily="34" charset="-122"/>
                 <a:ea typeface="微软雅黑" panose="020B0503020204020204" pitchFamily="34" charset="-122"/>
               </a:rPr>
-              <a:t>border:</a:t>
+              <a:t>border : </a:t>
             </a:r>
             <a:r>
               <a:rPr lang="en-US" altLang="zh-CN" sz="2400" dirty="0">
@@ -21256,9 +21326,9 @@
                 <a:latin typeface="微软雅黑" panose="020B0503020204020204" pitchFamily="34" charset="-122"/>
                 <a:ea typeface="微软雅黑" panose="020B0503020204020204" pitchFamily="34" charset="-122"/>
               </a:rPr>
-              <a:t>cccccc</a:t>
-            </a:r>
-            <a:endParaRPr lang="zh-CN" altLang="en-US" sz="2400" dirty="0">
+              <a:t>cccccc;</a:t>
+            </a:r>
+            <a:endParaRPr lang="zh-CN" altLang="en-US" sz="2400" dirty="0" err="1">
               <a:solidFill>
                 <a:srgbClr val="000000"/>
               </a:solidFill>
@@ -22584,7 +22654,7 @@
         </p:nvGrpSpPr>
         <p:grpSpPr bwMode="auto">
           <a:xfrm>
-            <a:off x="4843273" y="2268086"/>
+            <a:off x="4843273" y="2287136"/>
             <a:ext cx="6465702" cy="377925"/>
             <a:chOff x="3320692" y="2457399"/>
             <a:chExt cx="4850326" cy="378108"/>
@@ -22940,7 +23010,7 @@
         <p:spPr>
           <a:xfrm>
             <a:off x="9900627" y="5723197"/>
-            <a:ext cx="2319760" cy="479245"/>
+            <a:ext cx="2295525" cy="476885"/>
           </a:xfrm>
           <a:prstGeom prst="rect">
             <a:avLst/>
@@ -22965,7 +23035,7 @@
                 <a:latin typeface="微软雅黑" panose="020B0503020204020204" pitchFamily="34" charset="-122"/>
                 <a:ea typeface="微软雅黑" panose="020B0503020204020204" pitchFamily="34" charset="-122"/>
               </a:rPr>
-              <a:t>emo5-2.html</a:t>
+              <a:t>emo6-2.html</a:t>
             </a:r>
             <a:endParaRPr lang="zh-CN" altLang="en-US" sz="2400" dirty="0">
               <a:latin typeface="微软雅黑" panose="020B0503020204020204" pitchFamily="34" charset="-122"/>
@@ -24525,7 +24595,7 @@
           <a:p>
             <a:r>
               <a:rPr lang="zh-CN" altLang="en-US" dirty="0"/>
-              <a:t>总结</a:t>
+              <a:t>盒子模型计算问题</a:t>
             </a:r>
             <a:endParaRPr lang="zh-CN" altLang="en-US" dirty="0"/>
           </a:p>
@@ -27960,7 +28030,7 @@
         <p:spPr>
           <a:xfrm>
             <a:off x="669537" y="780518"/>
-            <a:ext cx="9829087" cy="540800"/>
+            <a:ext cx="9829087" cy="538480"/>
           </a:xfrm>
           <a:prstGeom prst="rect">
             <a:avLst/>
@@ -27980,7 +28050,7 @@
                 <a:latin typeface="微软雅黑" panose="020B0503020204020204" pitchFamily="34" charset="-122"/>
                 <a:ea typeface="微软雅黑" panose="020B0503020204020204" pitchFamily="34" charset="-122"/>
               </a:rPr>
-              <a:t>box=width/</a:t>
+              <a:t>box = width/</a:t>
             </a:r>
             <a:r>
               <a:rPr lang="en-US" altLang="zh-CN" sz="2800" dirty="0" err="1">
@@ -27990,7 +28060,7 @@
                 <a:latin typeface="微软雅黑" panose="020B0503020204020204" pitchFamily="34" charset="-122"/>
                 <a:ea typeface="微软雅黑" panose="020B0503020204020204" pitchFamily="34" charset="-122"/>
               </a:rPr>
-              <a:t>height+border+padding+margin</a:t>
+              <a:t>height + border + padding + margin</a:t>
             </a:r>
             <a:endParaRPr lang="zh-CN" altLang="en-US" sz="2800" dirty="0">
               <a:solidFill>
@@ -29000,11 +29070,11 @@
           <a:p>
             <a:r>
               <a:rPr lang="zh-CN" altLang="en-US" sz="2800" dirty="0" smtClean="0"/>
-              <a:t> 根据</a:t>
+              <a:t> 根据 </a:t>
             </a:r>
             <a:r>
               <a:rPr lang="en-US" altLang="zh-CN" sz="2800" dirty="0"/>
-              <a:t>HTML</a:t>
+              <a:t>HTML </a:t>
             </a:r>
             <a:r>
               <a:rPr lang="zh-CN" altLang="en-US" sz="2800" dirty="0"/>
@@ -29488,358 +29558,418 @@
           </p:txBody>
         </p:sp>
       </p:grpSp>
-      <p:sp>
-        <p:nvSpPr>
-          <p:cNvPr id="8" name="等腰三角形 7"/>
-          <p:cNvSpPr/>
+      <p:grpSp>
+        <p:nvGrpSpPr>
+          <p:cNvPr id="2" name="组合 1"/>
+          <p:cNvGrpSpPr/>
           <p:nvPr/>
-        </p:nvSpPr>
-        <p:spPr>
-          <a:xfrm rot="5400000" flipH="1">
-            <a:off x="4392882" y="1408779"/>
-            <a:ext cx="519508" cy="452060"/>
+        </p:nvGrpSpPr>
+        <p:grpSpPr>
+          <a:xfrm>
+            <a:off x="4426585" y="1372870"/>
+            <a:ext cx="7044055" cy="541020"/>
+            <a:chOff x="6971" y="2162"/>
+            <a:chExt cx="11093" cy="852"/>
           </a:xfrm>
-          <a:prstGeom prst="triangle">
-            <a:avLst/>
-          </a:prstGeom>
-          <a:solidFill>
-            <a:srgbClr val="1B90A2"/>
-          </a:solidFill>
-          <a:ln>
+        </p:grpSpPr>
+        <p:sp>
+          <p:nvSpPr>
+            <p:cNvPr id="8" name="等腰三角形 7"/>
+            <p:cNvSpPr/>
+            <p:nvPr/>
+          </p:nvSpPr>
+          <p:spPr>
+            <a:xfrm rot="5400000" flipH="1">
+              <a:off x="6918" y="2219"/>
+              <a:ext cx="818" cy="712"/>
+            </a:xfrm>
+            <a:prstGeom prst="triangle">
+              <a:avLst/>
+            </a:prstGeom>
+            <a:solidFill>
+              <a:srgbClr val="1B90A2"/>
+            </a:solidFill>
+            <a:ln>
+              <a:noFill/>
+            </a:ln>
+          </p:spPr>
+          <p:style>
+            <a:lnRef idx="2">
+              <a:schemeClr val="accent1">
+                <a:shade val="50000"/>
+              </a:schemeClr>
+            </a:lnRef>
+            <a:fillRef idx="1">
+              <a:schemeClr val="accent1"/>
+            </a:fillRef>
+            <a:effectRef idx="0">
+              <a:schemeClr val="accent1"/>
+            </a:effectRef>
+            <a:fontRef idx="minor">
+              <a:schemeClr val="lt1"/>
+            </a:fontRef>
+          </p:style>
+          <p:txBody>
+            <a:bodyPr lIns="108850" tIns="54425" rIns="108850" bIns="54425" rtlCol="0" anchor="ctr"/>
+            <a:lstStyle/>
+            <a:p>
+              <a:pPr algn="ctr"/>
+              <a:endParaRPr lang="zh-CN" altLang="en-US"/>
+            </a:p>
+          </p:txBody>
+        </p:sp>
+        <p:sp>
+          <p:nvSpPr>
+            <p:cNvPr id="19" name="文本框 18"/>
+            <p:cNvSpPr txBox="1"/>
+            <p:nvPr/>
+          </p:nvSpPr>
+          <p:spPr>
+            <a:xfrm>
+              <a:off x="8224" y="2162"/>
+              <a:ext cx="9841" cy="852"/>
+            </a:xfrm>
+            <a:prstGeom prst="rect">
+              <a:avLst/>
+            </a:prstGeom>
             <a:noFill/>
-          </a:ln>
-        </p:spPr>
-        <p:style>
-          <a:lnRef idx="2">
-            <a:schemeClr val="accent1">
-              <a:shade val="50000"/>
-            </a:schemeClr>
-          </a:lnRef>
-          <a:fillRef idx="1">
-            <a:schemeClr val="accent1"/>
-          </a:fillRef>
-          <a:effectRef idx="0">
-            <a:schemeClr val="accent1"/>
-          </a:effectRef>
-          <a:fontRef idx="minor">
-            <a:schemeClr val="lt1"/>
-          </a:fontRef>
-        </p:style>
-        <p:txBody>
-          <a:bodyPr lIns="108850" tIns="54425" rIns="108850" bIns="54425" rtlCol="0" anchor="ctr"/>
-          <a:lstStyle/>
-          <a:p>
-            <a:pPr algn="ctr"/>
-            <a:endParaRPr lang="zh-CN" altLang="en-US"/>
-          </a:p>
-        </p:txBody>
-      </p:sp>
-      <p:sp>
-        <p:nvSpPr>
-          <p:cNvPr id="19" name="文本框 18"/>
-          <p:cNvSpPr txBox="1"/>
-          <p:nvPr/>
-        </p:nvSpPr>
-        <p:spPr>
-          <a:xfrm>
-            <a:off x="5222187" y="1373137"/>
-            <a:ext cx="6248792" cy="540800"/>
-          </a:xfrm>
-          <a:prstGeom prst="rect">
-            <a:avLst/>
-          </a:prstGeom>
-          <a:noFill/>
-        </p:spPr>
-        <p:txBody>
-          <a:bodyPr wrap="square" lIns="108850" tIns="54425" rIns="108850" bIns="54425" rtlCol="0">
-            <a:spAutoFit/>
-          </a:bodyPr>
-          <a:lstStyle/>
-          <a:p>
-            <a:r>
-              <a:rPr lang="zh-CN" altLang="en-US" sz="2800" dirty="0">
+          </p:spPr>
+          <p:txBody>
+            <a:bodyPr wrap="square" lIns="108850" tIns="54425" rIns="108850" bIns="54425" rtlCol="0">
+              <a:spAutoFit/>
+            </a:bodyPr>
+            <a:lstStyle/>
+            <a:p>
+              <a:r>
+                <a:rPr lang="zh-CN" altLang="en-US" sz="2800" dirty="0">
+                  <a:solidFill>
+                    <a:srgbClr val="FF0000"/>
+                  </a:solidFill>
+                  <a:latin typeface="微软雅黑" panose="020B0503020204020204" pitchFamily="34" charset="-122"/>
+                  <a:ea typeface="微软雅黑" panose="020B0503020204020204" pitchFamily="34" charset="-122"/>
+                </a:rPr>
+                <a:t>盒子模型</a:t>
+              </a:r>
+              <a:endParaRPr lang="zh-CN" altLang="en-US" sz="2800" dirty="0">
                 <a:solidFill>
                   <a:srgbClr val="FF0000"/>
                 </a:solidFill>
                 <a:latin typeface="微软雅黑" panose="020B0503020204020204" pitchFamily="34" charset="-122"/>
                 <a:ea typeface="微软雅黑" panose="020B0503020204020204" pitchFamily="34" charset="-122"/>
-              </a:rPr>
-              <a:t>盒子模型</a:t>
-            </a:r>
-            <a:endParaRPr lang="zh-CN" altLang="en-US" sz="2800" dirty="0">
-              <a:solidFill>
-                <a:srgbClr val="FF0000"/>
-              </a:solidFill>
-              <a:latin typeface="微软雅黑" panose="020B0503020204020204" pitchFamily="34" charset="-122"/>
-              <a:ea typeface="微软雅黑" panose="020B0503020204020204" pitchFamily="34" charset="-122"/>
-            </a:endParaRPr>
-          </a:p>
-        </p:txBody>
-      </p:sp>
-      <p:sp>
-        <p:nvSpPr>
-          <p:cNvPr id="20" name="文本框 19"/>
-          <p:cNvSpPr txBox="1"/>
+              </a:endParaRPr>
+            </a:p>
+          </p:txBody>
+        </p:sp>
+      </p:grpSp>
+      <p:grpSp>
+        <p:nvGrpSpPr>
+          <p:cNvPr id="4" name="组合 3"/>
+          <p:cNvGrpSpPr/>
           <p:nvPr/>
-        </p:nvSpPr>
-        <p:spPr>
+        </p:nvGrpSpPr>
+        <p:grpSpPr>
           <a:xfrm>
-            <a:off x="5222187" y="2462813"/>
-            <a:ext cx="6248792" cy="540800"/>
+            <a:off x="4426585" y="2558415"/>
+            <a:ext cx="7044055" cy="541020"/>
+            <a:chOff x="6971" y="3878"/>
+            <a:chExt cx="11093" cy="852"/>
           </a:xfrm>
-          <a:prstGeom prst="rect">
-            <a:avLst/>
-          </a:prstGeom>
-          <a:noFill/>
-        </p:spPr>
-        <p:txBody>
-          <a:bodyPr wrap="square" lIns="108850" tIns="54425" rIns="108850" bIns="54425" rtlCol="0">
-            <a:spAutoFit/>
-          </a:bodyPr>
-          <a:lstStyle/>
-          <a:p>
-            <a:r>
-              <a:rPr lang="zh-CN" altLang="en-US" sz="2800" dirty="0">
+        </p:grpSpPr>
+        <p:sp>
+          <p:nvSpPr>
+            <p:cNvPr id="20" name="文本框 19"/>
+            <p:cNvSpPr txBox="1"/>
+            <p:nvPr/>
+          </p:nvSpPr>
+          <p:spPr>
+            <a:xfrm>
+              <a:off x="8224" y="3878"/>
+              <a:ext cx="9841" cy="852"/>
+            </a:xfrm>
+            <a:prstGeom prst="rect">
+              <a:avLst/>
+            </a:prstGeom>
+            <a:noFill/>
+          </p:spPr>
+          <p:txBody>
+            <a:bodyPr wrap="square" lIns="108850" tIns="54425" rIns="108850" bIns="54425" rtlCol="0">
+              <a:spAutoFit/>
+            </a:bodyPr>
+            <a:lstStyle/>
+            <a:p>
+              <a:r>
+                <a:rPr lang="zh-CN" altLang="en-US" sz="2800" dirty="0">
+                  <a:solidFill>
+                    <a:srgbClr val="595E64"/>
+                  </a:solidFill>
+                  <a:latin typeface="微软雅黑" panose="020B0503020204020204" pitchFamily="34" charset="-122"/>
+                  <a:ea typeface="微软雅黑" panose="020B0503020204020204" pitchFamily="34" charset="-122"/>
+                </a:rPr>
+                <a:t>盒子模型的各项属性</a:t>
+              </a:r>
+              <a:endParaRPr lang="zh-CN" altLang="en-US" sz="2800" dirty="0">
                 <a:solidFill>
                   <a:srgbClr val="595E64"/>
                 </a:solidFill>
                 <a:latin typeface="微软雅黑" panose="020B0503020204020204" pitchFamily="34" charset="-122"/>
                 <a:ea typeface="微软雅黑" panose="020B0503020204020204" pitchFamily="34" charset="-122"/>
-              </a:rPr>
-              <a:t>盒子模型的各项属性</a:t>
-            </a:r>
-            <a:endParaRPr lang="zh-CN" altLang="en-US" sz="2800" dirty="0">
-              <a:solidFill>
-                <a:srgbClr val="595E64"/>
-              </a:solidFill>
-              <a:latin typeface="微软雅黑" panose="020B0503020204020204" pitchFamily="34" charset="-122"/>
-              <a:ea typeface="微软雅黑" panose="020B0503020204020204" pitchFamily="34" charset="-122"/>
-            </a:endParaRPr>
-          </a:p>
-        </p:txBody>
-      </p:sp>
-      <p:sp>
-        <p:nvSpPr>
-          <p:cNvPr id="27" name="等腰三角形 26"/>
-          <p:cNvSpPr/>
+              </a:endParaRPr>
+            </a:p>
+          </p:txBody>
+        </p:sp>
+        <p:sp>
+          <p:nvSpPr>
+            <p:cNvPr id="27" name="等腰三角形 26"/>
+            <p:cNvSpPr/>
+            <p:nvPr/>
+          </p:nvSpPr>
+          <p:spPr>
+            <a:xfrm rot="5400000" flipH="1">
+              <a:off x="6918" y="3935"/>
+              <a:ext cx="818" cy="712"/>
+            </a:xfrm>
+            <a:prstGeom prst="triangle">
+              <a:avLst/>
+            </a:prstGeom>
+            <a:solidFill>
+              <a:srgbClr val="93B784"/>
+            </a:solidFill>
+            <a:ln>
+              <a:noFill/>
+            </a:ln>
+          </p:spPr>
+          <p:style>
+            <a:lnRef idx="2">
+              <a:schemeClr val="accent1">
+                <a:shade val="50000"/>
+              </a:schemeClr>
+            </a:lnRef>
+            <a:fillRef idx="1">
+              <a:schemeClr val="accent1"/>
+            </a:fillRef>
+            <a:effectRef idx="0">
+              <a:schemeClr val="accent1"/>
+            </a:effectRef>
+            <a:fontRef idx="minor">
+              <a:schemeClr val="lt1"/>
+            </a:fontRef>
+          </p:style>
+          <p:txBody>
+            <a:bodyPr lIns="108850" tIns="54425" rIns="108850" bIns="54425" rtlCol="0" anchor="ctr"/>
+            <a:lstStyle/>
+            <a:p>
+              <a:pPr algn="ctr"/>
+              <a:endParaRPr lang="zh-CN" altLang="en-US"/>
+            </a:p>
+          </p:txBody>
+        </p:sp>
+      </p:grpSp>
+      <p:grpSp>
+        <p:nvGrpSpPr>
+          <p:cNvPr id="5" name="组合 4"/>
+          <p:cNvGrpSpPr/>
           <p:nvPr/>
-        </p:nvSpPr>
-        <p:spPr>
-          <a:xfrm rot="5400000" flipH="1">
-            <a:off x="4392882" y="2498456"/>
-            <a:ext cx="519508" cy="452060"/>
+        </p:nvGrpSpPr>
+        <p:grpSpPr>
+          <a:xfrm>
+            <a:off x="4426585" y="3743960"/>
+            <a:ext cx="7021195" cy="541020"/>
+            <a:chOff x="6971" y="5696"/>
+            <a:chExt cx="11057" cy="852"/>
           </a:xfrm>
-          <a:prstGeom prst="triangle">
-            <a:avLst/>
-          </a:prstGeom>
-          <a:solidFill>
-            <a:srgbClr val="93B784"/>
-          </a:solidFill>
-          <a:ln>
+        </p:grpSpPr>
+        <p:sp>
+          <p:nvSpPr>
+            <p:cNvPr id="14" name="文本框 13"/>
+            <p:cNvSpPr txBox="1"/>
+            <p:nvPr/>
+          </p:nvSpPr>
+          <p:spPr>
+            <a:xfrm>
+              <a:off x="8224" y="5696"/>
+              <a:ext cx="9804" cy="852"/>
+            </a:xfrm>
+            <a:prstGeom prst="rect">
+              <a:avLst/>
+            </a:prstGeom>
             <a:noFill/>
-          </a:ln>
-        </p:spPr>
-        <p:style>
-          <a:lnRef idx="2">
-            <a:schemeClr val="accent1">
-              <a:shade val="50000"/>
-            </a:schemeClr>
-          </a:lnRef>
-          <a:fillRef idx="1">
-            <a:schemeClr val="accent1"/>
-          </a:fillRef>
-          <a:effectRef idx="0">
-            <a:schemeClr val="accent1"/>
-          </a:effectRef>
-          <a:fontRef idx="minor">
-            <a:schemeClr val="lt1"/>
-          </a:fontRef>
-        </p:style>
-        <p:txBody>
-          <a:bodyPr lIns="108850" tIns="54425" rIns="108850" bIns="54425" rtlCol="0" anchor="ctr"/>
-          <a:lstStyle/>
-          <a:p>
-            <a:pPr algn="ctr"/>
-            <a:endParaRPr lang="zh-CN" altLang="en-US"/>
-          </a:p>
-        </p:txBody>
-      </p:sp>
-      <p:sp>
-        <p:nvSpPr>
-          <p:cNvPr id="14" name="文本框 13"/>
-          <p:cNvSpPr txBox="1"/>
-          <p:nvPr/>
-        </p:nvSpPr>
-        <p:spPr>
-          <a:xfrm>
-            <a:off x="5222187" y="3616978"/>
-            <a:ext cx="6225831" cy="540800"/>
-          </a:xfrm>
-          <a:prstGeom prst="rect">
-            <a:avLst/>
-          </a:prstGeom>
-          <a:noFill/>
-        </p:spPr>
-        <p:txBody>
-          <a:bodyPr wrap="square" lIns="108850" tIns="54425" rIns="108850" bIns="54425" rtlCol="0">
-            <a:spAutoFit/>
-          </a:bodyPr>
-          <a:lstStyle/>
-          <a:p>
-            <a:r>
-              <a:rPr lang="zh-CN" altLang="en-US" sz="2800" dirty="0">
+          </p:spPr>
+          <p:txBody>
+            <a:bodyPr wrap="square" lIns="108850" tIns="54425" rIns="108850" bIns="54425" rtlCol="0">
+              <a:spAutoFit/>
+            </a:bodyPr>
+            <a:lstStyle/>
+            <a:p>
+              <a:r>
+                <a:rPr lang="zh-CN" altLang="en-US" sz="2800" dirty="0">
+                  <a:solidFill>
+                    <a:srgbClr val="595E64"/>
+                  </a:solidFill>
+                  <a:latin typeface="微软雅黑" panose="020B0503020204020204" pitchFamily="34" charset="-122"/>
+                  <a:ea typeface="微软雅黑" panose="020B0503020204020204" pitchFamily="34" charset="-122"/>
+                </a:rPr>
+                <a:t>块级元素与行内元素</a:t>
+              </a:r>
+              <a:endParaRPr lang="zh-CN" altLang="en-US" sz="2800" dirty="0">
                 <a:solidFill>
                   <a:srgbClr val="595E64"/>
                 </a:solidFill>
                 <a:latin typeface="微软雅黑" panose="020B0503020204020204" pitchFamily="34" charset="-122"/>
                 <a:ea typeface="微软雅黑" panose="020B0503020204020204" pitchFamily="34" charset="-122"/>
-              </a:rPr>
-              <a:t>块级元素与行内元素</a:t>
-            </a:r>
-            <a:endParaRPr lang="zh-CN" altLang="en-US" sz="2800" dirty="0">
-              <a:solidFill>
-                <a:srgbClr val="595E64"/>
-              </a:solidFill>
-              <a:latin typeface="微软雅黑" panose="020B0503020204020204" pitchFamily="34" charset="-122"/>
-              <a:ea typeface="微软雅黑" panose="020B0503020204020204" pitchFamily="34" charset="-122"/>
-            </a:endParaRPr>
-          </a:p>
-        </p:txBody>
-      </p:sp>
-      <p:sp>
-        <p:nvSpPr>
-          <p:cNvPr id="15" name="等腰三角形 14"/>
-          <p:cNvSpPr/>
+              </a:endParaRPr>
+            </a:p>
+          </p:txBody>
+        </p:sp>
+        <p:sp>
+          <p:nvSpPr>
+            <p:cNvPr id="15" name="等腰三角形 14"/>
+            <p:cNvSpPr/>
+            <p:nvPr/>
+          </p:nvSpPr>
+          <p:spPr>
+            <a:xfrm rot="5400000" flipH="1">
+              <a:off x="6918" y="5752"/>
+              <a:ext cx="818" cy="712"/>
+            </a:xfrm>
+            <a:prstGeom prst="triangle">
+              <a:avLst/>
+            </a:prstGeom>
+            <a:solidFill>
+              <a:srgbClr val="55C1E7"/>
+            </a:solidFill>
+            <a:ln>
+              <a:noFill/>
+            </a:ln>
+          </p:spPr>
+          <p:style>
+            <a:lnRef idx="2">
+              <a:schemeClr val="accent1">
+                <a:shade val="50000"/>
+              </a:schemeClr>
+            </a:lnRef>
+            <a:fillRef idx="1">
+              <a:schemeClr val="accent1"/>
+            </a:fillRef>
+            <a:effectRef idx="0">
+              <a:schemeClr val="accent1"/>
+            </a:effectRef>
+            <a:fontRef idx="minor">
+              <a:schemeClr val="lt1"/>
+            </a:fontRef>
+          </p:style>
+          <p:txBody>
+            <a:bodyPr lIns="108850" tIns="54425" rIns="108850" bIns="54425" rtlCol="0" anchor="ctr"/>
+            <a:lstStyle/>
+            <a:p>
+              <a:pPr algn="ctr"/>
+              <a:endParaRPr lang="zh-CN" altLang="en-US"/>
+            </a:p>
+          </p:txBody>
+        </p:sp>
+      </p:grpSp>
+      <p:grpSp>
+        <p:nvGrpSpPr>
+          <p:cNvPr id="7" name="组合 6"/>
+          <p:cNvGrpSpPr/>
           <p:nvPr/>
-        </p:nvSpPr>
-        <p:spPr>
-          <a:xfrm rot="5400000" flipH="1">
-            <a:off x="4392882" y="3652621"/>
-            <a:ext cx="519508" cy="452060"/>
+        </p:nvGrpSpPr>
+        <p:grpSpPr>
+          <a:xfrm>
+            <a:off x="4407535" y="4929505"/>
+            <a:ext cx="7040245" cy="541020"/>
+            <a:chOff x="6941" y="7764"/>
+            <a:chExt cx="11087" cy="852"/>
           </a:xfrm>
-          <a:prstGeom prst="triangle">
-            <a:avLst/>
-          </a:prstGeom>
-          <a:solidFill>
-            <a:srgbClr val="55C1E7"/>
-          </a:solidFill>
-          <a:ln>
+        </p:grpSpPr>
+        <p:sp>
+          <p:nvSpPr>
+            <p:cNvPr id="17" name="文本框 21"/>
+            <p:cNvSpPr txBox="1"/>
+            <p:nvPr/>
+          </p:nvSpPr>
+          <p:spPr>
+            <a:xfrm>
+              <a:off x="8194" y="7764"/>
+              <a:ext cx="9834" cy="852"/>
+            </a:xfrm>
+            <a:prstGeom prst="rect">
+              <a:avLst/>
+            </a:prstGeom>
             <a:noFill/>
-          </a:ln>
-        </p:spPr>
-        <p:style>
-          <a:lnRef idx="2">
-            <a:schemeClr val="accent1">
-              <a:shade val="50000"/>
-            </a:schemeClr>
-          </a:lnRef>
-          <a:fillRef idx="1">
-            <a:schemeClr val="accent1"/>
-          </a:fillRef>
-          <a:effectRef idx="0">
-            <a:schemeClr val="accent1"/>
-          </a:effectRef>
-          <a:fontRef idx="minor">
-            <a:schemeClr val="lt1"/>
-          </a:fontRef>
-        </p:style>
-        <p:txBody>
-          <a:bodyPr lIns="108850" tIns="54425" rIns="108850" bIns="54425" rtlCol="0" anchor="ctr"/>
-          <a:lstStyle/>
-          <a:p>
-            <a:pPr algn="ctr"/>
-            <a:endParaRPr lang="zh-CN" altLang="en-US"/>
-          </a:p>
-        </p:txBody>
-      </p:sp>
-      <p:sp>
-        <p:nvSpPr>
-          <p:cNvPr id="17" name="文本框 21"/>
-          <p:cNvSpPr txBox="1"/>
-          <p:nvPr/>
-        </p:nvSpPr>
-        <p:spPr>
-          <a:xfrm>
-            <a:off x="5203432" y="4929950"/>
-            <a:ext cx="6244586" cy="540800"/>
-          </a:xfrm>
-          <a:prstGeom prst="rect">
-            <a:avLst/>
-          </a:prstGeom>
-          <a:noFill/>
-        </p:spPr>
-        <p:txBody>
-          <a:bodyPr wrap="square" lIns="108850" tIns="54425" rIns="108850" bIns="54425" rtlCol="0">
-            <a:spAutoFit/>
-          </a:bodyPr>
-          <a:lstStyle/>
-          <a:p>
-            <a:r>
-              <a:rPr lang="zh-CN" altLang="en-US" sz="2800" dirty="0">
+          </p:spPr>
+          <p:txBody>
+            <a:bodyPr wrap="square" lIns="108850" tIns="54425" rIns="108850" bIns="54425" rtlCol="0">
+              <a:spAutoFit/>
+            </a:bodyPr>
+            <a:lstStyle/>
+            <a:p>
+              <a:r>
+                <a:rPr lang="zh-CN" altLang="en-US" sz="2800" dirty="0">
+                  <a:solidFill>
+                    <a:srgbClr val="595E64"/>
+                  </a:solidFill>
+                  <a:latin typeface="微软雅黑" panose="020B0503020204020204" pitchFamily="34" charset="-122"/>
+                  <a:ea typeface="微软雅黑" panose="020B0503020204020204" pitchFamily="34" charset="-122"/>
+                </a:rPr>
+                <a:t>盒子模型的应用</a:t>
+              </a:r>
+              <a:endParaRPr lang="zh-CN" altLang="en-US" sz="2800" dirty="0">
                 <a:solidFill>
                   <a:srgbClr val="595E64"/>
                 </a:solidFill>
                 <a:latin typeface="微软雅黑" panose="020B0503020204020204" pitchFamily="34" charset="-122"/>
                 <a:ea typeface="微软雅黑" panose="020B0503020204020204" pitchFamily="34" charset="-122"/>
-              </a:rPr>
-              <a:t>盒子模型的应用</a:t>
-            </a:r>
-            <a:endParaRPr lang="zh-CN" altLang="en-US" sz="2800" dirty="0">
-              <a:solidFill>
-                <a:srgbClr val="595E64"/>
-              </a:solidFill>
-              <a:latin typeface="微软雅黑" panose="020B0503020204020204" pitchFamily="34" charset="-122"/>
-              <a:ea typeface="微软雅黑" panose="020B0503020204020204" pitchFamily="34" charset="-122"/>
-            </a:endParaRPr>
-          </a:p>
-        </p:txBody>
-      </p:sp>
-      <p:sp>
-        <p:nvSpPr>
-          <p:cNvPr id="18" name="等腰三角形 17"/>
-          <p:cNvSpPr/>
-          <p:nvPr/>
-        </p:nvSpPr>
-        <p:spPr>
-          <a:xfrm rot="5400000" flipH="1">
-            <a:off x="4374128" y="4965593"/>
-            <a:ext cx="519508" cy="452060"/>
-          </a:xfrm>
-          <a:prstGeom prst="triangle">
-            <a:avLst/>
-          </a:prstGeom>
-          <a:solidFill>
-            <a:srgbClr val="FDCD5F"/>
-          </a:solidFill>
-          <a:ln>
-            <a:noFill/>
-          </a:ln>
-        </p:spPr>
-        <p:style>
-          <a:lnRef idx="2">
-            <a:schemeClr val="accent1">
-              <a:shade val="50000"/>
-            </a:schemeClr>
-          </a:lnRef>
-          <a:fillRef idx="1">
-            <a:schemeClr val="accent1"/>
-          </a:fillRef>
-          <a:effectRef idx="0">
-            <a:schemeClr val="accent1"/>
-          </a:effectRef>
-          <a:fontRef idx="minor">
-            <a:schemeClr val="lt1"/>
-          </a:fontRef>
-        </p:style>
-        <p:txBody>
-          <a:bodyPr lIns="108850" tIns="54425" rIns="108850" bIns="54425" rtlCol="0" anchor="ctr"/>
-          <a:lstStyle/>
-          <a:p>
-            <a:pPr algn="ctr"/>
-            <a:endParaRPr lang="zh-CN" altLang="en-US"/>
-          </a:p>
-        </p:txBody>
-      </p:sp>
+              </a:endParaRPr>
+            </a:p>
+          </p:txBody>
+        </p:sp>
+        <p:sp>
+          <p:nvSpPr>
+            <p:cNvPr id="18" name="等腰三角形 17"/>
+            <p:cNvSpPr/>
+            <p:nvPr/>
+          </p:nvSpPr>
+          <p:spPr>
+            <a:xfrm rot="5400000" flipH="1">
+              <a:off x="6888" y="7820"/>
+              <a:ext cx="818" cy="712"/>
+            </a:xfrm>
+            <a:prstGeom prst="triangle">
+              <a:avLst/>
+            </a:prstGeom>
+            <a:solidFill>
+              <a:srgbClr val="FDCD5F"/>
+            </a:solidFill>
+            <a:ln>
+              <a:noFill/>
+            </a:ln>
+          </p:spPr>
+          <p:style>
+            <a:lnRef idx="2">
+              <a:schemeClr val="accent1">
+                <a:shade val="50000"/>
+              </a:schemeClr>
+            </a:lnRef>
+            <a:fillRef idx="1">
+              <a:schemeClr val="accent1"/>
+            </a:fillRef>
+            <a:effectRef idx="0">
+              <a:schemeClr val="accent1"/>
+            </a:effectRef>
+            <a:fontRef idx="minor">
+              <a:schemeClr val="lt1"/>
+            </a:fontRef>
+          </p:style>
+          <p:txBody>
+            <a:bodyPr lIns="108850" tIns="54425" rIns="108850" bIns="54425" rtlCol="0" anchor="ctr"/>
+            <a:lstStyle/>
+            <a:p>
+              <a:pPr algn="ctr"/>
+              <a:endParaRPr lang="zh-CN" altLang="en-US"/>
+            </a:p>
+          </p:txBody>
+        </p:sp>
+      </p:grpSp>
     </p:spTree>
   </p:cSld>
   <p:clrMapOvr>
@@ -30547,7 +30677,7 @@
               <a:rPr lang="en-US" altLang="zh-CN" sz="2800" dirty="0" smtClean="0">
                 <a:cs typeface="Arial" panose="020B0604020202020204" pitchFamily="34" charset="0"/>
               </a:rPr>
-              <a:t> display</a:t>
+              <a:t> display </a:t>
             </a:r>
             <a:r>
               <a:rPr lang="zh-CN" altLang="en-US" sz="2800" dirty="0">
@@ -30571,13 +30701,13 @@
               <a:rPr lang="zh-CN" altLang="en-US" sz="2400" dirty="0">
                 <a:cs typeface="Arial" panose="020B0604020202020204" pitchFamily="34" charset="0"/>
               </a:rPr>
-              <a:t>指定</a:t>
+              <a:t>指定 </a:t>
             </a:r>
             <a:r>
               <a:rPr lang="en-US" altLang="zh-CN" sz="2400" dirty="0">
                 <a:cs typeface="Arial" panose="020B0604020202020204" pitchFamily="34" charset="0"/>
               </a:rPr>
-              <a:t>HTML</a:t>
+              <a:t>HTML </a:t>
             </a:r>
             <a:r>
               <a:rPr lang="zh-CN" altLang="en-US" sz="2400" dirty="0">
@@ -30626,13 +30756,13 @@
               <a:rPr lang="zh-CN" altLang="en-US" sz="2200" dirty="0" smtClean="0">
                 <a:cs typeface="Arial" panose="020B0604020202020204" pitchFamily="34" charset="0"/>
               </a:rPr>
-              <a:t>有</a:t>
+              <a:t>有 </a:t>
             </a:r>
             <a:r>
               <a:rPr lang="en-US" altLang="zh-CN" sz="2200" dirty="0">
                 <a:cs typeface="Arial" panose="020B0604020202020204" pitchFamily="34" charset="0"/>
               </a:rPr>
-              <a:t>4</a:t>
+              <a:t>4 </a:t>
             </a:r>
             <a:r>
               <a:rPr lang="zh-CN" altLang="en-US" sz="2200" dirty="0" smtClean="0">
@@ -32732,7 +32862,7 @@
         <p:spPr>
           <a:xfrm>
             <a:off x="9375524" y="5744153"/>
-            <a:ext cx="2319760" cy="479245"/>
+            <a:ext cx="2295525" cy="476885"/>
           </a:xfrm>
           <a:prstGeom prst="rect">
             <a:avLst/>
@@ -32757,7 +32887,7 @@
                 <a:latin typeface="微软雅黑" panose="020B0503020204020204" pitchFamily="34" charset="-122"/>
                 <a:ea typeface="微软雅黑" panose="020B0503020204020204" pitchFamily="34" charset="-122"/>
               </a:rPr>
-              <a:t>emo5-3.html</a:t>
+              <a:t>emo6-3.html</a:t>
             </a:r>
             <a:endParaRPr lang="zh-CN" altLang="en-US" sz="2400" dirty="0">
               <a:latin typeface="微软雅黑" panose="020B0503020204020204" pitchFamily="34" charset="-122"/>
@@ -35056,14 +35186,7 @@
                 <a:latin typeface="微软雅黑" panose="020B0503020204020204" pitchFamily="34" charset="-122"/>
                 <a:ea typeface="微软雅黑" panose="020B0503020204020204" pitchFamily="34" charset="-122"/>
               </a:rPr>
-              <a:t>&lt;</a:t>
-            </a:r>
-            <a:r>
-              <a:rPr lang="en-US" altLang="zh-CN" sz="2400" dirty="0">
-                <a:latin typeface="微软雅黑" panose="020B0503020204020204" pitchFamily="34" charset="-122"/>
-                <a:ea typeface="微软雅黑" panose="020B0503020204020204" pitchFamily="34" charset="-122"/>
-              </a:rPr>
-              <a:t>li&gt;</a:t>
+              <a:t>&lt;li&gt;</a:t>
             </a:r>
             <a:r>
               <a:rPr lang="zh-CN" altLang="en-US" sz="2400" dirty="0">
@@ -35829,7 +35952,7 @@
         <p:spPr>
           <a:xfrm>
             <a:off x="9375524" y="5744153"/>
-            <a:ext cx="2491282" cy="510023"/>
+            <a:ext cx="2468245" cy="508000"/>
           </a:xfrm>
           <a:prstGeom prst="rect">
             <a:avLst/>
@@ -35854,7 +35977,7 @@
                 <a:latin typeface="微软雅黑" panose="020B0503020204020204" pitchFamily="34" charset="-122"/>
                 <a:ea typeface="微软雅黑" panose="020B0503020204020204" pitchFamily="34" charset="-122"/>
               </a:rPr>
-              <a:t>emo5-4.html</a:t>
+              <a:t>emo6-4.html</a:t>
             </a:r>
             <a:endParaRPr lang="zh-CN" altLang="en-US" sz="2600" dirty="0">
               <a:latin typeface="微软雅黑" panose="020B0503020204020204" pitchFamily="34" charset="-122"/>
@@ -36782,7 +36905,7 @@
           <a:p>
             <a:r>
               <a:rPr lang="en-US" altLang="zh-CN" sz="3000" dirty="0" smtClean="0"/>
-              <a:t> CSS</a:t>
+              <a:t> CSS </a:t>
             </a:r>
             <a:r>
               <a:rPr lang="zh-CN" altLang="en-US" sz="3000" dirty="0">
@@ -36802,11 +36925,11 @@
             <a:pPr lvl="1"/>
             <a:r>
               <a:rPr lang="zh-CN" altLang="en-US" dirty="0" smtClean="0"/>
-              <a:t> 使用</a:t>
+              <a:t> 使用 </a:t>
             </a:r>
             <a:r>
               <a:rPr lang="en-US" altLang="zh-CN" dirty="0"/>
-              <a:t>CSS</a:t>
+              <a:t>CSS </a:t>
             </a:r>
             <a:r>
               <a:rPr lang="zh-CN" altLang="en-US" dirty="0"/>
@@ -36830,11 +36953,11 @@
             <a:pPr lvl="1"/>
             <a:r>
               <a:rPr lang="zh-CN" altLang="en-US" dirty="0" smtClean="0"/>
-              <a:t> 使用</a:t>
+              <a:t> 使用 </a:t>
             </a:r>
             <a:r>
               <a:rPr lang="en-US" altLang="zh-CN" dirty="0"/>
-              <a:t>CSS</a:t>
+              <a:t>CSS </a:t>
             </a:r>
             <a:r>
               <a:rPr lang="zh-CN" altLang="en-US" dirty="0"/>
@@ -36881,7 +37004,7 @@
             </a:r>
             <a:r>
               <a:rPr lang="zh-CN" altLang="en-US" sz="3000" dirty="0"/>
-              <a:t>的概念及</a:t>
+              <a:t>的概念及 </a:t>
             </a:r>
             <a:r>
               <a:rPr lang="en-US" altLang="zh-CN" sz="3000" dirty="0">
@@ -36889,7 +37012,7 @@
                   <a:srgbClr val="FF0000"/>
                 </a:solidFill>
               </a:rPr>
-              <a:t>display</a:t>
+              <a:t>display </a:t>
             </a:r>
             <a:r>
               <a:rPr lang="zh-CN" altLang="en-US" sz="3000" dirty="0"/>
@@ -36904,7 +37027,7 @@
             </a:r>
             <a:r>
               <a:rPr lang="en-US" altLang="zh-CN" sz="3000" dirty="0" smtClean="0"/>
-              <a:t>CSS</a:t>
+              <a:t>CSS </a:t>
             </a:r>
             <a:r>
               <a:rPr lang="zh-CN" altLang="en-US" sz="3000" dirty="0"/>
@@ -38208,8 +38331,8 @@
         </p:nvSpPr>
         <p:spPr>
           <a:xfrm>
-            <a:off x="578222" y="5215227"/>
-            <a:ext cx="10008596" cy="1002465"/>
+            <a:off x="578485" y="5215255"/>
+            <a:ext cx="11167745" cy="969645"/>
           </a:xfrm>
           <a:prstGeom prst="rect">
             <a:avLst/>
@@ -38217,7 +38340,7 @@
           <a:noFill/>
         </p:spPr>
         <p:txBody>
-          <a:bodyPr wrap="none" lIns="108850" tIns="54425" rIns="108850" bIns="54425" rtlCol="0">
+          <a:bodyPr wrap="square" lIns="108850" tIns="54425" rIns="108850" bIns="54425" rtlCol="0">
             <a:spAutoFit/>
           </a:bodyPr>
           <a:lstStyle/>
@@ -38230,7 +38353,7 @@
                 <a:latin typeface="微软雅黑" panose="020B0503020204020204" pitchFamily="34" charset="-122"/>
                 <a:ea typeface="微软雅黑" panose="020B0503020204020204" pitchFamily="34" charset="-122"/>
               </a:rPr>
-              <a:t>  Web</a:t>
+              <a:t>  Web </a:t>
             </a:r>
             <a:r>
               <a:rPr kumimoji="1" lang="zh-CN" altLang="en-US" sz="2800" dirty="0">
@@ -38249,18 +38372,12 @@
               </a:rPr>
               <a:t>：一个矩形区域，内容包裹在盒子中。盒子的</a:t>
             </a:r>
-            <a:endParaRPr kumimoji="1" lang="en-US" altLang="zh-CN" sz="2800" dirty="0">
-              <a:latin typeface="微软雅黑" panose="020B0503020204020204" pitchFamily="34" charset="-122"/>
-              <a:ea typeface="微软雅黑" panose="020B0503020204020204" pitchFamily="34" charset="-122"/>
-            </a:endParaRPr>
-          </a:p>
-          <a:p>
             <a:r>
               <a:rPr kumimoji="1" lang="zh-CN" altLang="en-US" sz="2800" dirty="0" smtClean="0">
                 <a:latin typeface="微软雅黑" panose="020B0503020204020204" pitchFamily="34" charset="-122"/>
                 <a:ea typeface="微软雅黑" panose="020B0503020204020204" pitchFamily="34" charset="-122"/>
               </a:rPr>
-              <a:t>  堆叠</a:t>
+              <a:t>堆叠</a:t>
             </a:r>
             <a:r>
               <a:rPr kumimoji="1" lang="zh-CN" altLang="en-US" sz="2800" dirty="0">
@@ -38333,7 +38450,7 @@
           <a:p>
             <a:r>
               <a:rPr kumimoji="1" lang="en-US" altLang="zh-CN" sz="3600" dirty="0"/>
-              <a:t>Web </a:t>
+              <a:t>Web</a:t>
             </a:r>
             <a:r>
               <a:rPr kumimoji="1" lang="zh-CN" altLang="en-US" sz="3600" dirty="0"/>
